--- a/doc/BDD_TheGardener_in_a_nutshell.pptx
+++ b/doc/BDD_TheGardener_in_a_nutshell.pptx
@@ -18,8 +18,6 @@
     <p:sldId id="264" r:id="rId13"/>
     <p:sldId id="265" r:id="rId14"/>
     <p:sldId id="266" r:id="rId15"/>
-    <p:sldId id="267" r:id="rId16"/>
-    <p:sldId id="268" r:id="rId17"/>
   </p:sldIdLst>
   <p:sldSz cx="12192000" cy="6858000"/>
   <p:notesSz cx="7559675" cy="10691812"/>
@@ -78,7 +76,7 @@
         <p:spPr>
           <a:xfrm>
             <a:off x="609480" y="273600"/>
-            <a:ext cx="10971720" cy="1144080"/>
+            <a:ext cx="10972440" cy="1144800"/>
           </a:xfrm>
           <a:prstGeom prst="rect">
             <a:avLst/>
@@ -107,7 +105,7 @@
         <p:spPr>
           <a:xfrm>
             <a:off x="609480" y="1604520"/>
-            <a:ext cx="10972080" cy="1896840"/>
+            <a:ext cx="10972440" cy="1896840"/>
           </a:xfrm>
           <a:prstGeom prst="rect">
             <a:avLst/>
@@ -137,7 +135,7 @@
         <p:spPr>
           <a:xfrm>
             <a:off x="609480" y="3682080"/>
-            <a:ext cx="10972080" cy="1896840"/>
+            <a:ext cx="10972440" cy="1896840"/>
           </a:xfrm>
           <a:prstGeom prst="rect">
             <a:avLst/>
@@ -189,7 +187,7 @@
         <p:spPr>
           <a:xfrm>
             <a:off x="609480" y="273600"/>
-            <a:ext cx="10971720" cy="1144080"/>
+            <a:ext cx="10972440" cy="1144800"/>
           </a:xfrm>
           <a:prstGeom prst="rect">
             <a:avLst/>
@@ -360,7 +358,7 @@
         <p:spPr>
           <a:xfrm>
             <a:off x="609480" y="273600"/>
-            <a:ext cx="10971720" cy="1144080"/>
+            <a:ext cx="10972440" cy="1144800"/>
           </a:xfrm>
           <a:prstGeom prst="rect">
             <a:avLst/>
@@ -389,7 +387,7 @@
         <p:spPr>
           <a:xfrm>
             <a:off x="609480" y="1604520"/>
-            <a:ext cx="3532680" cy="1896840"/>
+            <a:ext cx="3533040" cy="1896840"/>
           </a:xfrm>
           <a:prstGeom prst="rect">
             <a:avLst/>
@@ -418,8 +416,8 @@
         </p:nvSpPr>
         <p:spPr>
           <a:xfrm>
-            <a:off x="4319280" y="1604520"/>
-            <a:ext cx="3532680" cy="1896840"/>
+            <a:off x="4319640" y="1604520"/>
+            <a:ext cx="3533040" cy="1896840"/>
           </a:xfrm>
           <a:prstGeom prst="rect">
             <a:avLst/>
@@ -448,8 +446,8 @@
         </p:nvSpPr>
         <p:spPr>
           <a:xfrm>
-            <a:off x="8028720" y="1604520"/>
-            <a:ext cx="3532680" cy="1896840"/>
+            <a:off x="8029800" y="1604520"/>
+            <a:ext cx="3533040" cy="1896840"/>
           </a:xfrm>
           <a:prstGeom prst="rect">
             <a:avLst/>
@@ -478,8 +476,8 @@
         </p:nvSpPr>
         <p:spPr>
           <a:xfrm>
-            <a:off x="8028720" y="3682080"/>
-            <a:ext cx="3532680" cy="1896840"/>
+            <a:off x="8029800" y="3682080"/>
+            <a:ext cx="3533040" cy="1896840"/>
           </a:xfrm>
           <a:prstGeom prst="rect">
             <a:avLst/>
@@ -508,8 +506,8 @@
         </p:nvSpPr>
         <p:spPr>
           <a:xfrm>
-            <a:off x="4319280" y="3682080"/>
-            <a:ext cx="3532680" cy="1896840"/>
+            <a:off x="4319640" y="3682080"/>
+            <a:ext cx="3533040" cy="1896840"/>
           </a:xfrm>
           <a:prstGeom prst="rect">
             <a:avLst/>
@@ -539,7 +537,7 @@
         <p:spPr>
           <a:xfrm>
             <a:off x="609480" y="3682080"/>
-            <a:ext cx="3532680" cy="1896840"/>
+            <a:ext cx="3533040" cy="1896840"/>
           </a:xfrm>
           <a:prstGeom prst="rect">
             <a:avLst/>
@@ -613,7 +611,7 @@
         <p:spPr>
           <a:xfrm>
             <a:off x="609480" y="273600"/>
-            <a:ext cx="10971720" cy="1144080"/>
+            <a:ext cx="10972440" cy="1144800"/>
           </a:xfrm>
           <a:prstGeom prst="rect">
             <a:avLst/>
@@ -642,7 +640,7 @@
         <p:spPr>
           <a:xfrm>
             <a:off x="609480" y="1604520"/>
-            <a:ext cx="10972080" cy="3976920"/>
+            <a:ext cx="10972440" cy="3977280"/>
           </a:xfrm>
           <a:prstGeom prst="rect">
             <a:avLst/>
@@ -693,7 +691,7 @@
         <p:spPr>
           <a:xfrm>
             <a:off x="609480" y="273600"/>
-            <a:ext cx="10971720" cy="1144080"/>
+            <a:ext cx="10972440" cy="1144800"/>
           </a:xfrm>
           <a:prstGeom prst="rect">
             <a:avLst/>
@@ -722,7 +720,7 @@
         <p:spPr>
           <a:xfrm>
             <a:off x="609480" y="1604520"/>
-            <a:ext cx="10972080" cy="3976920"/>
+            <a:ext cx="10972440" cy="3977280"/>
           </a:xfrm>
           <a:prstGeom prst="rect">
             <a:avLst/>
@@ -774,7 +772,7 @@
         <p:spPr>
           <a:xfrm>
             <a:off x="609480" y="273600"/>
-            <a:ext cx="10971720" cy="1144080"/>
+            <a:ext cx="10972440" cy="1144800"/>
           </a:xfrm>
           <a:prstGeom prst="rect">
             <a:avLst/>
@@ -803,7 +801,7 @@
         <p:spPr>
           <a:xfrm>
             <a:off x="609480" y="1604520"/>
-            <a:ext cx="5354280" cy="3976920"/>
+            <a:ext cx="5354280" cy="3977280"/>
           </a:xfrm>
           <a:prstGeom prst="rect">
             <a:avLst/>
@@ -833,7 +831,7 @@
         <p:spPr>
           <a:xfrm>
             <a:off x="6231960" y="1604520"/>
-            <a:ext cx="5354280" cy="3976920"/>
+            <a:ext cx="5354280" cy="3977280"/>
           </a:xfrm>
           <a:prstGeom prst="rect">
             <a:avLst/>
@@ -885,7 +883,7 @@
         <p:spPr>
           <a:xfrm>
             <a:off x="609480" y="273600"/>
-            <a:ext cx="10971720" cy="1144080"/>
+            <a:ext cx="10972440" cy="1144800"/>
           </a:xfrm>
           <a:prstGeom prst="rect">
             <a:avLst/>
@@ -936,7 +934,7 @@
         <p:spPr>
           <a:xfrm>
             <a:off x="609480" y="273600"/>
-            <a:ext cx="10971720" cy="5304600"/>
+            <a:ext cx="10972440" cy="5307840"/>
           </a:xfrm>
           <a:prstGeom prst="rect">
             <a:avLst/>
@@ -987,7 +985,7 @@
         <p:spPr>
           <a:xfrm>
             <a:off x="609480" y="273600"/>
-            <a:ext cx="10971720" cy="1144080"/>
+            <a:ext cx="10972440" cy="1144800"/>
           </a:xfrm>
           <a:prstGeom prst="rect">
             <a:avLst/>
@@ -1076,7 +1074,7 @@
         <p:spPr>
           <a:xfrm>
             <a:off x="6231960" y="1604520"/>
-            <a:ext cx="5354280" cy="3976920"/>
+            <a:ext cx="5354280" cy="3977280"/>
           </a:xfrm>
           <a:prstGeom prst="rect">
             <a:avLst/>
@@ -1128,7 +1126,7 @@
         <p:spPr>
           <a:xfrm>
             <a:off x="609480" y="273600"/>
-            <a:ext cx="10971720" cy="1144080"/>
+            <a:ext cx="10972440" cy="1144800"/>
           </a:xfrm>
           <a:prstGeom prst="rect">
             <a:avLst/>
@@ -1157,7 +1155,7 @@
         <p:spPr>
           <a:xfrm>
             <a:off x="609480" y="1604520"/>
-            <a:ext cx="10972080" cy="3976920"/>
+            <a:ext cx="10972440" cy="3977280"/>
           </a:xfrm>
           <a:prstGeom prst="rect">
             <a:avLst/>
@@ -1208,7 +1206,7 @@
         <p:spPr>
           <a:xfrm>
             <a:off x="609480" y="273600"/>
-            <a:ext cx="10971720" cy="1144080"/>
+            <a:ext cx="10972440" cy="1144800"/>
           </a:xfrm>
           <a:prstGeom prst="rect">
             <a:avLst/>
@@ -1237,7 +1235,7 @@
         <p:spPr>
           <a:xfrm>
             <a:off x="609480" y="1604520"/>
-            <a:ext cx="5354280" cy="3976920"/>
+            <a:ext cx="5354280" cy="3977280"/>
           </a:xfrm>
           <a:prstGeom prst="rect">
             <a:avLst/>
@@ -1349,7 +1347,7 @@
         <p:spPr>
           <a:xfrm>
             <a:off x="609480" y="273600"/>
-            <a:ext cx="10971720" cy="1144080"/>
+            <a:ext cx="10972440" cy="1144800"/>
           </a:xfrm>
           <a:prstGeom prst="rect">
             <a:avLst/>
@@ -1438,7 +1436,7 @@
         <p:spPr>
           <a:xfrm>
             <a:off x="609480" y="3682080"/>
-            <a:ext cx="10972080" cy="1896840"/>
+            <a:ext cx="10972440" cy="1896840"/>
           </a:xfrm>
           <a:prstGeom prst="rect">
             <a:avLst/>
@@ -1490,7 +1488,7 @@
         <p:spPr>
           <a:xfrm>
             <a:off x="609480" y="273600"/>
-            <a:ext cx="10971720" cy="1144080"/>
+            <a:ext cx="10972440" cy="1144800"/>
           </a:xfrm>
           <a:prstGeom prst="rect">
             <a:avLst/>
@@ -1519,7 +1517,7 @@
         <p:spPr>
           <a:xfrm>
             <a:off x="609480" y="1604520"/>
-            <a:ext cx="10972080" cy="1896840"/>
+            <a:ext cx="10972440" cy="1896840"/>
           </a:xfrm>
           <a:prstGeom prst="rect">
             <a:avLst/>
@@ -1549,7 +1547,7 @@
         <p:spPr>
           <a:xfrm>
             <a:off x="609480" y="3682080"/>
-            <a:ext cx="10972080" cy="1896840"/>
+            <a:ext cx="10972440" cy="1896840"/>
           </a:xfrm>
           <a:prstGeom prst="rect">
             <a:avLst/>
@@ -1601,7 +1599,7 @@
         <p:spPr>
           <a:xfrm>
             <a:off x="609480" y="273600"/>
-            <a:ext cx="10971720" cy="1144080"/>
+            <a:ext cx="10972440" cy="1144800"/>
           </a:xfrm>
           <a:prstGeom prst="rect">
             <a:avLst/>
@@ -1772,7 +1770,7 @@
         <p:spPr>
           <a:xfrm>
             <a:off x="609480" y="273600"/>
-            <a:ext cx="10971720" cy="1144080"/>
+            <a:ext cx="10972440" cy="1144800"/>
           </a:xfrm>
           <a:prstGeom prst="rect">
             <a:avLst/>
@@ -1801,7 +1799,7 @@
         <p:spPr>
           <a:xfrm>
             <a:off x="609480" y="1604520"/>
-            <a:ext cx="3532680" cy="1896840"/>
+            <a:ext cx="3533040" cy="1896840"/>
           </a:xfrm>
           <a:prstGeom prst="rect">
             <a:avLst/>
@@ -1830,8 +1828,8 @@
         </p:nvSpPr>
         <p:spPr>
           <a:xfrm>
-            <a:off x="4319280" y="1604520"/>
-            <a:ext cx="3532680" cy="1896840"/>
+            <a:off x="4319640" y="1604520"/>
+            <a:ext cx="3533040" cy="1896840"/>
           </a:xfrm>
           <a:prstGeom prst="rect">
             <a:avLst/>
@@ -1860,8 +1858,8 @@
         </p:nvSpPr>
         <p:spPr>
           <a:xfrm>
-            <a:off x="8028720" y="1604520"/>
-            <a:ext cx="3532680" cy="1896840"/>
+            <a:off x="8029800" y="1604520"/>
+            <a:ext cx="3533040" cy="1896840"/>
           </a:xfrm>
           <a:prstGeom prst="rect">
             <a:avLst/>
@@ -1890,8 +1888,8 @@
         </p:nvSpPr>
         <p:spPr>
           <a:xfrm>
-            <a:off x="8028720" y="3682080"/>
-            <a:ext cx="3532680" cy="1896840"/>
+            <a:off x="8029800" y="3682080"/>
+            <a:ext cx="3533040" cy="1896840"/>
           </a:xfrm>
           <a:prstGeom prst="rect">
             <a:avLst/>
@@ -1920,8 +1918,8 @@
         </p:nvSpPr>
         <p:spPr>
           <a:xfrm>
-            <a:off x="4319280" y="3682080"/>
-            <a:ext cx="3532680" cy="1896840"/>
+            <a:off x="4319640" y="3682080"/>
+            <a:ext cx="3533040" cy="1896840"/>
           </a:xfrm>
           <a:prstGeom prst="rect">
             <a:avLst/>
@@ -1951,7 +1949,7 @@
         <p:spPr>
           <a:xfrm>
             <a:off x="609480" y="3682080"/>
-            <a:ext cx="3532680" cy="1896840"/>
+            <a:ext cx="3533040" cy="1896840"/>
           </a:xfrm>
           <a:prstGeom prst="rect">
             <a:avLst/>
@@ -2025,7 +2023,7 @@
         <p:spPr>
           <a:xfrm>
             <a:off x="609480" y="273600"/>
-            <a:ext cx="10971720" cy="1144080"/>
+            <a:ext cx="10972440" cy="1144800"/>
           </a:xfrm>
           <a:prstGeom prst="rect">
             <a:avLst/>
@@ -2054,7 +2052,7 @@
         <p:spPr>
           <a:xfrm>
             <a:off x="609480" y="1604520"/>
-            <a:ext cx="10972080" cy="3976920"/>
+            <a:ext cx="10972440" cy="3977280"/>
           </a:xfrm>
           <a:prstGeom prst="rect">
             <a:avLst/>
@@ -2105,7 +2103,7 @@
         <p:spPr>
           <a:xfrm>
             <a:off x="609480" y="273600"/>
-            <a:ext cx="10971720" cy="1144080"/>
+            <a:ext cx="10972440" cy="1144800"/>
           </a:xfrm>
           <a:prstGeom prst="rect">
             <a:avLst/>
@@ -2134,7 +2132,7 @@
         <p:spPr>
           <a:xfrm>
             <a:off x="609480" y="1604520"/>
-            <a:ext cx="10972080" cy="3976920"/>
+            <a:ext cx="10972440" cy="3977280"/>
           </a:xfrm>
           <a:prstGeom prst="rect">
             <a:avLst/>
@@ -2186,7 +2184,7 @@
         <p:spPr>
           <a:xfrm>
             <a:off x="609480" y="273600"/>
-            <a:ext cx="10971720" cy="1144080"/>
+            <a:ext cx="10972440" cy="1144800"/>
           </a:xfrm>
           <a:prstGeom prst="rect">
             <a:avLst/>
@@ -2215,7 +2213,7 @@
         <p:spPr>
           <a:xfrm>
             <a:off x="609480" y="1604520"/>
-            <a:ext cx="5354280" cy="3976920"/>
+            <a:ext cx="5354280" cy="3977280"/>
           </a:xfrm>
           <a:prstGeom prst="rect">
             <a:avLst/>
@@ -2245,7 +2243,7 @@
         <p:spPr>
           <a:xfrm>
             <a:off x="6231960" y="1604520"/>
-            <a:ext cx="5354280" cy="3976920"/>
+            <a:ext cx="5354280" cy="3977280"/>
           </a:xfrm>
           <a:prstGeom prst="rect">
             <a:avLst/>
@@ -2297,7 +2295,7 @@
         <p:spPr>
           <a:xfrm>
             <a:off x="609480" y="273600"/>
-            <a:ext cx="10971720" cy="1144080"/>
+            <a:ext cx="10972440" cy="1144800"/>
           </a:xfrm>
           <a:prstGeom prst="rect">
             <a:avLst/>
@@ -2348,7 +2346,7 @@
         <p:spPr>
           <a:xfrm>
             <a:off x="609480" y="273600"/>
-            <a:ext cx="10971720" cy="1144080"/>
+            <a:ext cx="10972440" cy="1144800"/>
           </a:xfrm>
           <a:prstGeom prst="rect">
             <a:avLst/>
@@ -2377,7 +2375,7 @@
         <p:spPr>
           <a:xfrm>
             <a:off x="609480" y="1604520"/>
-            <a:ext cx="10972080" cy="3976920"/>
+            <a:ext cx="10972440" cy="3977280"/>
           </a:xfrm>
           <a:prstGeom prst="rect">
             <a:avLst/>
@@ -2429,7 +2427,7 @@
         <p:spPr>
           <a:xfrm>
             <a:off x="609480" y="273600"/>
-            <a:ext cx="10971720" cy="5304600"/>
+            <a:ext cx="10972440" cy="5307840"/>
           </a:xfrm>
           <a:prstGeom prst="rect">
             <a:avLst/>
@@ -2480,7 +2478,7 @@
         <p:spPr>
           <a:xfrm>
             <a:off x="609480" y="273600"/>
-            <a:ext cx="10971720" cy="1144080"/>
+            <a:ext cx="10972440" cy="1144800"/>
           </a:xfrm>
           <a:prstGeom prst="rect">
             <a:avLst/>
@@ -2569,7 +2567,7 @@
         <p:spPr>
           <a:xfrm>
             <a:off x="6231960" y="1604520"/>
-            <a:ext cx="5354280" cy="3976920"/>
+            <a:ext cx="5354280" cy="3977280"/>
           </a:xfrm>
           <a:prstGeom prst="rect">
             <a:avLst/>
@@ -2621,7 +2619,7 @@
         <p:spPr>
           <a:xfrm>
             <a:off x="609480" y="273600"/>
-            <a:ext cx="10971720" cy="1144080"/>
+            <a:ext cx="10972440" cy="1144800"/>
           </a:xfrm>
           <a:prstGeom prst="rect">
             <a:avLst/>
@@ -2650,7 +2648,7 @@
         <p:spPr>
           <a:xfrm>
             <a:off x="609480" y="1604520"/>
-            <a:ext cx="5354280" cy="3976920"/>
+            <a:ext cx="5354280" cy="3977280"/>
           </a:xfrm>
           <a:prstGeom prst="rect">
             <a:avLst/>
@@ -2762,7 +2760,7 @@
         <p:spPr>
           <a:xfrm>
             <a:off x="609480" y="273600"/>
-            <a:ext cx="10971720" cy="1144080"/>
+            <a:ext cx="10972440" cy="1144800"/>
           </a:xfrm>
           <a:prstGeom prst="rect">
             <a:avLst/>
@@ -2851,7 +2849,7 @@
         <p:spPr>
           <a:xfrm>
             <a:off x="609480" y="3682080"/>
-            <a:ext cx="10972080" cy="1896840"/>
+            <a:ext cx="10972440" cy="1896840"/>
           </a:xfrm>
           <a:prstGeom prst="rect">
             <a:avLst/>
@@ -2903,7 +2901,7 @@
         <p:spPr>
           <a:xfrm>
             <a:off x="609480" y="273600"/>
-            <a:ext cx="10971720" cy="1144080"/>
+            <a:ext cx="10972440" cy="1144800"/>
           </a:xfrm>
           <a:prstGeom prst="rect">
             <a:avLst/>
@@ -2932,7 +2930,7 @@
         <p:spPr>
           <a:xfrm>
             <a:off x="609480" y="1604520"/>
-            <a:ext cx="10972080" cy="1896840"/>
+            <a:ext cx="10972440" cy="1896840"/>
           </a:xfrm>
           <a:prstGeom prst="rect">
             <a:avLst/>
@@ -2962,7 +2960,7 @@
         <p:spPr>
           <a:xfrm>
             <a:off x="609480" y="3682080"/>
-            <a:ext cx="10972080" cy="1896840"/>
+            <a:ext cx="10972440" cy="1896840"/>
           </a:xfrm>
           <a:prstGeom prst="rect">
             <a:avLst/>
@@ -3014,7 +3012,7 @@
         <p:spPr>
           <a:xfrm>
             <a:off x="609480" y="273600"/>
-            <a:ext cx="10971720" cy="1144080"/>
+            <a:ext cx="10972440" cy="1144800"/>
           </a:xfrm>
           <a:prstGeom prst="rect">
             <a:avLst/>
@@ -3185,7 +3183,7 @@
         <p:spPr>
           <a:xfrm>
             <a:off x="609480" y="273600"/>
-            <a:ext cx="10971720" cy="1144080"/>
+            <a:ext cx="10972440" cy="1144800"/>
           </a:xfrm>
           <a:prstGeom prst="rect">
             <a:avLst/>
@@ -3214,7 +3212,7 @@
         <p:spPr>
           <a:xfrm>
             <a:off x="609480" y="1604520"/>
-            <a:ext cx="3532680" cy="1896840"/>
+            <a:ext cx="3533040" cy="1896840"/>
           </a:xfrm>
           <a:prstGeom prst="rect">
             <a:avLst/>
@@ -3243,8 +3241,8 @@
         </p:nvSpPr>
         <p:spPr>
           <a:xfrm>
-            <a:off x="4319280" y="1604520"/>
-            <a:ext cx="3532680" cy="1896840"/>
+            <a:off x="4319640" y="1604520"/>
+            <a:ext cx="3533040" cy="1896840"/>
           </a:xfrm>
           <a:prstGeom prst="rect">
             <a:avLst/>
@@ -3273,8 +3271,8 @@
         </p:nvSpPr>
         <p:spPr>
           <a:xfrm>
-            <a:off x="8028720" y="1604520"/>
-            <a:ext cx="3532680" cy="1896840"/>
+            <a:off x="8029800" y="1604520"/>
+            <a:ext cx="3533040" cy="1896840"/>
           </a:xfrm>
           <a:prstGeom prst="rect">
             <a:avLst/>
@@ -3303,8 +3301,8 @@
         </p:nvSpPr>
         <p:spPr>
           <a:xfrm>
-            <a:off x="8028720" y="3682080"/>
-            <a:ext cx="3532680" cy="1896840"/>
+            <a:off x="8029800" y="3682080"/>
+            <a:ext cx="3533040" cy="1896840"/>
           </a:xfrm>
           <a:prstGeom prst="rect">
             <a:avLst/>
@@ -3333,8 +3331,8 @@
         </p:nvSpPr>
         <p:spPr>
           <a:xfrm>
-            <a:off x="4319280" y="3682080"/>
-            <a:ext cx="3532680" cy="1896840"/>
+            <a:off x="4319640" y="3682080"/>
+            <a:ext cx="3533040" cy="1896840"/>
           </a:xfrm>
           <a:prstGeom prst="rect">
             <a:avLst/>
@@ -3364,7 +3362,7 @@
         <p:spPr>
           <a:xfrm>
             <a:off x="609480" y="3682080"/>
-            <a:ext cx="3532680" cy="1896840"/>
+            <a:ext cx="3533040" cy="1896840"/>
           </a:xfrm>
           <a:prstGeom prst="rect">
             <a:avLst/>
@@ -3416,7 +3414,7 @@
         <p:spPr>
           <a:xfrm>
             <a:off x="609480" y="273600"/>
-            <a:ext cx="10971720" cy="1144080"/>
+            <a:ext cx="10972440" cy="1144800"/>
           </a:xfrm>
           <a:prstGeom prst="rect">
             <a:avLst/>
@@ -3445,7 +3443,7 @@
         <p:spPr>
           <a:xfrm>
             <a:off x="609480" y="1604520"/>
-            <a:ext cx="5354280" cy="3976920"/>
+            <a:ext cx="5354280" cy="3977280"/>
           </a:xfrm>
           <a:prstGeom prst="rect">
             <a:avLst/>
@@ -3475,7 +3473,7 @@
         <p:spPr>
           <a:xfrm>
             <a:off x="6231960" y="1604520"/>
-            <a:ext cx="5354280" cy="3976920"/>
+            <a:ext cx="5354280" cy="3977280"/>
           </a:xfrm>
           <a:prstGeom prst="rect">
             <a:avLst/>
@@ -3527,7 +3525,7 @@
         <p:spPr>
           <a:xfrm>
             <a:off x="609480" y="273600"/>
-            <a:ext cx="10971720" cy="1144080"/>
+            <a:ext cx="10972440" cy="1144800"/>
           </a:xfrm>
           <a:prstGeom prst="rect">
             <a:avLst/>
@@ -3578,7 +3576,7 @@
         <p:spPr>
           <a:xfrm>
             <a:off x="609480" y="273600"/>
-            <a:ext cx="10971720" cy="5304600"/>
+            <a:ext cx="10972440" cy="5307840"/>
           </a:xfrm>
           <a:prstGeom prst="rect">
             <a:avLst/>
@@ -3629,7 +3627,7 @@
         <p:spPr>
           <a:xfrm>
             <a:off x="609480" y="273600"/>
-            <a:ext cx="10971720" cy="1144080"/>
+            <a:ext cx="10972440" cy="1144800"/>
           </a:xfrm>
           <a:prstGeom prst="rect">
             <a:avLst/>
@@ -3718,7 +3716,7 @@
         <p:spPr>
           <a:xfrm>
             <a:off x="6231960" y="1604520"/>
-            <a:ext cx="5354280" cy="3976920"/>
+            <a:ext cx="5354280" cy="3977280"/>
           </a:xfrm>
           <a:prstGeom prst="rect">
             <a:avLst/>
@@ -3770,7 +3768,7 @@
         <p:spPr>
           <a:xfrm>
             <a:off x="609480" y="273600"/>
-            <a:ext cx="10971720" cy="1144080"/>
+            <a:ext cx="10972440" cy="1144800"/>
           </a:xfrm>
           <a:prstGeom prst="rect">
             <a:avLst/>
@@ -3799,7 +3797,7 @@
         <p:spPr>
           <a:xfrm>
             <a:off x="609480" y="1604520"/>
-            <a:ext cx="5354280" cy="3976920"/>
+            <a:ext cx="5354280" cy="3977280"/>
           </a:xfrm>
           <a:prstGeom prst="rect">
             <a:avLst/>
@@ -3911,7 +3909,7 @@
         <p:spPr>
           <a:xfrm>
             <a:off x="609480" y="273600"/>
-            <a:ext cx="10971720" cy="1144080"/>
+            <a:ext cx="10972440" cy="1144800"/>
           </a:xfrm>
           <a:prstGeom prst="rect">
             <a:avLst/>
@@ -4000,7 +3998,7 @@
         <p:spPr>
           <a:xfrm>
             <a:off x="609480" y="3682080"/>
-            <a:ext cx="10972080" cy="1896840"/>
+            <a:ext cx="10972440" cy="1896840"/>
           </a:xfrm>
           <a:prstGeom prst="rect">
             <a:avLst/>
@@ -4055,7 +4053,7 @@
         <p:spPr>
           <a:xfrm>
             <a:off x="0" y="6176880"/>
-            <a:ext cx="12191040" cy="680040"/>
+            <a:ext cx="12189960" cy="678960"/>
           </a:xfrm>
           <a:prstGeom prst="rect">
             <a:avLst/>
@@ -4095,7 +4093,7 @@
         <p:spPr>
           <a:xfrm>
             <a:off x="11111040" y="6266520"/>
-            <a:ext cx="484560" cy="500400"/>
+            <a:ext cx="483480" cy="499320"/>
           </a:xfrm>
           <a:prstGeom prst="rect">
             <a:avLst/>
@@ -4119,7 +4117,7 @@
         <p:spPr>
           <a:xfrm>
             <a:off x="0" y="0"/>
-            <a:ext cx="960840" cy="748080"/>
+            <a:ext cx="959760" cy="747000"/>
           </a:xfrm>
           <a:prstGeom prst="rect">
             <a:avLst/>
@@ -4138,7 +4136,7 @@
         <p:spPr>
           <a:xfrm>
             <a:off x="0" y="0"/>
-            <a:ext cx="12191040" cy="6856920"/>
+            <a:ext cx="12189960" cy="6855840"/>
           </a:xfrm>
           <a:prstGeom prst="rect">
             <a:avLst/>
@@ -4178,7 +4176,7 @@
         <p:spPr>
           <a:xfrm>
             <a:off x="838080" y="703080"/>
-            <a:ext cx="4657320" cy="1245600"/>
+            <a:ext cx="4656240" cy="1244520"/>
           </a:xfrm>
           <a:prstGeom prst="rect">
             <a:avLst/>
@@ -4191,346 +4189,6 @@
       <p:sp>
         <p:nvSpPr>
           <p:cNvPr id="5" name="PlaceHolder 3"/>
-          <p:cNvSpPr>
-            <a:spLocks noGrp="1"/>
-          </p:cNvSpPr>
-          <p:nvPr>
-            <p:ph type="title"/>
-          </p:nvPr>
-        </p:nvSpPr>
-        <p:spPr>
-          <a:xfrm>
-            <a:off x="609480" y="273600"/>
-            <a:ext cx="10971720" cy="1144080"/>
-          </a:xfrm>
-          <a:prstGeom prst="rect">
-            <a:avLst/>
-          </a:prstGeom>
-        </p:spPr>
-        <p:txBody>
-          <a:bodyPr lIns="0" rIns="0" tIns="0" bIns="0" anchor="ctr"/>
-          <a:p>
-            <a:r>
-              <a:rPr b="0" lang="en-GB" sz="1800" spc="-1" strike="noStrike">
-                <a:latin typeface="Arial"/>
-              </a:rPr>
-              <a:t>Click to edit the title text format</a:t>
-            </a:r>
-            <a:endParaRPr b="0" lang="en-GB" sz="1800" spc="-1" strike="noStrike">
-              <a:latin typeface="Arial"/>
-            </a:endParaRPr>
-          </a:p>
-        </p:txBody>
-      </p:sp>
-      <p:sp>
-        <p:nvSpPr>
-          <p:cNvPr id="6" name="PlaceHolder 4"/>
-          <p:cNvSpPr>
-            <a:spLocks noGrp="1"/>
-          </p:cNvSpPr>
-          <p:nvPr>
-            <p:ph type="body"/>
-          </p:nvPr>
-        </p:nvSpPr>
-        <p:spPr>
-          <a:xfrm>
-            <a:off x="609480" y="1604520"/>
-            <a:ext cx="10972080" cy="3976920"/>
-          </a:xfrm>
-          <a:prstGeom prst="rect">
-            <a:avLst/>
-          </a:prstGeom>
-        </p:spPr>
-        <p:txBody>
-          <a:bodyPr lIns="0" rIns="0" tIns="0" bIns="0">
-            <a:normAutofit/>
-          </a:bodyPr>
-          <a:p>
-            <a:pPr marL="432000" indent="-324000">
-              <a:spcBef>
-                <a:spcPts val="1417"/>
-              </a:spcBef>
-              <a:buClr>
-                <a:srgbClr val="000000"/>
-              </a:buClr>
-              <a:buSzPct val="45000"/>
-              <a:buFont typeface="Wingdings" charset="2"/>
-              <a:buChar char=""/>
-            </a:pPr>
-            <a:r>
-              <a:rPr b="0" lang="en-GB" sz="1800" spc="-1" strike="noStrike">
-                <a:latin typeface="Arial"/>
-              </a:rPr>
-              <a:t>Click to edit the outline text format</a:t>
-            </a:r>
-            <a:endParaRPr b="0" lang="en-GB" sz="1800" spc="-1" strike="noStrike">
-              <a:latin typeface="Arial"/>
-            </a:endParaRPr>
-          </a:p>
-          <a:p>
-            <a:pPr lvl="1" marL="864000" indent="-324000">
-              <a:spcBef>
-                <a:spcPts val="1134"/>
-              </a:spcBef>
-              <a:buClr>
-                <a:srgbClr val="000000"/>
-              </a:buClr>
-              <a:buSzPct val="75000"/>
-              <a:buFont typeface="Symbol" charset="2"/>
-              <a:buChar char=""/>
-            </a:pPr>
-            <a:r>
-              <a:rPr b="0" lang="en-GB" sz="1800" spc="-1" strike="noStrike">
-                <a:latin typeface="Arial"/>
-              </a:rPr>
-              <a:t>Second Outline Level</a:t>
-            </a:r>
-            <a:endParaRPr b="0" lang="en-GB" sz="1800" spc="-1" strike="noStrike">
-              <a:latin typeface="Arial"/>
-            </a:endParaRPr>
-          </a:p>
-          <a:p>
-            <a:pPr lvl="2" marL="1296000" indent="-288000">
-              <a:spcBef>
-                <a:spcPts val="850"/>
-              </a:spcBef>
-              <a:buClr>
-                <a:srgbClr val="000000"/>
-              </a:buClr>
-              <a:buSzPct val="45000"/>
-              <a:buFont typeface="Wingdings" charset="2"/>
-              <a:buChar char=""/>
-            </a:pPr>
-            <a:r>
-              <a:rPr b="0" lang="en-GB" sz="1800" spc="-1" strike="noStrike">
-                <a:latin typeface="Arial"/>
-              </a:rPr>
-              <a:t>Third Outline Level</a:t>
-            </a:r>
-            <a:endParaRPr b="0" lang="en-GB" sz="1800" spc="-1" strike="noStrike">
-              <a:latin typeface="Arial"/>
-            </a:endParaRPr>
-          </a:p>
-          <a:p>
-            <a:pPr lvl="3" marL="1728000" indent="-216000">
-              <a:spcBef>
-                <a:spcPts val="567"/>
-              </a:spcBef>
-              <a:buClr>
-                <a:srgbClr val="000000"/>
-              </a:buClr>
-              <a:buSzPct val="75000"/>
-              <a:buFont typeface="Symbol" charset="2"/>
-              <a:buChar char=""/>
-            </a:pPr>
-            <a:r>
-              <a:rPr b="0" lang="en-GB" sz="1800" spc="-1" strike="noStrike">
-                <a:latin typeface="Arial"/>
-              </a:rPr>
-              <a:t>Fourth Outline Level</a:t>
-            </a:r>
-            <a:endParaRPr b="0" lang="en-GB" sz="1800" spc="-1" strike="noStrike">
-              <a:latin typeface="Arial"/>
-            </a:endParaRPr>
-          </a:p>
-          <a:p>
-            <a:pPr lvl="4" marL="2160000" indent="-216000">
-              <a:spcBef>
-                <a:spcPts val="283"/>
-              </a:spcBef>
-              <a:buClr>
-                <a:srgbClr val="000000"/>
-              </a:buClr>
-              <a:buSzPct val="45000"/>
-              <a:buFont typeface="Wingdings" charset="2"/>
-              <a:buChar char=""/>
-            </a:pPr>
-            <a:r>
-              <a:rPr b="0" lang="en-GB" sz="1800" spc="-1" strike="noStrike">
-                <a:latin typeface="Arial"/>
-              </a:rPr>
-              <a:t>Fifth Outline Level</a:t>
-            </a:r>
-            <a:endParaRPr b="0" lang="en-GB" sz="1800" spc="-1" strike="noStrike">
-              <a:latin typeface="Arial"/>
-            </a:endParaRPr>
-          </a:p>
-          <a:p>
-            <a:pPr lvl="5" marL="2592000" indent="-216000">
-              <a:spcBef>
-                <a:spcPts val="283"/>
-              </a:spcBef>
-              <a:buClr>
-                <a:srgbClr val="000000"/>
-              </a:buClr>
-              <a:buSzPct val="45000"/>
-              <a:buFont typeface="Wingdings" charset="2"/>
-              <a:buChar char=""/>
-            </a:pPr>
-            <a:r>
-              <a:rPr b="0" lang="en-GB" sz="1800" spc="-1" strike="noStrike">
-                <a:latin typeface="Arial"/>
-              </a:rPr>
-              <a:t>Sixth Outline Level</a:t>
-            </a:r>
-            <a:endParaRPr b="0" lang="en-GB" sz="1800" spc="-1" strike="noStrike">
-              <a:latin typeface="Arial"/>
-            </a:endParaRPr>
-          </a:p>
-          <a:p>
-            <a:pPr lvl="6" marL="3024000" indent="-216000">
-              <a:spcBef>
-                <a:spcPts val="283"/>
-              </a:spcBef>
-              <a:buClr>
-                <a:srgbClr val="000000"/>
-              </a:buClr>
-              <a:buSzPct val="45000"/>
-              <a:buFont typeface="Wingdings" charset="2"/>
-              <a:buChar char=""/>
-            </a:pPr>
-            <a:r>
-              <a:rPr b="0" lang="en-GB" sz="1800" spc="-1" strike="noStrike">
-                <a:latin typeface="Arial"/>
-              </a:rPr>
-              <a:t>Seventh Outline Level</a:t>
-            </a:r>
-            <a:endParaRPr b="0" lang="en-GB" sz="1800" spc="-1" strike="noStrike">
-              <a:latin typeface="Arial"/>
-            </a:endParaRPr>
-          </a:p>
-        </p:txBody>
-      </p:sp>
-    </p:spTree>
-  </p:cSld>
-  <p:clrMap bg1="lt1" bg2="lt2" tx1="dk1" tx2="dk2" accent1="accent1" accent2="accent2" accent3="accent3" accent4="accent4" accent5="accent5" accent6="accent6" hlink="hlink" folHlink="folHlink"/>
-  <p:sldLayoutIdLst>
-    <p:sldLayoutId id="2147483649" r:id="rId5"/>
-    <p:sldLayoutId id="2147483650" r:id="rId6"/>
-    <p:sldLayoutId id="2147483651" r:id="rId7"/>
-    <p:sldLayoutId id="2147483652" r:id="rId8"/>
-    <p:sldLayoutId id="2147483653" r:id="rId9"/>
-    <p:sldLayoutId id="2147483654" r:id="rId10"/>
-    <p:sldLayoutId id="2147483655" r:id="rId11"/>
-    <p:sldLayoutId id="2147483656" r:id="rId12"/>
-    <p:sldLayoutId id="2147483657" r:id="rId13"/>
-    <p:sldLayoutId id="2147483658" r:id="rId14"/>
-    <p:sldLayoutId id="2147483659" r:id="rId15"/>
-    <p:sldLayoutId id="2147483660" r:id="rId16"/>
-  </p:sldLayoutIdLst>
-</p:sldMaster>
-</file>
-
-<file path=ppt/slideMasters/slideMaster2.xml><?xml version="1.0" encoding="utf-8"?>
-<p:sldMaster xmlns:a="http://schemas.openxmlformats.org/drawingml/2006/main" xmlns:p="http://schemas.openxmlformats.org/presentationml/2006/main" xmlns:r="http://schemas.openxmlformats.org/officeDocument/2006/relationships" xmlns:p14="http://schemas.microsoft.com/office/powerpoint/2010/main" xmlns:p15="http://schemas.microsoft.com/office/powerpoint/2012/main" xmlns:mc="http://schemas.openxmlformats.org/markup-compatibility/2006">
-  <p:cSld>
-    <p:bg>
-      <p:bgPr>
-        <a:solidFill>
-          <a:srgbClr val="ffffff"/>
-        </a:solidFill>
-      </p:bgPr>
-    </p:bg>
-    <p:spTree>
-      <p:nvGrpSpPr>
-        <p:cNvPr id="1" name=""/>
-        <p:cNvGrpSpPr/>
-        <p:nvPr/>
-      </p:nvGrpSpPr>
-      <p:grpSpPr>
-        <a:xfrm>
-          <a:off x="0" y="0"/>
-          <a:ext cx="0" cy="0"/>
-          <a:chOff x="0" y="0"/>
-          <a:chExt cx="0" cy="0"/>
-        </a:xfrm>
-      </p:grpSpPr>
-      <p:sp>
-        <p:nvSpPr>
-          <p:cNvPr id="43" name="CustomShape 1"/>
-          <p:cNvSpPr/>
-          <p:nvPr/>
-        </p:nvSpPr>
-        <p:spPr>
-          <a:xfrm>
-            <a:off x="0" y="6176880"/>
-            <a:ext cx="12191040" cy="680040"/>
-          </a:xfrm>
-          <a:prstGeom prst="rect">
-            <a:avLst/>
-          </a:prstGeom>
-          <a:solidFill>
-            <a:srgbClr val="1f7079"/>
-          </a:solidFill>
-          <a:ln>
-            <a:noFill/>
-          </a:ln>
-        </p:spPr>
-        <p:style>
-          <a:lnRef idx="2">
-            <a:schemeClr val="accent1">
-              <a:shade val="50000"/>
-            </a:schemeClr>
-          </a:lnRef>
-          <a:fillRef idx="1">
-            <a:schemeClr val="accent1"/>
-          </a:fillRef>
-          <a:effectRef idx="0">
-            <a:schemeClr val="accent1"/>
-          </a:effectRef>
-          <a:fontRef idx="minor"/>
-        </p:style>
-      </p:sp>
-      <p:pic>
-        <p:nvPicPr>
-          <p:cNvPr id="44" name="Picture 9" descr=""/>
-          <p:cNvPicPr/>
-          <p:nvPr/>
-        </p:nvPicPr>
-        <p:blipFill>
-          <a:blip r:embed="rId2"/>
-          <a:stretch/>
-        </p:blipFill>
-        <p:spPr>
-          <a:xfrm>
-            <a:off x="11111040" y="6266520"/>
-            <a:ext cx="484560" cy="500400"/>
-          </a:xfrm>
-          <a:prstGeom prst="rect">
-            <a:avLst/>
-          </a:prstGeom>
-          <a:ln>
-            <a:noFill/>
-          </a:ln>
-        </p:spPr>
-      </p:pic>
-      <p:pic>
-        <p:nvPicPr>
-          <p:cNvPr id="45" name="Picture 3" descr=""/>
-          <p:cNvPicPr/>
-          <p:nvPr/>
-        </p:nvPicPr>
-        <p:blipFill>
-          <a:blip r:embed="rId3"/>
-          <a:srcRect l="26693" t="44406" r="0" b="0"/>
-          <a:stretch/>
-        </p:blipFill>
-        <p:spPr>
-          <a:xfrm>
-            <a:off x="0" y="0"/>
-            <a:ext cx="960840" cy="748080"/>
-          </a:xfrm>
-          <a:prstGeom prst="rect">
-            <a:avLst/>
-          </a:prstGeom>
-          <a:ln>
-            <a:noFill/>
-          </a:ln>
-        </p:spPr>
-      </p:pic>
-      <p:sp>
-        <p:nvSpPr>
-          <p:cNvPr id="46" name="PlaceHolder 2"/>
           <p:cNvSpPr>
             <a:spLocks noGrp="1"/>
           </p:cNvSpPr>
@@ -4565,7 +4223,7 @@
       </p:sp>
       <p:sp>
         <p:nvSpPr>
-          <p:cNvPr id="47" name="PlaceHolder 3"/>
+          <p:cNvPr id="6" name="PlaceHolder 4"/>
           <p:cNvSpPr>
             <a:spLocks noGrp="1"/>
           </p:cNvSpPr>
@@ -4746,23 +4404,23 @@
   </p:cSld>
   <p:clrMap bg1="lt1" bg2="lt2" tx1="dk1" tx2="dk2" accent1="accent1" accent2="accent2" accent3="accent3" accent4="accent4" accent5="accent5" accent6="accent6" hlink="hlink" folHlink="folHlink"/>
   <p:sldLayoutIdLst>
-    <p:sldLayoutId id="2147483662" r:id="rId4"/>
-    <p:sldLayoutId id="2147483663" r:id="rId5"/>
-    <p:sldLayoutId id="2147483664" r:id="rId6"/>
-    <p:sldLayoutId id="2147483665" r:id="rId7"/>
-    <p:sldLayoutId id="2147483666" r:id="rId8"/>
-    <p:sldLayoutId id="2147483667" r:id="rId9"/>
-    <p:sldLayoutId id="2147483668" r:id="rId10"/>
-    <p:sldLayoutId id="2147483669" r:id="rId11"/>
-    <p:sldLayoutId id="2147483670" r:id="rId12"/>
-    <p:sldLayoutId id="2147483671" r:id="rId13"/>
-    <p:sldLayoutId id="2147483672" r:id="rId14"/>
-    <p:sldLayoutId id="2147483673" r:id="rId15"/>
+    <p:sldLayoutId id="2147483649" r:id="rId5"/>
+    <p:sldLayoutId id="2147483650" r:id="rId6"/>
+    <p:sldLayoutId id="2147483651" r:id="rId7"/>
+    <p:sldLayoutId id="2147483652" r:id="rId8"/>
+    <p:sldLayoutId id="2147483653" r:id="rId9"/>
+    <p:sldLayoutId id="2147483654" r:id="rId10"/>
+    <p:sldLayoutId id="2147483655" r:id="rId11"/>
+    <p:sldLayoutId id="2147483656" r:id="rId12"/>
+    <p:sldLayoutId id="2147483657" r:id="rId13"/>
+    <p:sldLayoutId id="2147483658" r:id="rId14"/>
+    <p:sldLayoutId id="2147483659" r:id="rId15"/>
+    <p:sldLayoutId id="2147483660" r:id="rId16"/>
   </p:sldLayoutIdLst>
 </p:sldMaster>
 </file>
 
-<file path=ppt/slideMasters/slideMaster3.xml><?xml version="1.0" encoding="utf-8"?>
+<file path=ppt/slideMasters/slideMaster2.xml><?xml version="1.0" encoding="utf-8"?>
 <p:sldMaster xmlns:a="http://schemas.openxmlformats.org/drawingml/2006/main" xmlns:p="http://schemas.openxmlformats.org/presentationml/2006/main" xmlns:r="http://schemas.openxmlformats.org/officeDocument/2006/relationships" xmlns:p14="http://schemas.microsoft.com/office/powerpoint/2010/main" xmlns:p15="http://schemas.microsoft.com/office/powerpoint/2012/main" xmlns:mc="http://schemas.openxmlformats.org/markup-compatibility/2006">
   <p:cSld>
     <p:bg>
@@ -4788,14 +4446,14 @@
       </p:grpSpPr>
       <p:sp>
         <p:nvSpPr>
-          <p:cNvPr id="84" name="CustomShape 1"/>
+          <p:cNvPr id="43" name="CustomShape 1"/>
           <p:cNvSpPr/>
           <p:nvPr/>
         </p:nvSpPr>
         <p:spPr>
           <a:xfrm>
             <a:off x="0" y="6176880"/>
-            <a:ext cx="12191040" cy="680040"/>
+            <a:ext cx="12189960" cy="678960"/>
           </a:xfrm>
           <a:prstGeom prst="rect">
             <a:avLst/>
@@ -4824,7 +4482,7 @@
       </p:sp>
       <p:pic>
         <p:nvPicPr>
-          <p:cNvPr id="85" name="Picture 9" descr=""/>
+          <p:cNvPr id="44" name="Picture 9" descr=""/>
           <p:cNvPicPr/>
           <p:nvPr/>
         </p:nvPicPr>
@@ -4835,7 +4493,7 @@
         <p:spPr>
           <a:xfrm>
             <a:off x="11111040" y="6266520"/>
-            <a:ext cx="484560" cy="500400"/>
+            <a:ext cx="483480" cy="499320"/>
           </a:xfrm>
           <a:prstGeom prst="rect">
             <a:avLst/>
@@ -4847,7 +4505,7 @@
       </p:pic>
       <p:pic>
         <p:nvPicPr>
-          <p:cNvPr id="86" name="Picture 3" descr=""/>
+          <p:cNvPr id="45" name="Picture 3" descr=""/>
           <p:cNvPicPr/>
           <p:nvPr/>
         </p:nvPicPr>
@@ -4859,7 +4517,7 @@
         <p:spPr>
           <a:xfrm>
             <a:off x="0" y="0"/>
-            <a:ext cx="960840" cy="748080"/>
+            <a:ext cx="959760" cy="747000"/>
           </a:xfrm>
           <a:prstGeom prst="rect">
             <a:avLst/>
@@ -4871,7 +4529,7 @@
       </p:pic>
       <p:sp>
         <p:nvSpPr>
-          <p:cNvPr id="87" name="PlaceHolder 2"/>
+          <p:cNvPr id="46" name="PlaceHolder 2"/>
           <p:cNvSpPr>
             <a:spLocks noGrp="1"/>
           </p:cNvSpPr>
@@ -4882,7 +4540,7 @@
         <p:spPr>
           <a:xfrm>
             <a:off x="609480" y="273600"/>
-            <a:ext cx="10971720" cy="1144080"/>
+            <a:ext cx="10972440" cy="1144800"/>
           </a:xfrm>
           <a:prstGeom prst="rect">
             <a:avLst/>
@@ -4891,13 +4549,14 @@
         <p:txBody>
           <a:bodyPr lIns="0" rIns="0" tIns="0" bIns="0" anchor="ctr"/>
           <a:p>
+            <a:pPr algn="ctr"/>
             <a:r>
-              <a:rPr b="0" lang="en-GB" sz="1800" spc="-1" strike="noStrike">
+              <a:rPr b="0" lang="en-GB" sz="4400" spc="-1" strike="noStrike">
                 <a:latin typeface="Arial"/>
               </a:rPr>
               <a:t>Click to edit the title text format</a:t>
             </a:r>
-            <a:endParaRPr b="0" lang="en-GB" sz="1800" spc="-1" strike="noStrike">
+            <a:endParaRPr b="0" lang="en-GB" sz="4400" spc="-1" strike="noStrike">
               <a:latin typeface="Arial"/>
             </a:endParaRPr>
           </a:p>
@@ -4905,7 +4564,7 @@
       </p:sp>
       <p:sp>
         <p:nvSpPr>
-          <p:cNvPr id="88" name="PlaceHolder 3"/>
+          <p:cNvPr id="47" name="PlaceHolder 3"/>
           <p:cNvSpPr>
             <a:spLocks noGrp="1"/>
           </p:cNvSpPr>
@@ -5086,6 +4745,346 @@
   </p:cSld>
   <p:clrMap bg1="lt1" bg2="lt2" tx1="dk1" tx2="dk2" accent1="accent1" accent2="accent2" accent3="accent3" accent4="accent4" accent5="accent5" accent6="accent6" hlink="hlink" folHlink="folHlink"/>
   <p:sldLayoutIdLst>
+    <p:sldLayoutId id="2147483662" r:id="rId4"/>
+    <p:sldLayoutId id="2147483663" r:id="rId5"/>
+    <p:sldLayoutId id="2147483664" r:id="rId6"/>
+    <p:sldLayoutId id="2147483665" r:id="rId7"/>
+    <p:sldLayoutId id="2147483666" r:id="rId8"/>
+    <p:sldLayoutId id="2147483667" r:id="rId9"/>
+    <p:sldLayoutId id="2147483668" r:id="rId10"/>
+    <p:sldLayoutId id="2147483669" r:id="rId11"/>
+    <p:sldLayoutId id="2147483670" r:id="rId12"/>
+    <p:sldLayoutId id="2147483671" r:id="rId13"/>
+    <p:sldLayoutId id="2147483672" r:id="rId14"/>
+    <p:sldLayoutId id="2147483673" r:id="rId15"/>
+  </p:sldLayoutIdLst>
+</p:sldMaster>
+</file>
+
+<file path=ppt/slideMasters/slideMaster3.xml><?xml version="1.0" encoding="utf-8"?>
+<p:sldMaster xmlns:a="http://schemas.openxmlformats.org/drawingml/2006/main" xmlns:p="http://schemas.openxmlformats.org/presentationml/2006/main" xmlns:r="http://schemas.openxmlformats.org/officeDocument/2006/relationships" xmlns:p14="http://schemas.microsoft.com/office/powerpoint/2010/main" xmlns:p15="http://schemas.microsoft.com/office/powerpoint/2012/main" xmlns:mc="http://schemas.openxmlformats.org/markup-compatibility/2006">
+  <p:cSld>
+    <p:bg>
+      <p:bgPr>
+        <a:solidFill>
+          <a:srgbClr val="ffffff"/>
+        </a:solidFill>
+      </p:bgPr>
+    </p:bg>
+    <p:spTree>
+      <p:nvGrpSpPr>
+        <p:cNvPr id="1" name=""/>
+        <p:cNvGrpSpPr/>
+        <p:nvPr/>
+      </p:nvGrpSpPr>
+      <p:grpSpPr>
+        <a:xfrm>
+          <a:off x="0" y="0"/>
+          <a:ext cx="0" cy="0"/>
+          <a:chOff x="0" y="0"/>
+          <a:chExt cx="0" cy="0"/>
+        </a:xfrm>
+      </p:grpSpPr>
+      <p:sp>
+        <p:nvSpPr>
+          <p:cNvPr id="84" name="CustomShape 1"/>
+          <p:cNvSpPr/>
+          <p:nvPr/>
+        </p:nvSpPr>
+        <p:spPr>
+          <a:xfrm>
+            <a:off x="0" y="6176880"/>
+            <a:ext cx="12189960" cy="678960"/>
+          </a:xfrm>
+          <a:prstGeom prst="rect">
+            <a:avLst/>
+          </a:prstGeom>
+          <a:solidFill>
+            <a:srgbClr val="1f7079"/>
+          </a:solidFill>
+          <a:ln>
+            <a:noFill/>
+          </a:ln>
+        </p:spPr>
+        <p:style>
+          <a:lnRef idx="2">
+            <a:schemeClr val="accent1">
+              <a:shade val="50000"/>
+            </a:schemeClr>
+          </a:lnRef>
+          <a:fillRef idx="1">
+            <a:schemeClr val="accent1"/>
+          </a:fillRef>
+          <a:effectRef idx="0">
+            <a:schemeClr val="accent1"/>
+          </a:effectRef>
+          <a:fontRef idx="minor"/>
+        </p:style>
+      </p:sp>
+      <p:pic>
+        <p:nvPicPr>
+          <p:cNvPr id="85" name="Picture 9" descr=""/>
+          <p:cNvPicPr/>
+          <p:nvPr/>
+        </p:nvPicPr>
+        <p:blipFill>
+          <a:blip r:embed="rId2"/>
+          <a:stretch/>
+        </p:blipFill>
+        <p:spPr>
+          <a:xfrm>
+            <a:off x="11111040" y="6266520"/>
+            <a:ext cx="483480" cy="499320"/>
+          </a:xfrm>
+          <a:prstGeom prst="rect">
+            <a:avLst/>
+          </a:prstGeom>
+          <a:ln>
+            <a:noFill/>
+          </a:ln>
+        </p:spPr>
+      </p:pic>
+      <p:pic>
+        <p:nvPicPr>
+          <p:cNvPr id="86" name="Picture 3" descr=""/>
+          <p:cNvPicPr/>
+          <p:nvPr/>
+        </p:nvPicPr>
+        <p:blipFill>
+          <a:blip r:embed="rId3"/>
+          <a:srcRect l="26693" t="44406" r="0" b="0"/>
+          <a:stretch/>
+        </p:blipFill>
+        <p:spPr>
+          <a:xfrm>
+            <a:off x="0" y="0"/>
+            <a:ext cx="959760" cy="747000"/>
+          </a:xfrm>
+          <a:prstGeom prst="rect">
+            <a:avLst/>
+          </a:prstGeom>
+          <a:ln>
+            <a:noFill/>
+          </a:ln>
+        </p:spPr>
+      </p:pic>
+      <p:sp>
+        <p:nvSpPr>
+          <p:cNvPr id="87" name="PlaceHolder 2"/>
+          <p:cNvSpPr>
+            <a:spLocks noGrp="1"/>
+          </p:cNvSpPr>
+          <p:nvPr>
+            <p:ph type="title"/>
+          </p:nvPr>
+        </p:nvSpPr>
+        <p:spPr>
+          <a:xfrm>
+            <a:off x="609480" y="273600"/>
+            <a:ext cx="10972080" cy="1144440"/>
+          </a:xfrm>
+          <a:prstGeom prst="rect">
+            <a:avLst/>
+          </a:prstGeom>
+        </p:spPr>
+        <p:txBody>
+          <a:bodyPr lIns="0" rIns="0" tIns="0" bIns="0" anchor="ctr"/>
+          <a:p>
+            <a:r>
+              <a:rPr b="0" lang="en-GB" sz="1800" spc="-1" strike="noStrike">
+                <a:latin typeface="Arial"/>
+              </a:rPr>
+              <a:t>Click to edit the title text format</a:t>
+            </a:r>
+            <a:endParaRPr b="0" lang="en-GB" sz="1800" spc="-1" strike="noStrike">
+              <a:latin typeface="Arial"/>
+            </a:endParaRPr>
+          </a:p>
+        </p:txBody>
+      </p:sp>
+      <p:sp>
+        <p:nvSpPr>
+          <p:cNvPr id="88" name="PlaceHolder 3"/>
+          <p:cNvSpPr>
+            <a:spLocks noGrp="1"/>
+          </p:cNvSpPr>
+          <p:nvPr>
+            <p:ph type="body"/>
+          </p:nvPr>
+        </p:nvSpPr>
+        <p:spPr>
+          <a:xfrm>
+            <a:off x="609480" y="1604520"/>
+            <a:ext cx="10972440" cy="3977280"/>
+          </a:xfrm>
+          <a:prstGeom prst="rect">
+            <a:avLst/>
+          </a:prstGeom>
+        </p:spPr>
+        <p:txBody>
+          <a:bodyPr lIns="0" rIns="0" tIns="0" bIns="0">
+            <a:normAutofit/>
+          </a:bodyPr>
+          <a:p>
+            <a:pPr marL="432000" indent="-324000">
+              <a:spcBef>
+                <a:spcPts val="1417"/>
+              </a:spcBef>
+              <a:buClr>
+                <a:srgbClr val="000000"/>
+              </a:buClr>
+              <a:buSzPct val="45000"/>
+              <a:buFont typeface="Wingdings" charset="2"/>
+              <a:buChar char=""/>
+            </a:pPr>
+            <a:r>
+              <a:rPr b="0" lang="en-GB" sz="3200" spc="-1" strike="noStrike">
+                <a:latin typeface="Arial"/>
+              </a:rPr>
+              <a:t>Click to edit the outline text format</a:t>
+            </a:r>
+            <a:endParaRPr b="0" lang="en-GB" sz="3200" spc="-1" strike="noStrike">
+              <a:latin typeface="Arial"/>
+            </a:endParaRPr>
+          </a:p>
+          <a:p>
+            <a:pPr lvl="1" marL="864000" indent="-324000">
+              <a:spcBef>
+                <a:spcPts val="1134"/>
+              </a:spcBef>
+              <a:buClr>
+                <a:srgbClr val="000000"/>
+              </a:buClr>
+              <a:buSzPct val="75000"/>
+              <a:buFont typeface="Symbol" charset="2"/>
+              <a:buChar char=""/>
+            </a:pPr>
+            <a:r>
+              <a:rPr b="0" lang="en-GB" sz="2800" spc="-1" strike="noStrike">
+                <a:latin typeface="Arial"/>
+              </a:rPr>
+              <a:t>Second Outline Level</a:t>
+            </a:r>
+            <a:endParaRPr b="0" lang="en-GB" sz="2800" spc="-1" strike="noStrike">
+              <a:latin typeface="Arial"/>
+            </a:endParaRPr>
+          </a:p>
+          <a:p>
+            <a:pPr lvl="2" marL="1296000" indent="-288000">
+              <a:spcBef>
+                <a:spcPts val="850"/>
+              </a:spcBef>
+              <a:buClr>
+                <a:srgbClr val="000000"/>
+              </a:buClr>
+              <a:buSzPct val="45000"/>
+              <a:buFont typeface="Wingdings" charset="2"/>
+              <a:buChar char=""/>
+            </a:pPr>
+            <a:r>
+              <a:rPr b="0" lang="en-GB" sz="2400" spc="-1" strike="noStrike">
+                <a:latin typeface="Arial"/>
+              </a:rPr>
+              <a:t>Third Outline Level</a:t>
+            </a:r>
+            <a:endParaRPr b="0" lang="en-GB" sz="2400" spc="-1" strike="noStrike">
+              <a:latin typeface="Arial"/>
+            </a:endParaRPr>
+          </a:p>
+          <a:p>
+            <a:pPr lvl="3" marL="1728000" indent="-216000">
+              <a:spcBef>
+                <a:spcPts val="567"/>
+              </a:spcBef>
+              <a:buClr>
+                <a:srgbClr val="000000"/>
+              </a:buClr>
+              <a:buSzPct val="75000"/>
+              <a:buFont typeface="Symbol" charset="2"/>
+              <a:buChar char=""/>
+            </a:pPr>
+            <a:r>
+              <a:rPr b="0" lang="en-GB" sz="2000" spc="-1" strike="noStrike">
+                <a:latin typeface="Arial"/>
+              </a:rPr>
+              <a:t>Fourth Outline Level</a:t>
+            </a:r>
+            <a:endParaRPr b="0" lang="en-GB" sz="2000" spc="-1" strike="noStrike">
+              <a:latin typeface="Arial"/>
+            </a:endParaRPr>
+          </a:p>
+          <a:p>
+            <a:pPr lvl="4" marL="2160000" indent="-216000">
+              <a:spcBef>
+                <a:spcPts val="283"/>
+              </a:spcBef>
+              <a:buClr>
+                <a:srgbClr val="000000"/>
+              </a:buClr>
+              <a:buSzPct val="45000"/>
+              <a:buFont typeface="Wingdings" charset="2"/>
+              <a:buChar char=""/>
+            </a:pPr>
+            <a:r>
+              <a:rPr b="0" lang="en-GB" sz="2000" spc="-1" strike="noStrike">
+                <a:latin typeface="Arial"/>
+              </a:rPr>
+              <a:t>Fifth Outline Level</a:t>
+            </a:r>
+            <a:endParaRPr b="0" lang="en-GB" sz="2000" spc="-1" strike="noStrike">
+              <a:latin typeface="Arial"/>
+            </a:endParaRPr>
+          </a:p>
+          <a:p>
+            <a:pPr lvl="5" marL="2592000" indent="-216000">
+              <a:spcBef>
+                <a:spcPts val="283"/>
+              </a:spcBef>
+              <a:buClr>
+                <a:srgbClr val="000000"/>
+              </a:buClr>
+              <a:buSzPct val="45000"/>
+              <a:buFont typeface="Wingdings" charset="2"/>
+              <a:buChar char=""/>
+            </a:pPr>
+            <a:r>
+              <a:rPr b="0" lang="en-GB" sz="2000" spc="-1" strike="noStrike">
+                <a:latin typeface="Arial"/>
+              </a:rPr>
+              <a:t>Sixth Outline Level</a:t>
+            </a:r>
+            <a:endParaRPr b="0" lang="en-GB" sz="2000" spc="-1" strike="noStrike">
+              <a:latin typeface="Arial"/>
+            </a:endParaRPr>
+          </a:p>
+          <a:p>
+            <a:pPr lvl="6" marL="3024000" indent="-216000">
+              <a:spcBef>
+                <a:spcPts val="283"/>
+              </a:spcBef>
+              <a:buClr>
+                <a:srgbClr val="000000"/>
+              </a:buClr>
+              <a:buSzPct val="45000"/>
+              <a:buFont typeface="Wingdings" charset="2"/>
+              <a:buChar char=""/>
+            </a:pPr>
+            <a:r>
+              <a:rPr b="0" lang="en-GB" sz="2000" spc="-1" strike="noStrike">
+                <a:latin typeface="Arial"/>
+              </a:rPr>
+              <a:t>Seventh Outline Level</a:t>
+            </a:r>
+            <a:endParaRPr b="0" lang="en-GB" sz="2000" spc="-1" strike="noStrike">
+              <a:latin typeface="Arial"/>
+            </a:endParaRPr>
+          </a:p>
+        </p:txBody>
+      </p:sp>
+    </p:spTree>
+  </p:cSld>
+  <p:clrMap bg1="lt1" bg2="lt2" tx1="dk1" tx2="dk2" accent1="accent1" accent2="accent2" accent3="accent3" accent4="accent4" accent5="accent5" accent6="accent6" hlink="hlink" folHlink="folHlink"/>
+  <p:sldLayoutIdLst>
     <p:sldLayoutId id="2147483675" r:id="rId4"/>
     <p:sldLayoutId id="2147483676" r:id="rId5"/>
     <p:sldLayoutId id="2147483677" r:id="rId6"/>
@@ -5128,7 +5127,7 @@
         <p:spPr>
           <a:xfrm>
             <a:off x="1975320" y="4385520"/>
-            <a:ext cx="9424800" cy="1248840"/>
+            <a:ext cx="9423720" cy="1247760"/>
           </a:xfrm>
           <a:prstGeom prst="rect">
             <a:avLst/>
@@ -5226,7 +5225,7 @@
         <p:spPr>
           <a:xfrm>
             <a:off x="838080" y="365040"/>
-            <a:ext cx="10514520" cy="901800"/>
+            <a:ext cx="10513440" cy="900720"/>
           </a:xfrm>
           <a:prstGeom prst="rect">
             <a:avLst/>
@@ -5252,7 +5251,7 @@
         <p:spPr>
           <a:xfrm>
             <a:off x="838080" y="6356520"/>
-            <a:ext cx="1248480" cy="363960"/>
+            <a:ext cx="1247400" cy="362880"/>
           </a:xfrm>
           <a:prstGeom prst="rect">
             <a:avLst/>
@@ -5276,7 +5275,7 @@
                 <a:spcPct val="100000"/>
               </a:lnSpc>
             </a:pPr>
-            <a:fld id="{50CA905D-61FE-4104-9024-585F7B13345B}" type="slidenum">
+            <a:fld id="{861CB9E3-8BFD-40EE-814F-5BC1E052D159}" type="slidenum">
               <a:rPr b="0" lang="en-GB" sz="1200" spc="-1" strike="noStrike">
                 <a:solidFill>
                   <a:srgbClr val="ffffff"/>
@@ -5305,7 +5304,7 @@
         <p:spPr>
           <a:xfrm>
             <a:off x="613440" y="720000"/>
-            <a:ext cx="4714200" cy="1447200"/>
+            <a:ext cx="4713120" cy="1446120"/>
           </a:xfrm>
           <a:prstGeom prst="rect">
             <a:avLst/>
@@ -5324,7 +5323,7 @@
         <p:spPr>
           <a:xfrm>
             <a:off x="1293120" y="2088000"/>
-            <a:ext cx="9650520" cy="3815640"/>
+            <a:ext cx="9649440" cy="3814560"/>
           </a:xfrm>
           <a:prstGeom prst="rect">
             <a:avLst/>
@@ -5343,7 +5342,7 @@
         <p:txBody>
           <a:bodyPr lIns="90000" rIns="90000" tIns="45000" bIns="45000"/>
           <a:p>
-            <a:pPr marL="228600" indent="-227520">
+            <a:pPr marL="228600" indent="-226440">
               <a:lnSpc>
                 <a:spcPct val="90000"/>
               </a:lnSpc>
@@ -5371,7 +5370,7 @@
             </a:endParaRPr>
           </a:p>
           <a:p>
-            <a:pPr lvl="1" marL="432000" indent="-216000">
+            <a:pPr lvl="1" marL="432000" indent="-214920">
               <a:lnSpc>
                 <a:spcPct val="90000"/>
               </a:lnSpc>
@@ -5410,7 +5409,7 @@
             </a:endParaRPr>
           </a:p>
           <a:p>
-            <a:pPr lvl="1" marL="432000" indent="-216000">
+            <a:pPr lvl="1" marL="432000" indent="-214920">
               <a:lnSpc>
                 <a:spcPct val="90000"/>
               </a:lnSpc>
@@ -5439,7 +5438,7 @@
             </a:endParaRPr>
           </a:p>
           <a:p>
-            <a:pPr lvl="1" marL="432000" indent="-216000">
+            <a:pPr lvl="1" marL="432000" indent="-214920">
               <a:lnSpc>
                 <a:spcPct val="90000"/>
               </a:lnSpc>
@@ -5468,7 +5467,7 @@
             </a:endParaRPr>
           </a:p>
           <a:p>
-            <a:pPr lvl="1" marL="432000" indent="-216000">
+            <a:pPr lvl="1" marL="432000" indent="-214920">
               <a:lnSpc>
                 <a:spcPct val="90000"/>
               </a:lnSpc>
@@ -5491,6 +5490,35 @@
                 <a:ea typeface="DejaVu Sans"/>
               </a:rPr>
               <a:t>M4 : Write scenario through a work flow</a:t>
+            </a:r>
+            <a:endParaRPr b="0" lang="en-GB" sz="3600" spc="-1" strike="noStrike">
+              <a:latin typeface="Arial"/>
+            </a:endParaRPr>
+          </a:p>
+          <a:p>
+            <a:pPr lvl="1" marL="432000" indent="-214920">
+              <a:lnSpc>
+                <a:spcPct val="90000"/>
+              </a:lnSpc>
+              <a:spcBef>
+                <a:spcPts val="1001"/>
+              </a:spcBef>
+              <a:buClr>
+                <a:srgbClr val="000000"/>
+              </a:buClr>
+              <a:buSzPct val="45000"/>
+              <a:buFont typeface="Wingdings" charset="2"/>
+              <a:buChar char=""/>
+            </a:pPr>
+            <a:r>
+              <a:rPr b="0" lang="en-GB" sz="3600" spc="-1" strike="noStrike">
+                <a:solidFill>
+                  <a:srgbClr val="404040"/>
+                </a:solidFill>
+                <a:latin typeface="Calibri"/>
+                <a:ea typeface="DejaVu Sans"/>
+              </a:rPr>
+              <a:t>M5 : Generate an API documentation</a:t>
             </a:r>
             <a:endParaRPr b="0" lang="en-GB" sz="3600" spc="-1" strike="noStrike">
               <a:latin typeface="Arial"/>
@@ -5555,80 +5583,8 @@
         </p:nvSpPr>
         <p:spPr>
           <a:xfrm>
-            <a:off x="838080" y="6356520"/>
-            <a:ext cx="1248480" cy="363960"/>
-          </a:xfrm>
-          <a:prstGeom prst="rect">
-            <a:avLst/>
-          </a:prstGeom>
-          <a:noFill/>
-          <a:ln>
-            <a:noFill/>
-          </a:ln>
-        </p:spPr>
-        <p:style>
-          <a:lnRef idx="0"/>
-          <a:fillRef idx="0"/>
-          <a:effectRef idx="0"/>
-          <a:fontRef idx="minor"/>
-        </p:style>
-        <p:txBody>
-          <a:bodyPr lIns="90000" rIns="90000" tIns="45000" bIns="45000" anchor="ctr"/>
-          <a:p>
-            <a:pPr>
-              <a:lnSpc>
-                <a:spcPct val="100000"/>
-              </a:lnSpc>
-            </a:pPr>
-            <a:fld id="{F7A92576-DFFC-4E85-A211-927FADB19B74}" type="slidenum">
-              <a:rPr b="0" lang="en-GB" sz="1200" spc="-1" strike="noStrike">
-                <a:solidFill>
-                  <a:srgbClr val="ffffff"/>
-                </a:solidFill>
-                <a:latin typeface="Calibri"/>
-                <a:ea typeface="DejaVu Sans"/>
-              </a:rPr>
-              <a:t>&lt;number&gt;</a:t>
-            </a:fld>
-            <a:endParaRPr b="0" lang="en-GB" sz="1200" spc="-1" strike="noStrike">
-              <a:latin typeface="Arial"/>
-            </a:endParaRPr>
-          </a:p>
-        </p:txBody>
-      </p:sp>
-      <p:pic>
-        <p:nvPicPr>
-          <p:cNvPr id="583" name="" descr=""/>
-          <p:cNvPicPr/>
-          <p:nvPr/>
-        </p:nvPicPr>
-        <p:blipFill>
-          <a:blip r:embed="rId1"/>
-          <a:stretch/>
-        </p:blipFill>
-        <p:spPr>
-          <a:xfrm>
-            <a:off x="2340000" y="833040"/>
-            <a:ext cx="6775920" cy="5718600"/>
-          </a:xfrm>
-          <a:prstGeom prst="rect">
-            <a:avLst/>
-          </a:prstGeom>
-          <a:ln>
-            <a:noFill/>
-          </a:ln>
-        </p:spPr>
-      </p:pic>
-      <p:sp>
-        <p:nvSpPr>
-          <p:cNvPr id="584" name="CustomShape 2"/>
-          <p:cNvSpPr/>
-          <p:nvPr/>
-        </p:nvSpPr>
-        <p:spPr>
-          <a:xfrm>
-            <a:off x="1584000" y="216000"/>
-            <a:ext cx="8567640" cy="1007640"/>
+            <a:off x="4104000" y="4392000"/>
+            <a:ext cx="5254560" cy="574560"/>
           </a:xfrm>
           <a:prstGeom prst="rect">
             <a:avLst/>
@@ -5651,356 +5607,14 @@
       </p:sp>
       <p:sp>
         <p:nvSpPr>
-          <p:cNvPr id="585" name="CustomShape 3"/>
-          <p:cNvSpPr/>
-          <p:nvPr/>
-        </p:nvSpPr>
-        <p:spPr>
-          <a:xfrm>
-            <a:off x="838080" y="365040"/>
-            <a:ext cx="10514520" cy="901800"/>
-          </a:xfrm>
-          <a:prstGeom prst="rect">
-            <a:avLst/>
-          </a:prstGeom>
-          <a:noFill/>
-          <a:ln>
-            <a:noFill/>
-          </a:ln>
-        </p:spPr>
-        <p:style>
-          <a:lnRef idx="0"/>
-          <a:fillRef idx="0"/>
-          <a:effectRef idx="0"/>
-          <a:fontRef idx="minor"/>
-        </p:style>
-        <p:txBody>
-          <a:bodyPr lIns="90000" rIns="90000" tIns="45000" bIns="45000" anchor="ctr">
-            <a:normAutofit/>
-          </a:bodyPr>
-          <a:p>
-            <a:pPr>
-              <a:lnSpc>
-                <a:spcPct val="90000"/>
-              </a:lnSpc>
-            </a:pPr>
-            <a:r>
-              <a:rPr b="1" lang="en-GB" sz="3200" spc="-1" strike="noStrike">
-                <a:solidFill>
-                  <a:srgbClr val="1f7079"/>
-                </a:solidFill>
-                <a:latin typeface="Calibri Light"/>
-                <a:ea typeface="DejaVu Sans"/>
-              </a:rPr>
-              <a:t>Generate documentation : criterias</a:t>
-            </a:r>
-            <a:endParaRPr b="0" lang="en-GB" sz="3200" spc="-1" strike="noStrike">
-              <a:latin typeface="Arial"/>
-            </a:endParaRPr>
-          </a:p>
-        </p:txBody>
-      </p:sp>
-    </p:spTree>
-  </p:cSld>
-  <p:timing>
-    <p:tnLst>
-      <p:par>
-        <p:cTn id="21" dur="indefinite" restart="never" nodeType="tmRoot">
-          <p:childTnLst>
-            <p:seq>
-              <p:cTn id="22" nodeType="mainSeq"/>
-              <p:prevCondLst>
-                <p:cond delay="0" evt="onPrev">
-                  <p:tgtEl>
-                    <p:sldTgt/>
-                  </p:tgtEl>
-                </p:cond>
-              </p:prevCondLst>
-              <p:nextCondLst>
-                <p:cond delay="0" evt="onNext">
-                  <p:tgtEl>
-                    <p:sldTgt/>
-                  </p:tgtEl>
-                </p:cond>
-              </p:nextCondLst>
-            </p:seq>
-          </p:childTnLst>
-        </p:cTn>
-      </p:par>
-    </p:tnLst>
-  </p:timing>
-</p:sld>
-</file>
-
-<file path=ppt/slides/slide12.xml><?xml version="1.0" encoding="utf-8"?>
-<p:sld xmlns:a="http://schemas.openxmlformats.org/drawingml/2006/main" xmlns:p="http://schemas.openxmlformats.org/presentationml/2006/main" xmlns:r="http://schemas.openxmlformats.org/officeDocument/2006/relationships" xmlns:p14="http://schemas.microsoft.com/office/powerpoint/2010/main" xmlns:p15="http://schemas.microsoft.com/office/powerpoint/2012/main" xmlns:mc="http://schemas.openxmlformats.org/markup-compatibility/2006">
-  <p:cSld>
-    <p:spTree>
-      <p:nvGrpSpPr>
-        <p:cNvPr id="1" name=""/>
-        <p:cNvGrpSpPr/>
-        <p:nvPr/>
-      </p:nvGrpSpPr>
-      <p:grpSpPr>
-        <a:xfrm>
-          <a:off x="0" y="0"/>
-          <a:ext cx="0" cy="0"/>
-          <a:chOff x="0" y="0"/>
-          <a:chExt cx="0" cy="0"/>
-        </a:xfrm>
-      </p:grpSpPr>
-      <p:sp>
-        <p:nvSpPr>
-          <p:cNvPr id="586" name="CustomShape 1"/>
-          <p:cNvSpPr/>
-          <p:nvPr/>
-        </p:nvSpPr>
-        <p:spPr>
-          <a:xfrm>
-            <a:off x="838080" y="6356520"/>
-            <a:ext cx="1248480" cy="363960"/>
-          </a:xfrm>
-          <a:prstGeom prst="rect">
-            <a:avLst/>
-          </a:prstGeom>
-          <a:noFill/>
-          <a:ln>
-            <a:noFill/>
-          </a:ln>
-        </p:spPr>
-        <p:style>
-          <a:lnRef idx="0"/>
-          <a:fillRef idx="0"/>
-          <a:effectRef idx="0"/>
-          <a:fontRef idx="minor"/>
-        </p:style>
-        <p:txBody>
-          <a:bodyPr lIns="90000" rIns="90000" tIns="45000" bIns="45000" anchor="ctr"/>
-          <a:p>
-            <a:pPr>
-              <a:lnSpc>
-                <a:spcPct val="100000"/>
-              </a:lnSpc>
-            </a:pPr>
-            <a:fld id="{B4486CE3-5736-471F-BB55-FF4225F843C0}" type="slidenum">
-              <a:rPr b="0" lang="en-GB" sz="1200" spc="-1" strike="noStrike">
-                <a:solidFill>
-                  <a:srgbClr val="ffffff"/>
-                </a:solidFill>
-                <a:latin typeface="Calibri"/>
-                <a:ea typeface="DejaVu Sans"/>
-              </a:rPr>
-              <a:t>&lt;number&gt;</a:t>
-            </a:fld>
-            <a:endParaRPr b="0" lang="en-GB" sz="1200" spc="-1" strike="noStrike">
-              <a:latin typeface="Arial"/>
-            </a:endParaRPr>
-          </a:p>
-        </p:txBody>
-      </p:sp>
-      <p:pic>
-        <p:nvPicPr>
-          <p:cNvPr id="587" name="" descr=""/>
-          <p:cNvPicPr/>
-          <p:nvPr/>
-        </p:nvPicPr>
-        <p:blipFill>
-          <a:blip r:embed="rId1"/>
-          <a:stretch/>
-        </p:blipFill>
-        <p:spPr>
-          <a:xfrm>
-            <a:off x="2337840" y="780840"/>
-            <a:ext cx="7440840" cy="6613200"/>
-          </a:xfrm>
-          <a:prstGeom prst="rect">
-            <a:avLst/>
-          </a:prstGeom>
-          <a:ln>
-            <a:noFill/>
-          </a:ln>
-        </p:spPr>
-      </p:pic>
-      <p:sp>
-        <p:nvSpPr>
-          <p:cNvPr id="588" name="CustomShape 2"/>
-          <p:cNvSpPr/>
-          <p:nvPr/>
-        </p:nvSpPr>
-        <p:spPr>
-          <a:xfrm>
-            <a:off x="1584000" y="216000"/>
-            <a:ext cx="8567640" cy="1007640"/>
-          </a:xfrm>
-          <a:prstGeom prst="rect">
-            <a:avLst/>
-          </a:prstGeom>
-          <a:solidFill>
-            <a:srgbClr val="ffffff"/>
-          </a:solidFill>
-          <a:ln>
-            <a:solidFill>
-              <a:srgbClr val="ffffff"/>
-            </a:solidFill>
-          </a:ln>
-        </p:spPr>
-        <p:style>
-          <a:lnRef idx="0"/>
-          <a:fillRef idx="0"/>
-          <a:effectRef idx="0"/>
-          <a:fontRef idx="minor"/>
-        </p:style>
-      </p:sp>
-      <p:sp>
-        <p:nvSpPr>
-          <p:cNvPr id="589" name="CustomShape 3"/>
-          <p:cNvSpPr/>
-          <p:nvPr/>
-        </p:nvSpPr>
-        <p:spPr>
-          <a:xfrm>
-            <a:off x="838080" y="365040"/>
-            <a:ext cx="10514520" cy="901800"/>
-          </a:xfrm>
-          <a:prstGeom prst="rect">
-            <a:avLst/>
-          </a:prstGeom>
-          <a:noFill/>
-          <a:ln>
-            <a:noFill/>
-          </a:ln>
-        </p:spPr>
-        <p:style>
-          <a:lnRef idx="0"/>
-          <a:fillRef idx="0"/>
-          <a:effectRef idx="0"/>
-          <a:fontRef idx="minor"/>
-        </p:style>
-        <p:txBody>
-          <a:bodyPr lIns="90000" rIns="90000" tIns="45000" bIns="45000" anchor="ctr">
-            <a:normAutofit/>
-          </a:bodyPr>
-          <a:p>
-            <a:pPr>
-              <a:lnSpc>
-                <a:spcPct val="90000"/>
-              </a:lnSpc>
-            </a:pPr>
-            <a:r>
-              <a:rPr b="1" lang="en-GB" sz="3200" spc="-1" strike="noStrike">
-                <a:solidFill>
-                  <a:srgbClr val="1f7079"/>
-                </a:solidFill>
-                <a:latin typeface="Calibri Light"/>
-                <a:ea typeface="DejaVu Sans"/>
-              </a:rPr>
-              <a:t>Generate documentation</a:t>
-            </a:r>
-            <a:r>
-              <a:rPr b="1" lang="en-GB" sz="3200" spc="-1" strike="noStrike">
-                <a:solidFill>
-                  <a:srgbClr val="1f7079"/>
-                </a:solidFill>
-                <a:latin typeface="Calibri Light"/>
-                <a:ea typeface="DejaVu Sans"/>
-              </a:rPr>
-              <a:t> : documentation</a:t>
-            </a:r>
-            <a:endParaRPr b="0" lang="en-GB" sz="3200" spc="-1" strike="noStrike">
-              <a:latin typeface="Arial"/>
-            </a:endParaRPr>
-          </a:p>
-        </p:txBody>
-      </p:sp>
-    </p:spTree>
-  </p:cSld>
-  <p:timing>
-    <p:tnLst>
-      <p:par>
-        <p:cTn id="23" dur="indefinite" restart="never" nodeType="tmRoot">
-          <p:childTnLst>
-            <p:seq>
-              <p:cTn id="24" nodeType="mainSeq"/>
-              <p:prevCondLst>
-                <p:cond delay="0" evt="onPrev">
-                  <p:tgtEl>
-                    <p:sldTgt/>
-                  </p:tgtEl>
-                </p:cond>
-              </p:prevCondLst>
-              <p:nextCondLst>
-                <p:cond delay="0" evt="onNext">
-                  <p:tgtEl>
-                    <p:sldTgt/>
-                  </p:tgtEl>
-                </p:cond>
-              </p:nextCondLst>
-            </p:seq>
-          </p:childTnLst>
-        </p:cTn>
-      </p:par>
-    </p:tnLst>
-  </p:timing>
-</p:sld>
-</file>
-
-<file path=ppt/slides/slide13.xml><?xml version="1.0" encoding="utf-8"?>
-<p:sld xmlns:a="http://schemas.openxmlformats.org/drawingml/2006/main" xmlns:p="http://schemas.openxmlformats.org/presentationml/2006/main" xmlns:r="http://schemas.openxmlformats.org/officeDocument/2006/relationships" xmlns:p14="http://schemas.microsoft.com/office/powerpoint/2010/main" xmlns:p15="http://schemas.microsoft.com/office/powerpoint/2012/main" xmlns:mc="http://schemas.openxmlformats.org/markup-compatibility/2006">
-  <p:cSld>
-    <p:spTree>
-      <p:nvGrpSpPr>
-        <p:cNvPr id="1" name=""/>
-        <p:cNvGrpSpPr/>
-        <p:nvPr/>
-      </p:nvGrpSpPr>
-      <p:grpSpPr>
-        <a:xfrm>
-          <a:off x="0" y="0"/>
-          <a:ext cx="0" cy="0"/>
-          <a:chOff x="0" y="0"/>
-          <a:chExt cx="0" cy="0"/>
-        </a:xfrm>
-      </p:grpSpPr>
-      <p:sp>
-        <p:nvSpPr>
-          <p:cNvPr id="590" name="CustomShape 1"/>
-          <p:cNvSpPr/>
-          <p:nvPr/>
-        </p:nvSpPr>
-        <p:spPr>
-          <a:xfrm>
-            <a:off x="4104000" y="4392000"/>
-            <a:ext cx="5255640" cy="575640"/>
-          </a:xfrm>
-          <a:prstGeom prst="rect">
-            <a:avLst/>
-          </a:prstGeom>
-          <a:solidFill>
-            <a:srgbClr val="ffffff"/>
-          </a:solidFill>
-          <a:ln>
-            <a:solidFill>
-              <a:srgbClr val="ffffff"/>
-            </a:solidFill>
-          </a:ln>
-        </p:spPr>
-        <p:style>
-          <a:lnRef idx="0"/>
-          <a:fillRef idx="0"/>
-          <a:effectRef idx="0"/>
-          <a:fontRef idx="minor"/>
-        </p:style>
-      </p:sp>
-      <p:sp>
-        <p:nvSpPr>
-          <p:cNvPr id="591" name="CustomShape 2"/>
+          <p:cNvPr id="583" name="CustomShape 2"/>
           <p:cNvSpPr/>
           <p:nvPr/>
         </p:nvSpPr>
         <p:spPr>
           <a:xfrm>
             <a:off x="798840" y="2998800"/>
-            <a:ext cx="6760800" cy="1248840"/>
+            <a:ext cx="6759720" cy="1247760"/>
           </a:xfrm>
           <a:prstGeom prst="rect">
             <a:avLst/>
@@ -6042,7 +5656,7 @@
       </p:sp>
       <p:pic>
         <p:nvPicPr>
-          <p:cNvPr id="592" name="" descr=""/>
+          <p:cNvPr id="584" name="" descr=""/>
           <p:cNvPicPr/>
           <p:nvPr/>
         </p:nvPicPr>
@@ -6053,7 +5667,7 @@
         <p:spPr>
           <a:xfrm>
             <a:off x="5363280" y="4392000"/>
-            <a:ext cx="2628360" cy="666000"/>
+            <a:ext cx="2627280" cy="664920"/>
           </a:xfrm>
           <a:prstGeom prst="rect">
             <a:avLst/>
@@ -6065,14 +5679,14 @@
       </p:pic>
       <p:sp>
         <p:nvSpPr>
-          <p:cNvPr id="593" name="CustomShape 3"/>
+          <p:cNvPr id="585" name="CustomShape 3"/>
           <p:cNvSpPr/>
           <p:nvPr/>
         </p:nvSpPr>
         <p:spPr>
           <a:xfrm>
             <a:off x="1518840" y="5014800"/>
-            <a:ext cx="6760800" cy="1248840"/>
+            <a:ext cx="6759720" cy="1247760"/>
           </a:xfrm>
           <a:prstGeom prst="rect">
             <a:avLst/>
@@ -6117,10 +5731,10 @@
   <p:timing>
     <p:tnLst>
       <p:par>
-        <p:cTn id="25" dur="indefinite" restart="never" nodeType="tmRoot">
+        <p:cTn id="21" dur="indefinite" restart="never" nodeType="tmRoot">
           <p:childTnLst>
             <p:seq>
-              <p:cTn id="26" nodeType="mainSeq"/>
+              <p:cTn id="22" nodeType="mainSeq"/>
               <p:prevCondLst>
                 <p:cond delay="0" evt="onPrev">
                   <p:tgtEl>
@@ -6170,7 +5784,7 @@
         <p:spPr>
           <a:xfrm>
             <a:off x="838080" y="365040"/>
-            <a:ext cx="10514520" cy="901800"/>
+            <a:ext cx="10513440" cy="900720"/>
           </a:xfrm>
           <a:prstGeom prst="rect">
             <a:avLst/>
@@ -6219,7 +5833,7 @@
         <p:spPr>
           <a:xfrm>
             <a:off x="838080" y="6356520"/>
-            <a:ext cx="1248480" cy="363960"/>
+            <a:ext cx="1247400" cy="362880"/>
           </a:xfrm>
           <a:prstGeom prst="rect">
             <a:avLst/>
@@ -6243,7 +5857,7 @@
                 <a:spcPct val="100000"/>
               </a:lnSpc>
             </a:pPr>
-            <a:fld id="{4FEDF6C1-FEAC-4EFD-BC66-0A205342DEF3}" type="slidenum">
+            <a:fld id="{98D0832E-1A66-4020-8C5F-349A6F4E522B}" type="slidenum">
               <a:rPr b="0" lang="en-GB" sz="1200" spc="-1" strike="noStrike">
                 <a:solidFill>
                   <a:srgbClr val="ffffff"/>
@@ -6268,7 +5882,7 @@
         <p:spPr>
           <a:xfrm>
             <a:off x="2952000" y="2058840"/>
-            <a:ext cx="2171880" cy="2178000"/>
+            <a:ext cx="2170800" cy="2176920"/>
           </a:xfrm>
           <a:prstGeom prst="ellipse">
             <a:avLst/>
@@ -6298,7 +5912,7 @@
         <p:spPr>
           <a:xfrm>
             <a:off x="3419280" y="3497760"/>
-            <a:ext cx="1239120" cy="739440"/>
+            <a:ext cx="1238040" cy="738360"/>
           </a:xfrm>
           <a:custGeom>
             <a:avLst/>
@@ -6369,7 +5983,7 @@
         <p:spPr>
           <a:xfrm>
             <a:off x="3834720" y="3511800"/>
-            <a:ext cx="438480" cy="484560"/>
+            <a:ext cx="437400" cy="483480"/>
           </a:xfrm>
           <a:prstGeom prst="rect">
             <a:avLst/>
@@ -6399,7 +6013,7 @@
         <p:spPr>
           <a:xfrm>
             <a:off x="3885120" y="3052080"/>
-            <a:ext cx="306000" cy="613080"/>
+            <a:ext cx="304920" cy="612000"/>
           </a:xfrm>
           <a:custGeom>
             <a:avLst/>
@@ -6456,7 +6070,7 @@
         <p:spPr>
           <a:xfrm>
             <a:off x="3885120" y="3315240"/>
-            <a:ext cx="306000" cy="207720"/>
+            <a:ext cx="304920" cy="206640"/>
           </a:xfrm>
           <a:custGeom>
             <a:avLst/>
@@ -6507,7 +6121,7 @@
         <p:spPr>
           <a:xfrm>
             <a:off x="3387240" y="2524320"/>
-            <a:ext cx="1299240" cy="857880"/>
+            <a:ext cx="1298160" cy="856800"/>
           </a:xfrm>
           <a:custGeom>
             <a:avLst/>
@@ -6556,7 +6170,7 @@
         <p:spPr>
           <a:xfrm>
             <a:off x="4037400" y="2524320"/>
-            <a:ext cx="649080" cy="857880"/>
+            <a:ext cx="648000" cy="856800"/>
           </a:xfrm>
           <a:custGeom>
             <a:avLst/>
@@ -6603,7 +6217,7 @@
         <p:spPr>
           <a:xfrm>
             <a:off x="3574080" y="2365920"/>
-            <a:ext cx="925920" cy="701280"/>
+            <a:ext cx="924840" cy="700200"/>
           </a:xfrm>
           <a:custGeom>
             <a:avLst/>
@@ -6674,7 +6288,7 @@
         <p:spPr>
           <a:xfrm>
             <a:off x="4378680" y="2815560"/>
-            <a:ext cx="109440" cy="207720"/>
+            <a:ext cx="108360" cy="206640"/>
           </a:xfrm>
           <a:custGeom>
             <a:avLst/>
@@ -6733,7 +6347,7 @@
         <p:spPr>
           <a:xfrm>
             <a:off x="3585960" y="2815560"/>
-            <a:ext cx="109440" cy="207720"/>
+            <a:ext cx="108360" cy="206640"/>
           </a:xfrm>
           <a:custGeom>
             <a:avLst/>
@@ -6792,7 +6406,7 @@
         <p:spPr>
           <a:xfrm>
             <a:off x="3894840" y="3507840"/>
-            <a:ext cx="283680" cy="729360"/>
+            <a:ext cx="282600" cy="728280"/>
           </a:xfrm>
           <a:custGeom>
             <a:avLst/>
@@ -6864,7 +6478,7 @@
         <p:spPr>
           <a:xfrm>
             <a:off x="3768480" y="3419280"/>
-            <a:ext cx="263880" cy="285840"/>
+            <a:ext cx="262800" cy="284760"/>
           </a:xfrm>
           <a:custGeom>
             <a:avLst/>
@@ -6917,7 +6531,7 @@
         <p:spPr>
           <a:xfrm>
             <a:off x="4041360" y="3419280"/>
-            <a:ext cx="263880" cy="285840"/>
+            <a:ext cx="262800" cy="284760"/>
           </a:xfrm>
           <a:custGeom>
             <a:avLst/>
@@ -6970,7 +6584,7 @@
         <p:spPr>
           <a:xfrm>
             <a:off x="6039720" y="2064240"/>
-            <a:ext cx="2176200" cy="2178000"/>
+            <a:ext cx="2175120" cy="2176920"/>
           </a:xfrm>
           <a:prstGeom prst="ellipse">
             <a:avLst/>
@@ -7000,7 +6614,7 @@
         <p:spPr>
           <a:xfrm>
             <a:off x="6679800" y="2128320"/>
-            <a:ext cx="938160" cy="1030320"/>
+            <a:ext cx="937080" cy="1029240"/>
           </a:xfrm>
           <a:custGeom>
             <a:avLst/>
@@ -7099,7 +6713,7 @@
         <p:spPr>
           <a:xfrm>
             <a:off x="6505200" y="3504960"/>
-            <a:ext cx="1243080" cy="737280"/>
+            <a:ext cx="1242000" cy="736200"/>
           </a:xfrm>
           <a:custGeom>
             <a:avLst/>
@@ -7168,7 +6782,7 @@
         <p:spPr>
           <a:xfrm>
             <a:off x="6505200" y="3504960"/>
-            <a:ext cx="621000" cy="737280"/>
+            <a:ext cx="619920" cy="736200"/>
           </a:xfrm>
           <a:custGeom>
             <a:avLst/>
@@ -7232,7 +6846,7 @@
         <p:spPr>
           <a:xfrm>
             <a:off x="6972840" y="3095640"/>
-            <a:ext cx="306000" cy="1036440"/>
+            <a:ext cx="304920" cy="1035360"/>
           </a:xfrm>
           <a:custGeom>
             <a:avLst/>
@@ -7294,7 +6908,7 @@
         <p:spPr>
           <a:xfrm>
             <a:off x="7039080" y="3807720"/>
-            <a:ext cx="165600" cy="324000"/>
+            <a:ext cx="164520" cy="322920"/>
           </a:xfrm>
           <a:custGeom>
             <a:avLst/>
@@ -7353,7 +6967,7 @@
         <p:spPr>
           <a:xfrm>
             <a:off x="6972840" y="3320280"/>
-            <a:ext cx="306000" cy="207720"/>
+            <a:ext cx="304920" cy="206640"/>
           </a:xfrm>
           <a:custGeom>
             <a:avLst/>
@@ -7404,7 +7018,7 @@
         <p:spPr>
           <a:xfrm>
             <a:off x="6474960" y="2529720"/>
-            <a:ext cx="1301040" cy="859680"/>
+            <a:ext cx="1299960" cy="858600"/>
           </a:xfrm>
           <a:custGeom>
             <a:avLst/>
@@ -7453,7 +7067,7 @@
         <p:spPr>
           <a:xfrm>
             <a:off x="7127280" y="2529720"/>
-            <a:ext cx="649080" cy="859680"/>
+            <a:ext cx="648000" cy="858600"/>
           </a:xfrm>
           <a:custGeom>
             <a:avLst/>
@@ -7500,7 +7114,7 @@
         <p:spPr>
           <a:xfrm>
             <a:off x="6659640" y="2371320"/>
-            <a:ext cx="929880" cy="701280"/>
+            <a:ext cx="928800" cy="700200"/>
           </a:xfrm>
           <a:custGeom>
             <a:avLst/>
@@ -7569,7 +7183,7 @@
         <p:spPr>
           <a:xfrm>
             <a:off x="6696000" y="2371320"/>
-            <a:ext cx="869760" cy="717120"/>
+            <a:ext cx="868680" cy="716040"/>
           </a:xfrm>
           <a:custGeom>
             <a:avLst/>
@@ -7688,7 +7302,7 @@
         <p:spPr>
           <a:xfrm>
             <a:off x="7468560" y="2820600"/>
-            <a:ext cx="109440" cy="207720"/>
+            <a:ext cx="108360" cy="206640"/>
           </a:xfrm>
           <a:custGeom>
             <a:avLst/>
@@ -7747,7 +7361,7 @@
         <p:spPr>
           <a:xfrm>
             <a:off x="6675840" y="2820600"/>
-            <a:ext cx="109440" cy="207720"/>
+            <a:ext cx="108360" cy="206640"/>
           </a:xfrm>
           <a:custGeom>
             <a:avLst/>
@@ -7806,7 +7420,7 @@
         <p:spPr>
           <a:xfrm>
             <a:off x="6830280" y="2840760"/>
-            <a:ext cx="592920" cy="223560"/>
+            <a:ext cx="591840" cy="222480"/>
           </a:xfrm>
           <a:custGeom>
             <a:avLst/>
@@ -8007,7 +7621,7 @@
         <p:spPr>
           <a:xfrm>
             <a:off x="6846480" y="2848680"/>
-            <a:ext cx="251640" cy="201600"/>
+            <a:ext cx="250560" cy="200520"/>
           </a:xfrm>
           <a:custGeom>
             <a:avLst/>
@@ -8091,7 +7705,7 @@
         <p:spPr>
           <a:xfrm>
             <a:off x="7155360" y="2848680"/>
-            <a:ext cx="249840" cy="201600"/>
+            <a:ext cx="248760" cy="200520"/>
           </a:xfrm>
           <a:custGeom>
             <a:avLst/>
@@ -8175,7 +7789,7 @@
         <p:spPr>
           <a:xfrm>
             <a:off x="6707880" y="3308400"/>
-            <a:ext cx="418320" cy="823680"/>
+            <a:ext cx="417240" cy="822600"/>
           </a:xfrm>
           <a:custGeom>
             <a:avLst/>
@@ -8234,7 +7848,7 @@
         <p:spPr>
           <a:xfrm>
             <a:off x="7127280" y="3308400"/>
-            <a:ext cx="416160" cy="823680"/>
+            <a:ext cx="415080" cy="822600"/>
           </a:xfrm>
           <a:custGeom>
             <a:avLst/>
@@ -8293,7 +7907,7 @@
         <p:spPr>
           <a:xfrm>
             <a:off x="2952000" y="4438440"/>
-            <a:ext cx="2171880" cy="455400"/>
+            <a:ext cx="2170800" cy="454320"/>
           </a:xfrm>
           <a:prstGeom prst="rect">
             <a:avLst/>
@@ -8342,7 +7956,7 @@
         <p:spPr>
           <a:xfrm>
             <a:off x="6044760" y="4438440"/>
-            <a:ext cx="2171880" cy="455400"/>
+            <a:ext cx="2170800" cy="454320"/>
           </a:xfrm>
           <a:prstGeom prst="rect">
             <a:avLst/>
@@ -8391,7 +8005,7 @@
         <p:spPr>
           <a:xfrm>
             <a:off x="3834360" y="2867040"/>
-            <a:ext cx="398880" cy="303840"/>
+            <a:ext cx="397800" cy="302760"/>
           </a:xfrm>
           <a:prstGeom prst="rect">
             <a:avLst/>
@@ -8417,7 +8031,7 @@
         <p:spPr>
           <a:xfrm>
             <a:off x="3834360" y="3097800"/>
-            <a:ext cx="400680" cy="141840"/>
+            <a:ext cx="399600" cy="140760"/>
           </a:xfrm>
           <a:custGeom>
             <a:avLst/>
@@ -8496,7 +8110,7 @@
         <p:spPr>
           <a:xfrm>
             <a:off x="3882240" y="2865600"/>
-            <a:ext cx="95760" cy="95760"/>
+            <a:ext cx="94680" cy="94680"/>
           </a:xfrm>
           <a:prstGeom prst="ellipse">
             <a:avLst/>
@@ -8524,7 +8138,7 @@
         <p:spPr>
           <a:xfrm>
             <a:off x="4091760" y="2865600"/>
-            <a:ext cx="95760" cy="95760"/>
+            <a:ext cx="94680" cy="94680"/>
           </a:xfrm>
           <a:prstGeom prst="ellipse">
             <a:avLst/>
@@ -8552,7 +8166,7 @@
         <p:spPr>
           <a:xfrm>
             <a:off x="6924600" y="2898360"/>
-            <a:ext cx="398880" cy="303840"/>
+            <a:ext cx="397800" cy="302760"/>
           </a:xfrm>
           <a:prstGeom prst="rect">
             <a:avLst/>
@@ -8578,7 +8192,7 @@
         <p:spPr>
           <a:xfrm>
             <a:off x="6924600" y="3129120"/>
-            <a:ext cx="400680" cy="141840"/>
+            <a:ext cx="399600" cy="140760"/>
           </a:xfrm>
           <a:custGeom>
             <a:avLst/>
@@ -8657,7 +8271,7 @@
         <p:spPr>
           <a:xfrm>
             <a:off x="6972120" y="2896920"/>
-            <a:ext cx="95760" cy="95760"/>
+            <a:ext cx="94680" cy="94680"/>
           </a:xfrm>
           <a:prstGeom prst="ellipse">
             <a:avLst/>
@@ -8685,7 +8299,7 @@
         <p:spPr>
           <a:xfrm>
             <a:off x="7181640" y="2896920"/>
-            <a:ext cx="95760" cy="95760"/>
+            <a:ext cx="94680" cy="94680"/>
           </a:xfrm>
           <a:prstGeom prst="ellipse">
             <a:avLst/>
@@ -8713,7 +8327,7 @@
         <p:spPr>
           <a:xfrm>
             <a:off x="864000" y="1267200"/>
-            <a:ext cx="3385800" cy="675720"/>
+            <a:ext cx="3384720" cy="674640"/>
           </a:xfrm>
           <a:prstGeom prst="wedgeRectCallout">
             <a:avLst>
@@ -8775,7 +8389,7 @@
         <p:spPr>
           <a:xfrm>
             <a:off x="4608000" y="1266120"/>
-            <a:ext cx="4132080" cy="533520"/>
+            <a:ext cx="4131000" cy="532440"/>
           </a:xfrm>
           <a:prstGeom prst="wedgeRectCallout">
             <a:avLst>
@@ -8837,7 +8451,7 @@
         <p:spPr>
           <a:xfrm>
             <a:off x="1149120" y="4968000"/>
-            <a:ext cx="10514520" cy="1295640"/>
+            <a:ext cx="10513440" cy="1294560"/>
           </a:xfrm>
           <a:prstGeom prst="rect">
             <a:avLst/>
@@ -8856,7 +8470,7 @@
         <p:txBody>
           <a:bodyPr lIns="90000" rIns="90000" tIns="45000" bIns="45000"/>
           <a:p>
-            <a:pPr marL="228600" indent="-227520">
+            <a:pPr marL="228600" indent="-226440">
               <a:lnSpc>
                 <a:spcPct val="90000"/>
               </a:lnSpc>
@@ -8884,7 +8498,7 @@
             </a:endParaRPr>
           </a:p>
           <a:p>
-            <a:pPr marL="228600" indent="-227520">
+            <a:pPr marL="228600" indent="-226440">
               <a:lnSpc>
                 <a:spcPct val="90000"/>
               </a:lnSpc>
@@ -8984,7 +8598,7 @@
         <p:spPr>
           <a:xfrm>
             <a:off x="838080" y="6356520"/>
-            <a:ext cx="1248480" cy="363960"/>
+            <a:ext cx="1247400" cy="362880"/>
           </a:xfrm>
           <a:prstGeom prst="rect">
             <a:avLst/>
@@ -9008,7 +8622,7 @@
                 <a:spcPct val="100000"/>
               </a:lnSpc>
             </a:pPr>
-            <a:fld id="{6DB01F56-A092-4CE1-A6EE-DA64DDD21302}" type="slidenum">
+            <a:fld id="{BCDD238D-2875-4C4E-8917-190B093CF892}" type="slidenum">
               <a:rPr b="0" lang="en-GB" sz="1200" spc="-1" strike="noStrike">
                 <a:solidFill>
                   <a:srgbClr val="ffffff"/>
@@ -9033,7 +8647,7 @@
         <p:spPr>
           <a:xfrm>
             <a:off x="5962680" y="1512000"/>
-            <a:ext cx="1417320" cy="1339920"/>
+            <a:ext cx="1416240" cy="1338840"/>
           </a:xfrm>
           <a:prstGeom prst="ellipse">
             <a:avLst/>
@@ -9063,7 +8677,7 @@
         <p:spPr>
           <a:xfrm>
             <a:off x="6268320" y="2397240"/>
-            <a:ext cx="808200" cy="453600"/>
+            <a:ext cx="807120" cy="452520"/>
           </a:xfrm>
           <a:custGeom>
             <a:avLst/>
@@ -9134,7 +8748,7 @@
         <p:spPr>
           <a:xfrm>
             <a:off x="6539400" y="2405880"/>
-            <a:ext cx="285120" cy="297000"/>
+            <a:ext cx="284040" cy="295920"/>
           </a:xfrm>
           <a:prstGeom prst="rect">
             <a:avLst/>
@@ -9164,7 +8778,7 @@
         <p:spPr>
           <a:xfrm>
             <a:off x="6572520" y="2122920"/>
-            <a:ext cx="199080" cy="376200"/>
+            <a:ext cx="198000" cy="375120"/>
           </a:xfrm>
           <a:custGeom>
             <a:avLst/>
@@ -9221,7 +8835,7 @@
         <p:spPr>
           <a:xfrm>
             <a:off x="6572520" y="2284920"/>
-            <a:ext cx="199080" cy="126720"/>
+            <a:ext cx="198000" cy="125640"/>
           </a:xfrm>
           <a:custGeom>
             <a:avLst/>
@@ -9272,7 +8886,7 @@
         <p:spPr>
           <a:xfrm>
             <a:off x="6247080" y="1798200"/>
-            <a:ext cx="847440" cy="527040"/>
+            <a:ext cx="846360" cy="525960"/>
           </a:xfrm>
           <a:custGeom>
             <a:avLst/>
@@ -9321,7 +8935,7 @@
         <p:spPr>
           <a:xfrm>
             <a:off x="6671880" y="1798200"/>
-            <a:ext cx="423360" cy="527040"/>
+            <a:ext cx="422280" cy="525960"/>
           </a:xfrm>
           <a:custGeom>
             <a:avLst/>
@@ -9368,7 +8982,7 @@
         <p:spPr>
           <a:xfrm>
             <a:off x="6369480" y="1700280"/>
-            <a:ext cx="604080" cy="430560"/>
+            <a:ext cx="603000" cy="429480"/>
           </a:xfrm>
           <a:custGeom>
             <a:avLst/>
@@ -9439,7 +9053,7 @@
         <p:spPr>
           <a:xfrm>
             <a:off x="6895080" y="1976760"/>
-            <a:ext cx="70560" cy="126720"/>
+            <a:ext cx="69480" cy="125640"/>
           </a:xfrm>
           <a:custGeom>
             <a:avLst/>
@@ -9498,7 +9112,7 @@
         <p:spPr>
           <a:xfrm>
             <a:off x="6377400" y="1976760"/>
-            <a:ext cx="70920" cy="126720"/>
+            <a:ext cx="69840" cy="125640"/>
           </a:xfrm>
           <a:custGeom>
             <a:avLst/>
@@ -9557,7 +9171,7 @@
         <p:spPr>
           <a:xfrm>
             <a:off x="6578640" y="2403360"/>
-            <a:ext cx="184680" cy="448560"/>
+            <a:ext cx="183600" cy="447480"/>
           </a:xfrm>
           <a:custGeom>
             <a:avLst/>
@@ -9629,7 +9243,7 @@
         <p:spPr>
           <a:xfrm>
             <a:off x="6496200" y="2349000"/>
-            <a:ext cx="171360" cy="174960"/>
+            <a:ext cx="170280" cy="173880"/>
           </a:xfrm>
           <a:custGeom>
             <a:avLst/>
@@ -9682,7 +9296,7 @@
         <p:spPr>
           <a:xfrm>
             <a:off x="6674400" y="2349000"/>
-            <a:ext cx="171360" cy="174960"/>
+            <a:ext cx="170280" cy="173880"/>
           </a:xfrm>
           <a:custGeom>
             <a:avLst/>
@@ -9735,7 +9349,7 @@
         <p:spPr>
           <a:xfrm>
             <a:off x="7025760" y="1809720"/>
-            <a:ext cx="1449720" cy="1366560"/>
+            <a:ext cx="1448640" cy="1365480"/>
           </a:xfrm>
           <a:prstGeom prst="ellipse">
             <a:avLst/>
@@ -9765,7 +9379,7 @@
         <p:spPr>
           <a:xfrm>
             <a:off x="7452000" y="1849680"/>
-            <a:ext cx="624240" cy="646560"/>
+            <a:ext cx="623160" cy="645480"/>
           </a:xfrm>
           <a:custGeom>
             <a:avLst/>
@@ -9864,7 +9478,7 @@
         <p:spPr>
           <a:xfrm>
             <a:off x="7336080" y="2713680"/>
-            <a:ext cx="827640" cy="462600"/>
+            <a:ext cx="826560" cy="461520"/>
           </a:xfrm>
           <a:custGeom>
             <a:avLst/>
@@ -9933,7 +9547,7 @@
         <p:spPr>
           <a:xfrm>
             <a:off x="7336080" y="2713680"/>
-            <a:ext cx="412920" cy="462600"/>
+            <a:ext cx="411840" cy="461520"/>
           </a:xfrm>
           <a:custGeom>
             <a:avLst/>
@@ -9997,7 +9611,7 @@
         <p:spPr>
           <a:xfrm>
             <a:off x="7647480" y="2457720"/>
-            <a:ext cx="203400" cy="649440"/>
+            <a:ext cx="202320" cy="648360"/>
           </a:xfrm>
           <a:custGeom>
             <a:avLst/>
@@ -10059,7 +9673,7 @@
         <p:spPr>
           <a:xfrm>
             <a:off x="7691400" y="2904120"/>
-            <a:ext cx="109440" cy="202680"/>
+            <a:ext cx="108360" cy="201600"/>
           </a:xfrm>
           <a:custGeom>
             <a:avLst/>
@@ -10118,7 +9732,7 @@
         <p:spPr>
           <a:xfrm>
             <a:off x="7647480" y="2598480"/>
-            <a:ext cx="203400" cy="129600"/>
+            <a:ext cx="202320" cy="128520"/>
           </a:xfrm>
           <a:custGeom>
             <a:avLst/>
@@ -10169,7 +9783,7 @@
         <p:spPr>
           <a:xfrm>
             <a:off x="7316280" y="2102040"/>
-            <a:ext cx="865800" cy="538920"/>
+            <a:ext cx="864720" cy="537840"/>
           </a:xfrm>
           <a:custGeom>
             <a:avLst/>
@@ -10218,7 +9832,7 @@
         <p:spPr>
           <a:xfrm>
             <a:off x="7750800" y="2102040"/>
-            <a:ext cx="431280" cy="538920"/>
+            <a:ext cx="430200" cy="537840"/>
           </a:xfrm>
           <a:custGeom>
             <a:avLst/>
@@ -10265,7 +9879,7 @@
         <p:spPr>
           <a:xfrm>
             <a:off x="7439040" y="2002680"/>
-            <a:ext cx="619200" cy="439560"/>
+            <a:ext cx="618120" cy="438480"/>
           </a:xfrm>
           <a:custGeom>
             <a:avLst/>
@@ -10334,7 +9948,7 @@
         <p:spPr>
           <a:xfrm>
             <a:off x="7463520" y="2002680"/>
-            <a:ext cx="578160" cy="449280"/>
+            <a:ext cx="577080" cy="448200"/>
           </a:xfrm>
           <a:custGeom>
             <a:avLst/>
@@ -10453,7 +10067,7 @@
         <p:spPr>
           <a:xfrm>
             <a:off x="7977960" y="2284920"/>
-            <a:ext cx="71640" cy="129600"/>
+            <a:ext cx="70560" cy="128520"/>
           </a:xfrm>
           <a:custGeom>
             <a:avLst/>
@@ -10512,7 +10126,7 @@
         <p:spPr>
           <a:xfrm>
             <a:off x="7450200" y="2284920"/>
-            <a:ext cx="71640" cy="129600"/>
+            <a:ext cx="70560" cy="128520"/>
           </a:xfrm>
           <a:custGeom>
             <a:avLst/>
@@ -10571,7 +10185,7 @@
         <p:spPr>
           <a:xfrm>
             <a:off x="7552440" y="2297520"/>
-            <a:ext cx="394200" cy="139680"/>
+            <a:ext cx="393120" cy="138600"/>
           </a:xfrm>
           <a:custGeom>
             <a:avLst/>
@@ -10772,7 +10386,7 @@
         <p:spPr>
           <a:xfrm>
             <a:off x="7563240" y="2302200"/>
-            <a:ext cx="167040" cy="126000"/>
+            <a:ext cx="165960" cy="124920"/>
           </a:xfrm>
           <a:custGeom>
             <a:avLst/>
@@ -10856,7 +10470,7 @@
         <p:spPr>
           <a:xfrm>
             <a:off x="7769160" y="2302200"/>
-            <a:ext cx="165600" cy="126000"/>
+            <a:ext cx="164520" cy="124920"/>
           </a:xfrm>
           <a:custGeom>
             <a:avLst/>
@@ -10940,7 +10554,7 @@
         <p:spPr>
           <a:xfrm>
             <a:off x="7470720" y="2590920"/>
-            <a:ext cx="278280" cy="516240"/>
+            <a:ext cx="277200" cy="515160"/>
           </a:xfrm>
           <a:custGeom>
             <a:avLst/>
@@ -10999,7 +10613,7 @@
         <p:spPr>
           <a:xfrm>
             <a:off x="7750800" y="2590920"/>
-            <a:ext cx="276840" cy="516240"/>
+            <a:ext cx="275760" cy="515160"/>
           </a:xfrm>
           <a:custGeom>
             <a:avLst/>
@@ -11058,7 +10672,7 @@
         <p:spPr>
           <a:xfrm>
             <a:off x="5881320" y="2855520"/>
-            <a:ext cx="1488960" cy="574200"/>
+            <a:ext cx="1487880" cy="573120"/>
           </a:xfrm>
           <a:prstGeom prst="rect">
             <a:avLst/>
@@ -11107,7 +10721,7 @@
         <p:spPr>
           <a:xfrm>
             <a:off x="7007040" y="3138120"/>
-            <a:ext cx="1488600" cy="574200"/>
+            <a:ext cx="1487520" cy="573120"/>
           </a:xfrm>
           <a:prstGeom prst="rect">
             <a:avLst/>
@@ -11156,7 +10770,7 @@
         <p:spPr>
           <a:xfrm>
             <a:off x="3024000" y="2207520"/>
-            <a:ext cx="1488600" cy="909000"/>
+            <a:ext cx="1487520" cy="907920"/>
           </a:xfrm>
           <a:prstGeom prst="rect">
             <a:avLst/>
@@ -11225,7 +10839,7 @@
         <p:spPr>
           <a:xfrm>
             <a:off x="4344480" y="2314800"/>
-            <a:ext cx="2185560" cy="1006920"/>
+            <a:ext cx="2184480" cy="1005840"/>
           </a:xfrm>
           <a:prstGeom prst="rect">
             <a:avLst/>
@@ -11274,7 +10888,7 @@
         <p:spPr>
           <a:xfrm>
             <a:off x="6580080" y="2190600"/>
-            <a:ext cx="191520" cy="63360"/>
+            <a:ext cx="190440" cy="62280"/>
           </a:xfrm>
           <a:custGeom>
             <a:avLst/>
@@ -11353,7 +10967,7 @@
         <p:spPr>
           <a:xfrm>
             <a:off x="6513480" y="1990080"/>
-            <a:ext cx="64800" cy="60840"/>
+            <a:ext cx="63720" cy="59760"/>
           </a:xfrm>
           <a:prstGeom prst="ellipse">
             <a:avLst/>
@@ -11381,7 +10995,7 @@
         <p:spPr>
           <a:xfrm>
             <a:off x="6763680" y="1990080"/>
-            <a:ext cx="64800" cy="60840"/>
+            <a:ext cx="63720" cy="59760"/>
           </a:xfrm>
           <a:prstGeom prst="ellipse">
             <a:avLst/>
@@ -11409,7 +11023,7 @@
         <p:spPr>
           <a:xfrm>
             <a:off x="7650720" y="2527920"/>
-            <a:ext cx="191520" cy="63000"/>
+            <a:ext cx="190440" cy="61920"/>
           </a:xfrm>
           <a:custGeom>
             <a:avLst/>
@@ -11488,7 +11102,7 @@
         <p:spPr>
           <a:xfrm>
             <a:off x="7584480" y="2326680"/>
-            <a:ext cx="64800" cy="60840"/>
+            <a:ext cx="63720" cy="59760"/>
           </a:xfrm>
           <a:prstGeom prst="ellipse">
             <a:avLst/>
@@ -11516,7 +11130,7 @@
         <p:spPr>
           <a:xfrm>
             <a:off x="7834320" y="2326680"/>
-            <a:ext cx="64800" cy="60840"/>
+            <a:ext cx="63720" cy="59760"/>
           </a:xfrm>
           <a:prstGeom prst="ellipse">
             <a:avLst/>
@@ -11544,7 +11158,7 @@
         <p:spPr>
           <a:xfrm>
             <a:off x="838080" y="365040"/>
-            <a:ext cx="10514520" cy="901800"/>
+            <a:ext cx="10513440" cy="900720"/>
           </a:xfrm>
           <a:prstGeom prst="rect">
             <a:avLst/>
@@ -11593,7 +11207,7 @@
         <p:spPr>
           <a:xfrm>
             <a:off x="3411360" y="2114280"/>
-            <a:ext cx="764280" cy="765360"/>
+            <a:ext cx="763200" cy="764280"/>
           </a:xfrm>
           <a:custGeom>
             <a:avLst/>
@@ -11652,7 +11266,7 @@
         <p:spPr>
           <a:xfrm>
             <a:off x="3355920" y="2463120"/>
-            <a:ext cx="117720" cy="69120"/>
+            <a:ext cx="116640" cy="68040"/>
           </a:xfrm>
           <a:custGeom>
             <a:avLst/>
@@ -11700,7 +11314,7 @@
         <p:spPr>
           <a:xfrm>
             <a:off x="2733120" y="5184000"/>
-            <a:ext cx="7202520" cy="1295640"/>
+            <a:ext cx="7201440" cy="1294560"/>
           </a:xfrm>
           <a:prstGeom prst="rect">
             <a:avLst/>
@@ -11719,7 +11333,7 @@
         <p:txBody>
           <a:bodyPr lIns="90000" rIns="90000" tIns="45000" bIns="45000"/>
           <a:p>
-            <a:pPr marL="228600" indent="-227520">
+            <a:pPr marL="228600" indent="-226440">
               <a:lnSpc>
                 <a:spcPct val="90000"/>
               </a:lnSpc>
@@ -11774,7 +11388,7 @@
         <p:spPr>
           <a:xfrm>
             <a:off x="3247560" y="3452040"/>
-            <a:ext cx="4968000" cy="1417680"/>
+            <a:ext cx="4966920" cy="1416600"/>
           </a:xfrm>
           <a:prstGeom prst="rect">
             <a:avLst/>
@@ -11842,7 +11456,7 @@
         <p:spPr>
           <a:xfrm>
             <a:off x="838080" y="365040"/>
-            <a:ext cx="10514520" cy="901800"/>
+            <a:ext cx="10513440" cy="900720"/>
           </a:xfrm>
           <a:prstGeom prst="rect">
             <a:avLst/>
@@ -11891,7 +11505,7 @@
         <p:spPr>
           <a:xfrm>
             <a:off x="838080" y="6356520"/>
-            <a:ext cx="1248480" cy="363960"/>
+            <a:ext cx="1247400" cy="362880"/>
           </a:xfrm>
           <a:prstGeom prst="rect">
             <a:avLst/>
@@ -11915,7 +11529,7 @@
                 <a:spcPct val="100000"/>
               </a:lnSpc>
             </a:pPr>
-            <a:fld id="{9ABE35B6-5EEA-4B8D-8296-0AA82A93C38F}" type="slidenum">
+            <a:fld id="{283D010F-FC79-405A-9962-038A3BB7D4F2}" type="slidenum">
               <a:rPr b="0" lang="en-GB" sz="1200" spc="-1" strike="noStrike">
                 <a:solidFill>
                   <a:srgbClr val="ffffff"/>
@@ -11940,7 +11554,7 @@
         <p:spPr>
           <a:xfrm>
             <a:off x="1800000" y="1944000"/>
-            <a:ext cx="2176200" cy="2178000"/>
+            <a:ext cx="2175120" cy="2176920"/>
           </a:xfrm>
           <a:prstGeom prst="ellipse">
             <a:avLst/>
@@ -11970,7 +11584,7 @@
         <p:spPr>
           <a:xfrm>
             <a:off x="2440080" y="2008080"/>
-            <a:ext cx="938160" cy="1030320"/>
+            <a:ext cx="937080" cy="1029240"/>
           </a:xfrm>
           <a:custGeom>
             <a:avLst/>
@@ -12069,7 +11683,7 @@
         <p:spPr>
           <a:xfrm>
             <a:off x="2265480" y="3384720"/>
-            <a:ext cx="1243080" cy="737280"/>
+            <a:ext cx="1242000" cy="736200"/>
           </a:xfrm>
           <a:custGeom>
             <a:avLst/>
@@ -12138,7 +11752,7 @@
         <p:spPr>
           <a:xfrm>
             <a:off x="2265480" y="3384720"/>
-            <a:ext cx="621000" cy="737280"/>
+            <a:ext cx="619920" cy="736200"/>
           </a:xfrm>
           <a:custGeom>
             <a:avLst/>
@@ -12202,7 +11816,7 @@
         <p:spPr>
           <a:xfrm>
             <a:off x="2733120" y="2975400"/>
-            <a:ext cx="306000" cy="1036440"/>
+            <a:ext cx="304920" cy="1035360"/>
           </a:xfrm>
           <a:custGeom>
             <a:avLst/>
@@ -12264,7 +11878,7 @@
         <p:spPr>
           <a:xfrm>
             <a:off x="2799360" y="3687480"/>
-            <a:ext cx="165600" cy="324000"/>
+            <a:ext cx="164520" cy="322920"/>
           </a:xfrm>
           <a:custGeom>
             <a:avLst/>
@@ -12323,7 +11937,7 @@
         <p:spPr>
           <a:xfrm>
             <a:off x="2733120" y="3200040"/>
-            <a:ext cx="306000" cy="207720"/>
+            <a:ext cx="304920" cy="206640"/>
           </a:xfrm>
           <a:custGeom>
             <a:avLst/>
@@ -12374,7 +11988,7 @@
         <p:spPr>
           <a:xfrm>
             <a:off x="2235240" y="2409480"/>
-            <a:ext cx="1301040" cy="859680"/>
+            <a:ext cx="1299960" cy="858600"/>
           </a:xfrm>
           <a:custGeom>
             <a:avLst/>
@@ -12423,7 +12037,7 @@
         <p:spPr>
           <a:xfrm>
             <a:off x="2887560" y="2409480"/>
-            <a:ext cx="649080" cy="859680"/>
+            <a:ext cx="648000" cy="858600"/>
           </a:xfrm>
           <a:custGeom>
             <a:avLst/>
@@ -12470,7 +12084,7 @@
         <p:spPr>
           <a:xfrm>
             <a:off x="2419920" y="2251080"/>
-            <a:ext cx="929880" cy="701280"/>
+            <a:ext cx="928800" cy="700200"/>
           </a:xfrm>
           <a:custGeom>
             <a:avLst/>
@@ -12539,7 +12153,7 @@
         <p:spPr>
           <a:xfrm>
             <a:off x="2456280" y="2251080"/>
-            <a:ext cx="869760" cy="717120"/>
+            <a:ext cx="868680" cy="716040"/>
           </a:xfrm>
           <a:custGeom>
             <a:avLst/>
@@ -12658,7 +12272,7 @@
         <p:spPr>
           <a:xfrm>
             <a:off x="3228840" y="2700360"/>
-            <a:ext cx="109440" cy="207720"/>
+            <a:ext cx="108360" cy="206640"/>
           </a:xfrm>
           <a:custGeom>
             <a:avLst/>
@@ -12717,7 +12331,7 @@
         <p:spPr>
           <a:xfrm>
             <a:off x="2436120" y="2700360"/>
-            <a:ext cx="109440" cy="207720"/>
+            <a:ext cx="108360" cy="206640"/>
           </a:xfrm>
           <a:custGeom>
             <a:avLst/>
@@ -12776,7 +12390,7 @@
         <p:spPr>
           <a:xfrm>
             <a:off x="2590560" y="2720520"/>
-            <a:ext cx="592920" cy="223560"/>
+            <a:ext cx="591840" cy="222480"/>
           </a:xfrm>
           <a:custGeom>
             <a:avLst/>
@@ -12977,7 +12591,7 @@
         <p:spPr>
           <a:xfrm>
             <a:off x="2606760" y="2728440"/>
-            <a:ext cx="251640" cy="201600"/>
+            <a:ext cx="250560" cy="200520"/>
           </a:xfrm>
           <a:custGeom>
             <a:avLst/>
@@ -13061,7 +12675,7 @@
         <p:spPr>
           <a:xfrm>
             <a:off x="2915640" y="2728440"/>
-            <a:ext cx="249840" cy="201600"/>
+            <a:ext cx="248760" cy="200520"/>
           </a:xfrm>
           <a:custGeom>
             <a:avLst/>
@@ -13145,7 +12759,7 @@
         <p:spPr>
           <a:xfrm>
             <a:off x="2468160" y="3188160"/>
-            <a:ext cx="418320" cy="823680"/>
+            <a:ext cx="417240" cy="822600"/>
           </a:xfrm>
           <a:custGeom>
             <a:avLst/>
@@ -13204,7 +12818,7 @@
         <p:spPr>
           <a:xfrm>
             <a:off x="2887560" y="3188160"/>
-            <a:ext cx="416160" cy="823680"/>
+            <a:ext cx="415080" cy="822600"/>
           </a:xfrm>
           <a:custGeom>
             <a:avLst/>
@@ -13263,7 +12877,7 @@
         <p:spPr>
           <a:xfrm>
             <a:off x="1805040" y="4318200"/>
-            <a:ext cx="2171880" cy="455400"/>
+            <a:ext cx="2170800" cy="454320"/>
           </a:xfrm>
           <a:prstGeom prst="rect">
             <a:avLst/>
@@ -13312,7 +12926,7 @@
         <p:spPr>
           <a:xfrm>
             <a:off x="2684880" y="2778120"/>
-            <a:ext cx="398880" cy="303840"/>
+            <a:ext cx="397800" cy="302760"/>
           </a:xfrm>
           <a:prstGeom prst="rect">
             <a:avLst/>
@@ -13338,7 +12952,7 @@
         <p:spPr>
           <a:xfrm>
             <a:off x="2684880" y="3008880"/>
-            <a:ext cx="400680" cy="141840"/>
+            <a:ext cx="399600" cy="140760"/>
           </a:xfrm>
           <a:custGeom>
             <a:avLst/>
@@ -13417,7 +13031,7 @@
         <p:spPr>
           <a:xfrm>
             <a:off x="2732400" y="2776680"/>
-            <a:ext cx="95760" cy="95760"/>
+            <a:ext cx="94680" cy="94680"/>
           </a:xfrm>
           <a:prstGeom prst="ellipse">
             <a:avLst/>
@@ -13445,7 +13059,7 @@
         <p:spPr>
           <a:xfrm>
             <a:off x="2941920" y="2776680"/>
-            <a:ext cx="95760" cy="95760"/>
+            <a:ext cx="94680" cy="94680"/>
           </a:xfrm>
           <a:prstGeom prst="ellipse">
             <a:avLst/>
@@ -13473,7 +13087,7 @@
         <p:spPr>
           <a:xfrm>
             <a:off x="1149120" y="5184000"/>
-            <a:ext cx="10514520" cy="1295640"/>
+            <a:ext cx="10513440" cy="1294560"/>
           </a:xfrm>
           <a:prstGeom prst="rect">
             <a:avLst/>
@@ -13492,7 +13106,7 @@
         <p:txBody>
           <a:bodyPr lIns="90000" rIns="90000" tIns="45000" bIns="45000"/>
           <a:p>
-            <a:pPr marL="228600" indent="-227520">
+            <a:pPr marL="228600" indent="-226440">
               <a:lnSpc>
                 <a:spcPct val="90000"/>
               </a:lnSpc>
@@ -13547,7 +13161,7 @@
         <p:spPr>
           <a:xfrm>
             <a:off x="4176000" y="1656000"/>
-            <a:ext cx="5854680" cy="2902320"/>
+            <a:ext cx="5853600" cy="2901240"/>
           </a:xfrm>
           <a:prstGeom prst="rect">
             <a:avLst/>
@@ -13615,7 +13229,7 @@
         <p:spPr>
           <a:xfrm>
             <a:off x="838080" y="6356520"/>
-            <a:ext cx="1248480" cy="363960"/>
+            <a:ext cx="1247400" cy="362880"/>
           </a:xfrm>
           <a:prstGeom prst="rect">
             <a:avLst/>
@@ -13639,7 +13253,7 @@
                 <a:spcPct val="100000"/>
               </a:lnSpc>
             </a:pPr>
-            <a:fld id="{65A390D0-0CFC-438D-8F85-D451A15B5CC6}" type="slidenum">
+            <a:fld id="{C50943B0-6E12-4FE8-9E78-03EBC22A61A0}" type="slidenum">
               <a:rPr b="0" lang="en-GB" sz="1200" spc="-1" strike="noStrike">
                 <a:solidFill>
                   <a:srgbClr val="ffffff"/>
@@ -13664,7 +13278,7 @@
         <p:spPr>
           <a:xfrm>
             <a:off x="10797120" y="356400"/>
-            <a:ext cx="909000" cy="910080"/>
+            <a:ext cx="907920" cy="909000"/>
           </a:xfrm>
           <a:prstGeom prst="ellipse">
             <a:avLst/>
@@ -13694,7 +13308,7 @@
         <p:spPr>
           <a:xfrm>
             <a:off x="11064600" y="383400"/>
-            <a:ext cx="391680" cy="430200"/>
+            <a:ext cx="390600" cy="429120"/>
           </a:xfrm>
           <a:custGeom>
             <a:avLst/>
@@ -13793,7 +13407,7 @@
         <p:spPr>
           <a:xfrm>
             <a:off x="10991880" y="958680"/>
-            <a:ext cx="519120" cy="307800"/>
+            <a:ext cx="518040" cy="306720"/>
           </a:xfrm>
           <a:custGeom>
             <a:avLst/>
@@ -13862,7 +13476,7 @@
         <p:spPr>
           <a:xfrm>
             <a:off x="10991880" y="958680"/>
-            <a:ext cx="258840" cy="307800"/>
+            <a:ext cx="257760" cy="306720"/>
           </a:xfrm>
           <a:custGeom>
             <a:avLst/>
@@ -13926,7 +13540,7 @@
         <p:spPr>
           <a:xfrm>
             <a:off x="11187360" y="787680"/>
-            <a:ext cx="127440" cy="432720"/>
+            <a:ext cx="126360" cy="431640"/>
           </a:xfrm>
           <a:custGeom>
             <a:avLst/>
@@ -13988,7 +13602,7 @@
         <p:spPr>
           <a:xfrm>
             <a:off x="11214720" y="1085400"/>
-            <a:ext cx="68400" cy="135000"/>
+            <a:ext cx="67320" cy="133920"/>
           </a:xfrm>
           <a:custGeom>
             <a:avLst/>
@@ -14047,7 +13661,7 @@
         <p:spPr>
           <a:xfrm>
             <a:off x="11187360" y="881640"/>
-            <a:ext cx="127440" cy="86040"/>
+            <a:ext cx="126360" cy="84960"/>
           </a:xfrm>
           <a:custGeom>
             <a:avLst/>
@@ -14098,7 +13712,7 @@
         <p:spPr>
           <a:xfrm>
             <a:off x="10979280" y="551160"/>
-            <a:ext cx="543240" cy="358920"/>
+            <a:ext cx="542160" cy="357840"/>
           </a:xfrm>
           <a:custGeom>
             <a:avLst/>
@@ -14147,7 +13761,7 @@
         <p:spPr>
           <a:xfrm>
             <a:off x="11251800" y="551160"/>
-            <a:ext cx="270720" cy="358920"/>
+            <a:ext cx="269640" cy="357840"/>
           </a:xfrm>
           <a:custGeom>
             <a:avLst/>
@@ -14194,7 +13808,7 @@
         <p:spPr>
           <a:xfrm>
             <a:off x="11056320" y="484920"/>
-            <a:ext cx="388080" cy="292680"/>
+            <a:ext cx="387000" cy="291600"/>
           </a:xfrm>
           <a:custGeom>
             <a:avLst/>
@@ -14263,7 +13877,7 @@
         <p:spPr>
           <a:xfrm>
             <a:off x="11071440" y="484920"/>
-            <a:ext cx="362880" cy="299160"/>
+            <a:ext cx="361800" cy="298080"/>
           </a:xfrm>
           <a:custGeom>
             <a:avLst/>
@@ -14382,7 +13996,7 @@
         <p:spPr>
           <a:xfrm>
             <a:off x="11394360" y="672840"/>
-            <a:ext cx="45000" cy="86040"/>
+            <a:ext cx="43920" cy="84960"/>
           </a:xfrm>
           <a:custGeom>
             <a:avLst/>
@@ -14441,7 +14055,7 @@
         <p:spPr>
           <a:xfrm>
             <a:off x="11063160" y="672840"/>
-            <a:ext cx="45000" cy="86040"/>
+            <a:ext cx="43920" cy="84960"/>
           </a:xfrm>
           <a:custGeom>
             <a:avLst/>
@@ -14500,7 +14114,7 @@
         <p:spPr>
           <a:xfrm>
             <a:off x="11127600" y="681120"/>
-            <a:ext cx="247320" cy="92880"/>
+            <a:ext cx="246240" cy="91800"/>
           </a:xfrm>
           <a:custGeom>
             <a:avLst/>
@@ -14701,7 +14315,7 @@
         <p:spPr>
           <a:xfrm>
             <a:off x="11134440" y="684360"/>
-            <a:ext cx="104760" cy="83520"/>
+            <a:ext cx="103680" cy="82440"/>
           </a:xfrm>
           <a:custGeom>
             <a:avLst/>
@@ -14785,7 +14399,7 @@
         <p:spPr>
           <a:xfrm>
             <a:off x="11263680" y="684360"/>
-            <a:ext cx="103680" cy="83520"/>
+            <a:ext cx="102600" cy="82440"/>
           </a:xfrm>
           <a:custGeom>
             <a:avLst/>
@@ -14869,7 +14483,7 @@
         <p:spPr>
           <a:xfrm>
             <a:off x="11076480" y="876600"/>
-            <a:ext cx="174240" cy="343800"/>
+            <a:ext cx="173160" cy="342720"/>
           </a:xfrm>
           <a:custGeom>
             <a:avLst/>
@@ -14928,7 +14542,7 @@
         <p:spPr>
           <a:xfrm>
             <a:off x="11251800" y="876600"/>
-            <a:ext cx="173520" cy="343800"/>
+            <a:ext cx="172440" cy="342720"/>
           </a:xfrm>
           <a:custGeom>
             <a:avLst/>
@@ -14987,7 +14601,7 @@
         <p:spPr>
           <a:xfrm>
             <a:off x="10801440" y="1274760"/>
-            <a:ext cx="889200" cy="455400"/>
+            <a:ext cx="888120" cy="454320"/>
           </a:xfrm>
           <a:prstGeom prst="rect">
             <a:avLst/>
@@ -15040,7 +14654,7 @@
         <p:spPr>
           <a:xfrm>
             <a:off x="4133160" y="1728000"/>
-            <a:ext cx="3570480" cy="3247200"/>
+            <a:ext cx="3569400" cy="3246120"/>
           </a:xfrm>
           <a:prstGeom prst="rect">
             <a:avLst/>
@@ -15059,7 +14673,7 @@
         <p:spPr>
           <a:xfrm>
             <a:off x="3960000" y="2847960"/>
-            <a:ext cx="3425400" cy="455400"/>
+            <a:ext cx="3424320" cy="454320"/>
           </a:xfrm>
           <a:prstGeom prst="rect">
             <a:avLst/>
@@ -15108,7 +14722,7 @@
         <p:spPr>
           <a:xfrm>
             <a:off x="11196720" y="827640"/>
-            <a:ext cx="122760" cy="43200"/>
+            <a:ext cx="121680" cy="42120"/>
           </a:xfrm>
           <a:custGeom>
             <a:avLst/>
@@ -15187,7 +14801,7 @@
         <p:spPr>
           <a:xfrm>
             <a:off x="11154240" y="691200"/>
-            <a:ext cx="41400" cy="41400"/>
+            <a:ext cx="40320" cy="40320"/>
           </a:xfrm>
           <a:prstGeom prst="ellipse">
             <a:avLst/>
@@ -15215,7 +14829,7 @@
         <p:spPr>
           <a:xfrm>
             <a:off x="11314440" y="691200"/>
-            <a:ext cx="41400" cy="41400"/>
+            <a:ext cx="40320" cy="40320"/>
           </a:xfrm>
           <a:prstGeom prst="ellipse">
             <a:avLst/>
@@ -15243,7 +14857,7 @@
         <p:spPr>
           <a:xfrm>
             <a:off x="838080" y="365040"/>
-            <a:ext cx="10514520" cy="901800"/>
+            <a:ext cx="10513440" cy="900720"/>
           </a:xfrm>
           <a:prstGeom prst="rect">
             <a:avLst/>
@@ -15292,7 +14906,7 @@
         <p:spPr>
           <a:xfrm>
             <a:off x="1149120" y="5155920"/>
-            <a:ext cx="10514520" cy="1295640"/>
+            <a:ext cx="10513440" cy="1294560"/>
           </a:xfrm>
           <a:prstGeom prst="rect">
             <a:avLst/>
@@ -15311,7 +14925,7 @@
         <p:txBody>
           <a:bodyPr lIns="90000" rIns="90000" tIns="45000" bIns="45000"/>
           <a:p>
-            <a:pPr marL="228600" indent="-227520">
+            <a:pPr marL="228600" indent="-226440">
               <a:lnSpc>
                 <a:spcPct val="90000"/>
               </a:lnSpc>
@@ -15411,7 +15025,7 @@
         <p:spPr>
           <a:xfrm>
             <a:off x="838080" y="6356520"/>
-            <a:ext cx="1248480" cy="363960"/>
+            <a:ext cx="1247400" cy="362880"/>
           </a:xfrm>
           <a:prstGeom prst="rect">
             <a:avLst/>
@@ -15435,7 +15049,7 @@
                 <a:spcPct val="100000"/>
               </a:lnSpc>
             </a:pPr>
-            <a:fld id="{4D7BA035-AE87-46E1-8C5E-57E60CC83C00}" type="slidenum">
+            <a:fld id="{F1B95387-5468-41B1-9092-FFF375A1C9AB}" type="slidenum">
               <a:rPr b="0" lang="en-GB" sz="1200" spc="-1" strike="noStrike">
                 <a:solidFill>
                   <a:srgbClr val="ffffff"/>
@@ -15464,7 +15078,7 @@
         <p:spPr>
           <a:xfrm>
             <a:off x="2376000" y="1253520"/>
-            <a:ext cx="6857280" cy="3930120"/>
+            <a:ext cx="6856200" cy="3929040"/>
           </a:xfrm>
           <a:prstGeom prst="rect">
             <a:avLst/>
@@ -15483,7 +15097,7 @@
         <p:spPr>
           <a:xfrm>
             <a:off x="838080" y="365040"/>
-            <a:ext cx="10514520" cy="901800"/>
+            <a:ext cx="10513440" cy="900720"/>
           </a:xfrm>
           <a:prstGeom prst="rect">
             <a:avLst/>
@@ -15532,7 +15146,7 @@
         <p:spPr>
           <a:xfrm>
             <a:off x="1440000" y="4464000"/>
-            <a:ext cx="8567640" cy="1007640"/>
+            <a:ext cx="8566560" cy="1006560"/>
           </a:xfrm>
           <a:prstGeom prst="rect">
             <a:avLst/>
@@ -15562,7 +15176,7 @@
         <p:spPr>
           <a:xfrm>
             <a:off x="1581120" y="4968000"/>
-            <a:ext cx="10514520" cy="1295640"/>
+            <a:ext cx="10513440" cy="1294560"/>
           </a:xfrm>
           <a:prstGeom prst="rect">
             <a:avLst/>
@@ -15581,7 +15195,7 @@
         <p:txBody>
           <a:bodyPr lIns="90000" rIns="90000" tIns="45000" bIns="45000"/>
           <a:p>
-            <a:pPr marL="228600" indent="-227520">
+            <a:pPr marL="228600" indent="-226440">
               <a:lnSpc>
                 <a:spcPct val="90000"/>
               </a:lnSpc>
@@ -15632,7 +15246,7 @@
         <p:spPr>
           <a:xfrm>
             <a:off x="10707840" y="378720"/>
-            <a:ext cx="859680" cy="882720"/>
+            <a:ext cx="858600" cy="881640"/>
           </a:xfrm>
           <a:prstGeom prst="rect">
             <a:avLst/>
@@ -15658,7 +15272,7 @@
         <p:spPr>
           <a:xfrm>
             <a:off x="10709640" y="378000"/>
-            <a:ext cx="857880" cy="885600"/>
+            <a:ext cx="856800" cy="884520"/>
           </a:xfrm>
           <a:prstGeom prst="ellipse">
             <a:avLst/>
@@ -15688,7 +15302,7 @@
         <p:spPr>
           <a:xfrm>
             <a:off x="10893600" y="963000"/>
-            <a:ext cx="488880" cy="300600"/>
+            <a:ext cx="487800" cy="299520"/>
           </a:xfrm>
           <a:custGeom>
             <a:avLst/>
@@ -15757,7 +15371,7 @@
         <p:spPr>
           <a:xfrm>
             <a:off x="11336760" y="1061640"/>
-            <a:ext cx="46440" cy="152280"/>
+            <a:ext cx="45360" cy="151200"/>
           </a:xfrm>
           <a:custGeom>
             <a:avLst/>
@@ -15811,7 +15425,7 @@
         <p:spPr>
           <a:xfrm>
             <a:off x="11247480" y="993240"/>
-            <a:ext cx="50400" cy="255600"/>
+            <a:ext cx="49320" cy="254520"/>
           </a:xfrm>
           <a:custGeom>
             <a:avLst/>
@@ -15870,7 +15484,7 @@
         <p:spPr>
           <a:xfrm>
             <a:off x="11156760" y="964440"/>
-            <a:ext cx="53280" cy="297000"/>
+            <a:ext cx="52200" cy="295920"/>
           </a:xfrm>
           <a:custGeom>
             <a:avLst/>
@@ -15929,7 +15543,7 @@
         <p:spPr>
           <a:xfrm>
             <a:off x="11068560" y="964440"/>
-            <a:ext cx="50760" cy="297000"/>
+            <a:ext cx="49680" cy="295920"/>
           </a:xfrm>
           <a:custGeom>
             <a:avLst/>
@@ -15988,7 +15602,7 @@
         <p:spPr>
           <a:xfrm>
             <a:off x="10978560" y="991440"/>
-            <a:ext cx="51480" cy="257040"/>
+            <a:ext cx="50400" cy="255960"/>
           </a:xfrm>
           <a:custGeom>
             <a:avLst/>
@@ -16047,7 +15661,7 @@
         <p:spPr>
           <a:xfrm>
             <a:off x="10893600" y="1063800"/>
-            <a:ext cx="47520" cy="149400"/>
+            <a:ext cx="46440" cy="148320"/>
           </a:xfrm>
           <a:custGeom>
             <a:avLst/>
@@ -16101,7 +15715,7 @@
         <p:spPr>
           <a:xfrm>
             <a:off x="10929600" y="1031400"/>
-            <a:ext cx="417240" cy="54720"/>
+            <a:ext cx="416160" cy="53640"/>
           </a:xfrm>
           <a:custGeom>
             <a:avLst/>
@@ -16158,7 +15772,7 @@
         <p:spPr>
           <a:xfrm>
             <a:off x="10895040" y="1124280"/>
-            <a:ext cx="486000" cy="52200"/>
+            <a:ext cx="484920" cy="51120"/>
           </a:xfrm>
           <a:custGeom>
             <a:avLst/>
@@ -16215,7 +15829,7 @@
         <p:spPr>
           <a:xfrm>
             <a:off x="10945080" y="1216440"/>
-            <a:ext cx="386640" cy="46440"/>
+            <a:ext cx="385560" cy="45360"/>
           </a:xfrm>
           <a:custGeom>
             <a:avLst/>
@@ -16267,7 +15881,7 @@
         <p:spPr>
           <a:xfrm>
             <a:off x="11336760" y="1061640"/>
-            <a:ext cx="10080" cy="24120"/>
+            <a:ext cx="9000" cy="23040"/>
           </a:xfrm>
           <a:custGeom>
             <a:avLst/>
@@ -16434,7 +16048,7 @@
         <p:spPr>
           <a:xfrm>
             <a:off x="11336760" y="1124280"/>
-            <a:ext cx="44280" cy="52200"/>
+            <a:ext cx="43200" cy="51120"/>
           </a:xfrm>
           <a:custGeom>
             <a:avLst/>
@@ -16677,7 +16291,7 @@
         <p:spPr>
           <a:xfrm>
             <a:off x="11247480" y="1031400"/>
-            <a:ext cx="50400" cy="54720"/>
+            <a:ext cx="49320" cy="53640"/>
           </a:xfrm>
           <a:prstGeom prst="rect">
             <a:avLst/>
@@ -16705,7 +16319,7 @@
         <p:spPr>
           <a:xfrm>
             <a:off x="11247480" y="1124280"/>
-            <a:ext cx="50400" cy="52200"/>
+            <a:ext cx="49320" cy="51120"/>
           </a:xfrm>
           <a:prstGeom prst="rect">
             <a:avLst/>
@@ -16733,7 +16347,7 @@
         <p:spPr>
           <a:xfrm>
             <a:off x="11247480" y="1216440"/>
-            <a:ext cx="50400" cy="32040"/>
+            <a:ext cx="49320" cy="30960"/>
           </a:xfrm>
           <a:custGeom>
             <a:avLst/>
@@ -16952,7 +16566,7 @@
         <p:spPr>
           <a:xfrm>
             <a:off x="11156760" y="1031400"/>
-            <a:ext cx="53280" cy="54720"/>
+            <a:ext cx="52200" cy="53640"/>
           </a:xfrm>
           <a:prstGeom prst="rect">
             <a:avLst/>
@@ -16980,7 +16594,7 @@
         <p:spPr>
           <a:xfrm>
             <a:off x="11156760" y="1124280"/>
-            <a:ext cx="53280" cy="52200"/>
+            <a:ext cx="52200" cy="51120"/>
           </a:xfrm>
           <a:prstGeom prst="rect">
             <a:avLst/>
@@ -17008,7 +16622,7 @@
         <p:spPr>
           <a:xfrm>
             <a:off x="11156760" y="1216440"/>
-            <a:ext cx="53280" cy="45000"/>
+            <a:ext cx="52200" cy="43920"/>
           </a:xfrm>
           <a:custGeom>
             <a:avLst/>
@@ -17245,7 +16859,7 @@
         <p:spPr>
           <a:xfrm>
             <a:off x="11068560" y="1031400"/>
-            <a:ext cx="50760" cy="54720"/>
+            <a:ext cx="49680" cy="53640"/>
           </a:xfrm>
           <a:prstGeom prst="rect">
             <a:avLst/>
@@ -17273,7 +16887,7 @@
         <p:spPr>
           <a:xfrm>
             <a:off x="11068560" y="1124280"/>
-            <a:ext cx="50760" cy="52200"/>
+            <a:ext cx="49680" cy="51120"/>
           </a:xfrm>
           <a:prstGeom prst="rect">
             <a:avLst/>
@@ -17301,7 +16915,7 @@
         <p:spPr>
           <a:xfrm>
             <a:off x="11068560" y="1216440"/>
-            <a:ext cx="50760" cy="45000"/>
+            <a:ext cx="49680" cy="43920"/>
           </a:xfrm>
           <a:custGeom>
             <a:avLst/>
@@ -17523,7 +17137,7 @@
         <p:spPr>
           <a:xfrm>
             <a:off x="10978560" y="1031400"/>
-            <a:ext cx="51480" cy="54720"/>
+            <a:ext cx="50400" cy="53640"/>
           </a:xfrm>
           <a:prstGeom prst="rect">
             <a:avLst/>
@@ -17551,7 +17165,7 @@
         <p:spPr>
           <a:xfrm>
             <a:off x="10978560" y="1124280"/>
-            <a:ext cx="51480" cy="52200"/>
+            <a:ext cx="50400" cy="51120"/>
           </a:xfrm>
           <a:prstGeom prst="rect">
             <a:avLst/>
@@ -17579,7 +17193,7 @@
         <p:spPr>
           <a:xfrm>
             <a:off x="10978560" y="1216440"/>
-            <a:ext cx="51480" cy="32040"/>
+            <a:ext cx="50400" cy="30960"/>
           </a:xfrm>
           <a:custGeom>
             <a:avLst/>
@@ -17816,7 +17430,7 @@
         <p:spPr>
           <a:xfrm>
             <a:off x="10929600" y="1063800"/>
-            <a:ext cx="11520" cy="22320"/>
+            <a:ext cx="10440" cy="21240"/>
           </a:xfrm>
           <a:custGeom>
             <a:avLst/>
@@ -17963,7 +17577,7 @@
         <p:spPr>
           <a:xfrm>
             <a:off x="10895040" y="1124280"/>
-            <a:ext cx="46080" cy="52200"/>
+            <a:ext cx="45000" cy="51120"/>
           </a:xfrm>
           <a:custGeom>
             <a:avLst/>
@@ -18266,7 +17880,7 @@
         <p:spPr>
           <a:xfrm>
             <a:off x="11077920" y="797040"/>
-            <a:ext cx="119880" cy="248400"/>
+            <a:ext cx="118800" cy="247320"/>
           </a:xfrm>
           <a:custGeom>
             <a:avLst/>
@@ -18323,7 +17937,7 @@
         <p:spPr>
           <a:xfrm>
             <a:off x="11077920" y="886680"/>
-            <a:ext cx="119880" cy="85680"/>
+            <a:ext cx="118800" cy="84600"/>
           </a:xfrm>
           <a:custGeom>
             <a:avLst/>
@@ -18374,7 +17988,7 @@
         <p:spPr>
           <a:xfrm>
             <a:off x="10881720" y="567000"/>
-            <a:ext cx="513360" cy="348840"/>
+            <a:ext cx="512280" cy="347760"/>
           </a:xfrm>
           <a:custGeom>
             <a:avLst/>
@@ -18423,7 +18037,7 @@
         <p:spPr>
           <a:xfrm>
             <a:off x="10954800" y="502920"/>
-            <a:ext cx="366840" cy="283320"/>
+            <a:ext cx="365760" cy="282240"/>
           </a:xfrm>
           <a:custGeom>
             <a:avLst/>
@@ -18492,7 +18106,7 @@
         <p:spPr>
           <a:xfrm>
             <a:off x="10977480" y="447120"/>
-            <a:ext cx="321840" cy="295920"/>
+            <a:ext cx="320760" cy="294840"/>
           </a:xfrm>
           <a:custGeom>
             <a:avLst/>
@@ -18561,7 +18175,7 @@
         <p:spPr>
           <a:xfrm>
             <a:off x="10916280" y="591120"/>
-            <a:ext cx="444600" cy="166680"/>
+            <a:ext cx="443520" cy="165600"/>
           </a:xfrm>
           <a:prstGeom prst="ellipse">
             <a:avLst/>
@@ -18589,7 +18203,7 @@
         <p:spPr>
           <a:xfrm>
             <a:off x="10991160" y="609120"/>
-            <a:ext cx="291960" cy="289440"/>
+            <a:ext cx="290880" cy="288360"/>
           </a:xfrm>
           <a:custGeom>
             <a:avLst/>
@@ -18648,7 +18262,7 @@
         <p:spPr>
           <a:xfrm>
             <a:off x="11139480" y="618840"/>
-            <a:ext cx="178920" cy="297000"/>
+            <a:ext cx="177840" cy="295920"/>
           </a:xfrm>
           <a:custGeom>
             <a:avLst/>
@@ -18707,7 +18321,7 @@
         <p:spPr>
           <a:xfrm>
             <a:off x="11041200" y="475200"/>
-            <a:ext cx="195480" cy="112320"/>
+            <a:ext cx="194400" cy="111240"/>
           </a:xfrm>
           <a:custGeom>
             <a:avLst/>
@@ -18766,7 +18380,7 @@
         <p:spPr>
           <a:xfrm>
             <a:off x="10958400" y="602640"/>
-            <a:ext cx="344880" cy="164880"/>
+            <a:ext cx="343800" cy="163800"/>
           </a:xfrm>
           <a:custGeom>
             <a:avLst/>
@@ -18863,7 +18477,7 @@
         <p:spPr>
           <a:xfrm>
             <a:off x="11274120" y="685080"/>
-            <a:ext cx="42840" cy="83880"/>
+            <a:ext cx="41760" cy="82800"/>
           </a:xfrm>
           <a:custGeom>
             <a:avLst/>
@@ -18922,7 +18536,7 @@
         <p:spPr>
           <a:xfrm>
             <a:off x="10961280" y="685080"/>
-            <a:ext cx="42840" cy="83880"/>
+            <a:ext cx="41760" cy="82800"/>
           </a:xfrm>
           <a:custGeom>
             <a:avLst/>
@@ -18981,7 +18595,7 @@
         <p:spPr>
           <a:xfrm>
             <a:off x="10960560" y="988920"/>
-            <a:ext cx="99360" cy="252360"/>
+            <a:ext cx="98280" cy="251280"/>
           </a:xfrm>
           <a:custGeom>
             <a:avLst/>
@@ -19045,7 +18659,7 @@
         <p:spPr>
           <a:xfrm>
             <a:off x="11211840" y="977400"/>
-            <a:ext cx="119880" cy="275400"/>
+            <a:ext cx="118800" cy="274320"/>
           </a:xfrm>
           <a:custGeom>
             <a:avLst/>
@@ -19114,7 +18728,7 @@
         <p:spPr>
           <a:xfrm>
             <a:off x="10999440" y="932040"/>
-            <a:ext cx="294480" cy="196200"/>
+            <a:ext cx="293400" cy="195120"/>
           </a:xfrm>
           <a:custGeom>
             <a:avLst/>
@@ -19183,7 +18797,7 @@
         <p:spPr>
           <a:xfrm>
             <a:off x="10982160" y="974520"/>
-            <a:ext cx="302400" cy="168840"/>
+            <a:ext cx="301320" cy="167760"/>
           </a:xfrm>
           <a:custGeom>
             <a:avLst/>
@@ -19440,7 +19054,7 @@
         <p:spPr>
           <a:xfrm>
             <a:off x="10986120" y="696600"/>
-            <a:ext cx="304920" cy="258120"/>
+            <a:ext cx="303840" cy="257040"/>
           </a:xfrm>
           <a:custGeom>
             <a:avLst/>
@@ -19542,7 +19156,7 @@
         <p:spPr>
           <a:xfrm>
             <a:off x="11083680" y="808920"/>
-            <a:ext cx="109800" cy="73800"/>
+            <a:ext cx="108720" cy="72720"/>
           </a:xfrm>
           <a:custGeom>
             <a:avLst/>
@@ -19611,7 +19225,7 @@
         <p:spPr>
           <a:xfrm>
             <a:off x="11019960" y="691560"/>
-            <a:ext cx="235440" cy="81720"/>
+            <a:ext cx="234360" cy="80640"/>
           </a:xfrm>
           <a:custGeom>
             <a:avLst/>
@@ -19854,7 +19468,7 @@
         <p:spPr>
           <a:xfrm>
             <a:off x="10651680" y="1270440"/>
-            <a:ext cx="913320" cy="385200"/>
+            <a:ext cx="912240" cy="384120"/>
           </a:xfrm>
           <a:prstGeom prst="rect">
             <a:avLst/>
@@ -19903,7 +19517,7 @@
         <p:spPr>
           <a:xfrm>
             <a:off x="11081880" y="821160"/>
-            <a:ext cx="99000" cy="35640"/>
+            <a:ext cx="97920" cy="34560"/>
           </a:xfrm>
           <a:custGeom>
             <a:avLst/>
@@ -19982,7 +19596,7 @@
         <p:spPr>
           <a:xfrm>
             <a:off x="11048040" y="707760"/>
-            <a:ext cx="33120" cy="34200"/>
+            <a:ext cx="32040" cy="33120"/>
           </a:xfrm>
           <a:prstGeom prst="ellipse">
             <a:avLst/>
@@ -20010,7 +19624,7 @@
         <p:spPr>
           <a:xfrm>
             <a:off x="11176560" y="707760"/>
-            <a:ext cx="33480" cy="34200"/>
+            <a:ext cx="32400" cy="33120"/>
           </a:xfrm>
           <a:prstGeom prst="ellipse">
             <a:avLst/>
@@ -20087,7 +19701,7 @@
         <p:spPr>
           <a:xfrm>
             <a:off x="838080" y="365040"/>
-            <a:ext cx="10514520" cy="901800"/>
+            <a:ext cx="10513440" cy="900720"/>
           </a:xfrm>
           <a:prstGeom prst="rect">
             <a:avLst/>
@@ -20138,7 +19752,7 @@
         <p:spPr>
           <a:xfrm>
             <a:off x="838080" y="6356520"/>
-            <a:ext cx="1248480" cy="363960"/>
+            <a:ext cx="1247400" cy="362880"/>
           </a:xfrm>
           <a:prstGeom prst="rect">
             <a:avLst/>
@@ -20162,7 +19776,7 @@
                 <a:spcPct val="100000"/>
               </a:lnSpc>
             </a:pPr>
-            <a:fld id="{C8AEADE4-DFCB-49A2-9893-5B369715DD03}" type="slidenum">
+            <a:fld id="{AD36E935-717B-45A3-9A5C-32915D106190}" type="slidenum">
               <a:rPr b="0" lang="en-GB" sz="1200" spc="-1" strike="noStrike">
                 <a:solidFill>
                   <a:srgbClr val="ffffff"/>
@@ -20187,7 +19801,7 @@
         <p:spPr>
           <a:xfrm>
             <a:off x="2136240" y="1356840"/>
-            <a:ext cx="846720" cy="849240"/>
+            <a:ext cx="845640" cy="848160"/>
           </a:xfrm>
           <a:prstGeom prst="ellipse">
             <a:avLst/>
@@ -20217,7 +19831,7 @@
         <p:spPr>
           <a:xfrm>
             <a:off x="2318760" y="1918080"/>
-            <a:ext cx="482760" cy="287640"/>
+            <a:ext cx="481680" cy="286560"/>
           </a:xfrm>
           <a:custGeom>
             <a:avLst/>
@@ -20288,7 +19902,7 @@
         <p:spPr>
           <a:xfrm>
             <a:off x="2480760" y="1923480"/>
-            <a:ext cx="170280" cy="188280"/>
+            <a:ext cx="169200" cy="187200"/>
           </a:xfrm>
           <a:prstGeom prst="rect">
             <a:avLst/>
@@ -20318,7 +19932,7 @@
         <p:spPr>
           <a:xfrm>
             <a:off x="2500200" y="1744200"/>
-            <a:ext cx="118800" cy="238320"/>
+            <a:ext cx="117720" cy="237240"/>
           </a:xfrm>
           <a:custGeom>
             <a:avLst/>
@@ -20375,7 +19989,7 @@
         <p:spPr>
           <a:xfrm>
             <a:off x="2500200" y="1846800"/>
-            <a:ext cx="118800" cy="80280"/>
+            <a:ext cx="117720" cy="79200"/>
           </a:xfrm>
           <a:custGeom>
             <a:avLst/>
@@ -20426,7 +20040,7 @@
         <p:spPr>
           <a:xfrm>
             <a:off x="2306160" y="1538280"/>
-            <a:ext cx="506160" cy="334080"/>
+            <a:ext cx="505080" cy="333000"/>
           </a:xfrm>
           <a:custGeom>
             <a:avLst/>
@@ -20475,7 +20089,7 @@
         <p:spPr>
           <a:xfrm>
             <a:off x="2559960" y="1538280"/>
-            <a:ext cx="252720" cy="334080"/>
+            <a:ext cx="251640" cy="333000"/>
           </a:xfrm>
           <a:custGeom>
             <a:avLst/>
@@ -20522,7 +20136,7 @@
         <p:spPr>
           <a:xfrm>
             <a:off x="2378880" y="1476720"/>
-            <a:ext cx="360720" cy="272880"/>
+            <a:ext cx="359640" cy="271800"/>
           </a:xfrm>
           <a:custGeom>
             <a:avLst/>
@@ -20593,7 +20207,7 @@
         <p:spPr>
           <a:xfrm>
             <a:off x="2692800" y="1652040"/>
-            <a:ext cx="42120" cy="80280"/>
+            <a:ext cx="41040" cy="79200"/>
           </a:xfrm>
           <a:custGeom>
             <a:avLst/>
@@ -20652,7 +20266,7 @@
         <p:spPr>
           <a:xfrm>
             <a:off x="2383560" y="1652040"/>
-            <a:ext cx="42120" cy="80280"/>
+            <a:ext cx="41040" cy="79200"/>
           </a:xfrm>
           <a:custGeom>
             <a:avLst/>
@@ -20711,7 +20325,7 @@
         <p:spPr>
           <a:xfrm>
             <a:off x="2504160" y="1922040"/>
-            <a:ext cx="110160" cy="284040"/>
+            <a:ext cx="109080" cy="282960"/>
           </a:xfrm>
           <a:custGeom>
             <a:avLst/>
@@ -20783,7 +20397,7 @@
         <p:spPr>
           <a:xfrm>
             <a:off x="2454840" y="1887480"/>
-            <a:ext cx="102240" cy="110880"/>
+            <a:ext cx="101160" cy="109800"/>
           </a:xfrm>
           <a:custGeom>
             <a:avLst/>
@@ -20836,7 +20450,7 @@
         <p:spPr>
           <a:xfrm>
             <a:off x="2561400" y="1887480"/>
-            <a:ext cx="102240" cy="110880"/>
+            <a:ext cx="101160" cy="109800"/>
           </a:xfrm>
           <a:custGeom>
             <a:avLst/>
@@ -20889,7 +20503,7 @@
         <p:spPr>
           <a:xfrm>
             <a:off x="2087640" y="2208600"/>
-            <a:ext cx="889200" cy="363960"/>
+            <a:ext cx="888120" cy="362880"/>
           </a:xfrm>
           <a:prstGeom prst="rect">
             <a:avLst/>
@@ -20938,7 +20552,7 @@
         <p:spPr>
           <a:xfrm>
             <a:off x="8580240" y="1356840"/>
-            <a:ext cx="865800" cy="866520"/>
+            <a:ext cx="864720" cy="865440"/>
           </a:xfrm>
           <a:prstGeom prst="ellipse">
             <a:avLst/>
@@ -20968,7 +20582,7 @@
         <p:spPr>
           <a:xfrm>
             <a:off x="8835120" y="1382400"/>
-            <a:ext cx="372600" cy="409680"/>
+            <a:ext cx="371520" cy="408600"/>
           </a:xfrm>
           <a:custGeom>
             <a:avLst/>
@@ -21067,7 +20681,7 @@
         <p:spPr>
           <a:xfrm>
             <a:off x="8765640" y="1930320"/>
-            <a:ext cx="494280" cy="293040"/>
+            <a:ext cx="493200" cy="291960"/>
           </a:xfrm>
           <a:custGeom>
             <a:avLst/>
@@ -21136,7 +20750,7 @@
         <p:spPr>
           <a:xfrm>
             <a:off x="8765640" y="1930320"/>
-            <a:ext cx="246600" cy="293040"/>
+            <a:ext cx="245520" cy="291960"/>
           </a:xfrm>
           <a:custGeom>
             <a:avLst/>
@@ -21200,7 +20814,7 @@
         <p:spPr>
           <a:xfrm>
             <a:off x="8951760" y="1767240"/>
-            <a:ext cx="121320" cy="411840"/>
+            <a:ext cx="120240" cy="410760"/>
           </a:xfrm>
           <a:custGeom>
             <a:avLst/>
@@ -21262,7 +20876,7 @@
         <p:spPr>
           <a:xfrm>
             <a:off x="8978040" y="2050920"/>
-            <a:ext cx="65160" cy="128160"/>
+            <a:ext cx="64080" cy="127080"/>
           </a:xfrm>
           <a:custGeom>
             <a:avLst/>
@@ -21321,7 +20935,7 @@
         <p:spPr>
           <a:xfrm>
             <a:off x="8951760" y="1856880"/>
-            <a:ext cx="121320" cy="82080"/>
+            <a:ext cx="120240" cy="81000"/>
           </a:xfrm>
           <a:custGeom>
             <a:avLst/>
@@ -21372,7 +20986,7 @@
         <p:spPr>
           <a:xfrm>
             <a:off x="8753400" y="1542240"/>
-            <a:ext cx="517320" cy="341640"/>
+            <a:ext cx="516240" cy="340560"/>
           </a:xfrm>
           <a:custGeom>
             <a:avLst/>
@@ -21421,7 +21035,7 @@
         <p:spPr>
           <a:xfrm>
             <a:off x="9012960" y="1542240"/>
-            <a:ext cx="257760" cy="341640"/>
+            <a:ext cx="256680" cy="340560"/>
           </a:xfrm>
           <a:custGeom>
             <a:avLst/>
@@ -21468,7 +21082,7 @@
         <p:spPr>
           <a:xfrm>
             <a:off x="8826840" y="1478880"/>
-            <a:ext cx="369720" cy="278640"/>
+            <a:ext cx="368640" cy="277560"/>
           </a:xfrm>
           <a:custGeom>
             <a:avLst/>
@@ -21537,7 +21151,7 @@
         <p:spPr>
           <a:xfrm>
             <a:off x="8841240" y="1478880"/>
-            <a:ext cx="345600" cy="284760"/>
+            <a:ext cx="344520" cy="283680"/>
           </a:xfrm>
           <a:custGeom>
             <a:avLst/>
@@ -21656,7 +21270,7 @@
         <p:spPr>
           <a:xfrm>
             <a:off x="9149040" y="1657800"/>
-            <a:ext cx="42840" cy="82080"/>
+            <a:ext cx="41760" cy="81000"/>
           </a:xfrm>
           <a:custGeom>
             <a:avLst/>
@@ -21715,7 +21329,7 @@
         <p:spPr>
           <a:xfrm>
             <a:off x="8833320" y="1657800"/>
-            <a:ext cx="42840" cy="82080"/>
+            <a:ext cx="41760" cy="81000"/>
           </a:xfrm>
           <a:custGeom>
             <a:avLst/>
@@ -21774,7 +21388,7 @@
         <p:spPr>
           <a:xfrm>
             <a:off x="8894880" y="1666080"/>
-            <a:ext cx="235440" cy="88560"/>
+            <a:ext cx="234360" cy="87480"/>
           </a:xfrm>
           <a:custGeom>
             <a:avLst/>
@@ -21975,7 +21589,7 @@
         <p:spPr>
           <a:xfrm>
             <a:off x="8901360" y="1668960"/>
-            <a:ext cx="99720" cy="79560"/>
+            <a:ext cx="98640" cy="78480"/>
           </a:xfrm>
           <a:custGeom>
             <a:avLst/>
@@ -22059,7 +21673,7 @@
         <p:spPr>
           <a:xfrm>
             <a:off x="9024480" y="1668960"/>
-            <a:ext cx="98640" cy="79560"/>
+            <a:ext cx="97560" cy="78480"/>
           </a:xfrm>
           <a:custGeom>
             <a:avLst/>
@@ -22143,7 +21757,7 @@
         <p:spPr>
           <a:xfrm>
             <a:off x="8846280" y="1852200"/>
-            <a:ext cx="165960" cy="327240"/>
+            <a:ext cx="164880" cy="326160"/>
           </a:xfrm>
           <a:custGeom>
             <a:avLst/>
@@ -22202,7 +21816,7 @@
         <p:spPr>
           <a:xfrm>
             <a:off x="9012960" y="1852200"/>
-            <a:ext cx="165240" cy="327240"/>
+            <a:ext cx="164160" cy="326160"/>
           </a:xfrm>
           <a:custGeom>
             <a:avLst/>
@@ -22261,7 +21875,7 @@
         <p:spPr>
           <a:xfrm>
             <a:off x="8568720" y="2198880"/>
-            <a:ext cx="889200" cy="363960"/>
+            <a:ext cx="888120" cy="362880"/>
           </a:xfrm>
           <a:prstGeom prst="rect">
             <a:avLst/>
@@ -22309,8 +21923,8 @@
         </p:nvSpPr>
         <p:spPr>
           <a:xfrm flipV="1">
-            <a:off x="7553160" y="852840"/>
-            <a:ext cx="913320" cy="516240"/>
+            <a:off x="7367760" y="1716480"/>
+            <a:ext cx="912240" cy="515160"/>
           </a:xfrm>
           <a:custGeom>
             <a:avLst/>
@@ -22362,7 +21976,7 @@
         <p:spPr>
           <a:xfrm>
             <a:off x="3139920" y="2345040"/>
-            <a:ext cx="913320" cy="516240"/>
+            <a:ext cx="912240" cy="515160"/>
           </a:xfrm>
           <a:custGeom>
             <a:avLst/>
@@ -22413,8 +22027,8 @@
         </p:nvSpPr>
         <p:spPr>
           <a:xfrm flipH="1" flipV="1">
-            <a:off x="7551720" y="4269960"/>
-            <a:ext cx="913320" cy="516240"/>
+            <a:off x="7551000" y="4268520"/>
+            <a:ext cx="912240" cy="515160"/>
           </a:xfrm>
           <a:custGeom>
             <a:avLst/>
@@ -22465,8 +22079,8 @@
         </p:nvSpPr>
         <p:spPr>
           <a:xfrm flipH="1">
-            <a:off x="3138480" y="4212360"/>
-            <a:ext cx="913320" cy="516240"/>
+            <a:off x="3137760" y="4212360"/>
+            <a:ext cx="912240" cy="515160"/>
           </a:xfrm>
           <a:custGeom>
             <a:avLst/>
@@ -22518,7 +22132,7 @@
         <p:spPr>
           <a:xfrm>
             <a:off x="5349600" y="924480"/>
-            <a:ext cx="764280" cy="765360"/>
+            <a:ext cx="763200" cy="764280"/>
           </a:xfrm>
           <a:custGeom>
             <a:avLst/>
@@ -22577,7 +22191,7 @@
         <p:spPr>
           <a:xfrm>
             <a:off x="5294160" y="1273320"/>
-            <a:ext cx="117720" cy="69120"/>
+            <a:ext cx="116640" cy="68040"/>
           </a:xfrm>
           <a:custGeom>
             <a:avLst/>
@@ -22625,7 +22239,7 @@
         <p:spPr>
           <a:xfrm>
             <a:off x="5286960" y="1139040"/>
-            <a:ext cx="889200" cy="333000"/>
+            <a:ext cx="888120" cy="331920"/>
           </a:xfrm>
           <a:prstGeom prst="rect">
             <a:avLst/>
@@ -22674,7 +22288,7 @@
         <p:spPr>
           <a:xfrm>
             <a:off x="4127760" y="2378520"/>
-            <a:ext cx="3290760" cy="360"/>
+            <a:ext cx="3289680" cy="360"/>
           </a:xfrm>
           <a:custGeom>
             <a:avLst/>
@@ -22723,7 +22337,7 @@
         <p:spPr>
           <a:xfrm>
             <a:off x="3956040" y="1783440"/>
-            <a:ext cx="3738960" cy="576360"/>
+            <a:ext cx="3737880" cy="575280"/>
           </a:xfrm>
           <a:prstGeom prst="rect">
             <a:avLst/>
@@ -22793,8 +22407,8 @@
         </p:nvSpPr>
         <p:spPr>
           <a:xfrm flipH="1">
-            <a:off x="4052880" y="5016960"/>
-            <a:ext cx="3290760" cy="360"/>
+            <a:off x="4052160" y="5016960"/>
+            <a:ext cx="3289680" cy="360"/>
           </a:xfrm>
           <a:custGeom>
             <a:avLst/>
@@ -22845,7 +22459,7 @@
         <p:spPr>
           <a:xfrm>
             <a:off x="3830400" y="5142960"/>
-            <a:ext cx="3738960" cy="333000"/>
+            <a:ext cx="3737880" cy="331920"/>
           </a:xfrm>
           <a:prstGeom prst="rect">
             <a:avLst/>
@@ -22893,8 +22507,8 @@
         </p:nvSpPr>
         <p:spPr>
           <a:xfrm rot="5400000">
-            <a:off x="8254800" y="3593520"/>
-            <a:ext cx="1461960" cy="360"/>
+            <a:off x="8255160" y="3592800"/>
+            <a:ext cx="1460880" cy="360"/>
           </a:xfrm>
           <a:custGeom>
             <a:avLst/>
@@ -22944,8 +22558,8 @@
         </p:nvSpPr>
         <p:spPr>
           <a:xfrm flipH="1">
-            <a:off x="2491560" y="3562920"/>
-            <a:ext cx="1461960" cy="360"/>
+            <a:off x="2490840" y="3562920"/>
+            <a:ext cx="1460880" cy="360"/>
           </a:xfrm>
           <a:custGeom>
             <a:avLst/>
@@ -22995,7 +22609,7 @@
         <p:spPr>
           <a:xfrm>
             <a:off x="9096120" y="3156840"/>
-            <a:ext cx="1538280" cy="819720"/>
+            <a:ext cx="1537200" cy="818640"/>
           </a:xfrm>
           <a:prstGeom prst="rect">
             <a:avLst/>
@@ -23064,7 +22678,7 @@
         <p:spPr>
           <a:xfrm>
             <a:off x="1395720" y="3100680"/>
-            <a:ext cx="837000" cy="833760"/>
+            <a:ext cx="835920" cy="832680"/>
           </a:xfrm>
           <a:prstGeom prst="rect">
             <a:avLst/>
@@ -23090,7 +22704,7 @@
         <p:spPr>
           <a:xfrm>
             <a:off x="1397520" y="3099960"/>
-            <a:ext cx="835200" cy="836280"/>
+            <a:ext cx="834120" cy="835200"/>
           </a:xfrm>
           <a:prstGeom prst="ellipse">
             <a:avLst/>
@@ -23120,7 +22734,7 @@
         <p:spPr>
           <a:xfrm>
             <a:off x="1576440" y="3652560"/>
-            <a:ext cx="476280" cy="283680"/>
+            <a:ext cx="475200" cy="282600"/>
           </a:xfrm>
           <a:custGeom>
             <a:avLst/>
@@ -23189,7 +22803,7 @@
         <p:spPr>
           <a:xfrm>
             <a:off x="2008080" y="3745800"/>
-            <a:ext cx="45000" cy="143640"/>
+            <a:ext cx="43920" cy="142560"/>
           </a:xfrm>
           <a:custGeom>
             <a:avLst/>
@@ -23243,7 +22857,7 @@
         <p:spPr>
           <a:xfrm>
             <a:off x="1920960" y="3681000"/>
-            <a:ext cx="49320" cy="241560"/>
+            <a:ext cx="48240" cy="240480"/>
           </a:xfrm>
           <a:custGeom>
             <a:avLst/>
@@ -23302,7 +22916,7 @@
         <p:spPr>
           <a:xfrm>
             <a:off x="1832760" y="3654000"/>
-            <a:ext cx="51840" cy="280440"/>
+            <a:ext cx="50760" cy="279360"/>
           </a:xfrm>
           <a:custGeom>
             <a:avLst/>
@@ -23361,7 +22975,7 @@
         <p:spPr>
           <a:xfrm>
             <a:off x="1747080" y="3654000"/>
-            <a:ext cx="49320" cy="280440"/>
+            <a:ext cx="48240" cy="279360"/>
           </a:xfrm>
           <a:custGeom>
             <a:avLst/>
@@ -23420,7 +23034,7 @@
         <p:spPr>
           <a:xfrm>
             <a:off x="1659240" y="3679200"/>
-            <a:ext cx="50040" cy="243000"/>
+            <a:ext cx="48960" cy="241920"/>
           </a:xfrm>
           <a:custGeom>
             <a:avLst/>
@@ -23479,7 +23093,7 @@
         <p:spPr>
           <a:xfrm>
             <a:off x="1576440" y="3747600"/>
-            <a:ext cx="46440" cy="141120"/>
+            <a:ext cx="45360" cy="140040"/>
           </a:xfrm>
           <a:custGeom>
             <a:avLst/>
@@ -23533,7 +23147,7 @@
         <p:spPr>
           <a:xfrm>
             <a:off x="1611720" y="3717000"/>
-            <a:ext cx="406080" cy="51840"/>
+            <a:ext cx="405000" cy="50760"/>
           </a:xfrm>
           <a:custGeom>
             <a:avLst/>
@@ -23590,7 +23204,7 @@
         <p:spPr>
           <a:xfrm>
             <a:off x="1577880" y="3804840"/>
-            <a:ext cx="473400" cy="49320"/>
+            <a:ext cx="472320" cy="48240"/>
           </a:xfrm>
           <a:custGeom>
             <a:avLst/>
@@ -23647,7 +23261,7 @@
         <p:spPr>
           <a:xfrm>
             <a:off x="1626840" y="3891960"/>
-            <a:ext cx="376200" cy="43920"/>
+            <a:ext cx="375120" cy="42840"/>
           </a:xfrm>
           <a:custGeom>
             <a:avLst/>
@@ -23699,7 +23313,7 @@
         <p:spPr>
           <a:xfrm>
             <a:off x="2008080" y="3745800"/>
-            <a:ext cx="9720" cy="22680"/>
+            <a:ext cx="8640" cy="21600"/>
           </a:xfrm>
           <a:custGeom>
             <a:avLst/>
@@ -23866,7 +23480,7 @@
         <p:spPr>
           <a:xfrm>
             <a:off x="2008080" y="3804840"/>
-            <a:ext cx="43200" cy="49320"/>
+            <a:ext cx="42120" cy="48240"/>
           </a:xfrm>
           <a:custGeom>
             <a:avLst/>
@@ -24109,7 +23723,7 @@
         <p:spPr>
           <a:xfrm>
             <a:off x="1920960" y="3717000"/>
-            <a:ext cx="49320" cy="51840"/>
+            <a:ext cx="48240" cy="50760"/>
           </a:xfrm>
           <a:prstGeom prst="rect">
             <a:avLst/>
@@ -24137,7 +23751,7 @@
         <p:spPr>
           <a:xfrm>
             <a:off x="1920960" y="3804840"/>
-            <a:ext cx="49320" cy="49320"/>
+            <a:ext cx="48240" cy="48240"/>
           </a:xfrm>
           <a:prstGeom prst="rect">
             <a:avLst/>
@@ -24165,7 +23779,7 @@
         <p:spPr>
           <a:xfrm>
             <a:off x="1920960" y="3891960"/>
-            <a:ext cx="49320" cy="30240"/>
+            <a:ext cx="48240" cy="29160"/>
           </a:xfrm>
           <a:custGeom>
             <a:avLst/>
@@ -24384,7 +23998,7 @@
         <p:spPr>
           <a:xfrm>
             <a:off x="1832760" y="3717000"/>
-            <a:ext cx="51840" cy="51840"/>
+            <a:ext cx="50760" cy="50760"/>
           </a:xfrm>
           <a:prstGeom prst="rect">
             <a:avLst/>
@@ -24412,7 +24026,7 @@
         <p:spPr>
           <a:xfrm>
             <a:off x="1832760" y="3804840"/>
-            <a:ext cx="51840" cy="49320"/>
+            <a:ext cx="50760" cy="48240"/>
           </a:xfrm>
           <a:prstGeom prst="rect">
             <a:avLst/>
@@ -24440,7 +24054,7 @@
         <p:spPr>
           <a:xfrm>
             <a:off x="1832760" y="3891960"/>
-            <a:ext cx="51840" cy="42480"/>
+            <a:ext cx="50760" cy="41400"/>
           </a:xfrm>
           <a:custGeom>
             <a:avLst/>
@@ -24677,7 +24291,7 @@
         <p:spPr>
           <a:xfrm>
             <a:off x="1747080" y="3717000"/>
-            <a:ext cx="49320" cy="51840"/>
+            <a:ext cx="48240" cy="50760"/>
           </a:xfrm>
           <a:prstGeom prst="rect">
             <a:avLst/>
@@ -24705,7 +24319,7 @@
         <p:spPr>
           <a:xfrm>
             <a:off x="1747080" y="3804840"/>
-            <a:ext cx="49320" cy="49320"/>
+            <a:ext cx="48240" cy="48240"/>
           </a:xfrm>
           <a:prstGeom prst="rect">
             <a:avLst/>
@@ -24733,7 +24347,7 @@
         <p:spPr>
           <a:xfrm>
             <a:off x="1747080" y="3891960"/>
-            <a:ext cx="49320" cy="42480"/>
+            <a:ext cx="48240" cy="41400"/>
           </a:xfrm>
           <a:custGeom>
             <a:avLst/>
@@ -24955,7 +24569,7 @@
         <p:spPr>
           <a:xfrm>
             <a:off x="1659240" y="3717000"/>
-            <a:ext cx="50040" cy="51840"/>
+            <a:ext cx="48960" cy="50760"/>
           </a:xfrm>
           <a:prstGeom prst="rect">
             <a:avLst/>
@@ -24983,7 +24597,7 @@
         <p:spPr>
           <a:xfrm>
             <a:off x="1659240" y="3804840"/>
-            <a:ext cx="50040" cy="49320"/>
+            <a:ext cx="48960" cy="48240"/>
           </a:xfrm>
           <a:prstGeom prst="rect">
             <a:avLst/>
@@ -25011,7 +24625,7 @@
         <p:spPr>
           <a:xfrm>
             <a:off x="1659240" y="3891960"/>
-            <a:ext cx="50040" cy="30240"/>
+            <a:ext cx="48960" cy="29160"/>
           </a:xfrm>
           <a:custGeom>
             <a:avLst/>
@@ -25248,7 +24862,7 @@
         <p:spPr>
           <a:xfrm>
             <a:off x="1611720" y="3747600"/>
-            <a:ext cx="11160" cy="21240"/>
+            <a:ext cx="10080" cy="20160"/>
           </a:xfrm>
           <a:custGeom>
             <a:avLst/>
@@ -25395,7 +25009,7 @@
         <p:spPr>
           <a:xfrm>
             <a:off x="1577880" y="3804840"/>
-            <a:ext cx="45000" cy="49320"/>
+            <a:ext cx="43920" cy="48240"/>
           </a:xfrm>
           <a:custGeom>
             <a:avLst/>
@@ -25698,7 +25312,7 @@
         <p:spPr>
           <a:xfrm>
             <a:off x="1756080" y="3495600"/>
-            <a:ext cx="116640" cy="234720"/>
+            <a:ext cx="115560" cy="233640"/>
           </a:xfrm>
           <a:custGeom>
             <a:avLst/>
@@ -25755,7 +25369,7 @@
         <p:spPr>
           <a:xfrm>
             <a:off x="1756080" y="3580560"/>
-            <a:ext cx="116640" cy="80640"/>
+            <a:ext cx="115560" cy="79560"/>
           </a:xfrm>
           <a:custGeom>
             <a:avLst/>
@@ -25806,7 +25420,7 @@
         <p:spPr>
           <a:xfrm>
             <a:off x="1564920" y="3278520"/>
-            <a:ext cx="500040" cy="329400"/>
+            <a:ext cx="498960" cy="328320"/>
           </a:xfrm>
           <a:custGeom>
             <a:avLst/>
@@ -25855,7 +25469,7 @@
         <p:spPr>
           <a:xfrm>
             <a:off x="1636200" y="3218040"/>
-            <a:ext cx="357120" cy="267480"/>
+            <a:ext cx="356040" cy="266400"/>
           </a:xfrm>
           <a:custGeom>
             <a:avLst/>
@@ -25924,7 +25538,7 @@
         <p:spPr>
           <a:xfrm>
             <a:off x="1658160" y="3165120"/>
-            <a:ext cx="313560" cy="279720"/>
+            <a:ext cx="312480" cy="278640"/>
           </a:xfrm>
           <a:custGeom>
             <a:avLst/>
@@ -25993,7 +25607,7 @@
         <p:spPr>
           <a:xfrm>
             <a:off x="1598760" y="3301200"/>
-            <a:ext cx="432720" cy="157320"/>
+            <a:ext cx="431640" cy="156240"/>
           </a:xfrm>
           <a:prstGeom prst="ellipse">
             <a:avLst/>
@@ -26021,7 +25635,7 @@
         <p:spPr>
           <a:xfrm>
             <a:off x="1671480" y="3318120"/>
-            <a:ext cx="284400" cy="273600"/>
+            <a:ext cx="283320" cy="272520"/>
           </a:xfrm>
           <a:custGeom>
             <a:avLst/>
@@ -26080,7 +25694,7 @@
         <p:spPr>
           <a:xfrm>
             <a:off x="1815840" y="3327480"/>
-            <a:ext cx="174240" cy="280440"/>
+            <a:ext cx="173160" cy="279360"/>
           </a:xfrm>
           <a:custGeom>
             <a:avLst/>
@@ -26139,7 +25753,7 @@
         <p:spPr>
           <a:xfrm>
             <a:off x="1720440" y="3191760"/>
-            <a:ext cx="190080" cy="106200"/>
+            <a:ext cx="189000" cy="105120"/>
           </a:xfrm>
           <a:custGeom>
             <a:avLst/>
@@ -26198,7 +25812,7 @@
         <p:spPr>
           <a:xfrm>
             <a:off x="1639800" y="3312000"/>
-            <a:ext cx="335520" cy="155880"/>
+            <a:ext cx="334440" cy="154800"/>
           </a:xfrm>
           <a:custGeom>
             <a:avLst/>
@@ -26295,7 +25909,7 @@
         <p:spPr>
           <a:xfrm>
             <a:off x="1946880" y="3390120"/>
-            <a:ext cx="41760" cy="79200"/>
+            <a:ext cx="40680" cy="78120"/>
           </a:xfrm>
           <a:custGeom>
             <a:avLst/>
@@ -26354,7 +25968,7 @@
         <p:spPr>
           <a:xfrm>
             <a:off x="1642320" y="3390120"/>
-            <a:ext cx="41760" cy="79200"/>
+            <a:ext cx="40680" cy="78120"/>
           </a:xfrm>
           <a:custGeom>
             <a:avLst/>
@@ -26413,7 +26027,7 @@
         <p:spPr>
           <a:xfrm>
             <a:off x="1641600" y="3677040"/>
-            <a:ext cx="96840" cy="238320"/>
+            <a:ext cx="95760" cy="237240"/>
           </a:xfrm>
           <a:custGeom>
             <a:avLst/>
@@ -26477,7 +26091,7 @@
         <p:spPr>
           <a:xfrm>
             <a:off x="1886400" y="3666240"/>
-            <a:ext cx="116640" cy="259920"/>
+            <a:ext cx="115560" cy="258840"/>
           </a:xfrm>
           <a:custGeom>
             <a:avLst/>
@@ -26546,7 +26160,7 @@
         <p:spPr>
           <a:xfrm>
             <a:off x="1679760" y="3623400"/>
-            <a:ext cx="286560" cy="185040"/>
+            <a:ext cx="285480" cy="183960"/>
           </a:xfrm>
           <a:custGeom>
             <a:avLst/>
@@ -26615,7 +26229,7 @@
         <p:spPr>
           <a:xfrm>
             <a:off x="1662840" y="3663360"/>
-            <a:ext cx="294480" cy="159480"/>
+            <a:ext cx="293400" cy="158400"/>
           </a:xfrm>
           <a:custGeom>
             <a:avLst/>
@@ -26872,7 +26486,7 @@
         <p:spPr>
           <a:xfrm>
             <a:off x="1666800" y="3400920"/>
-            <a:ext cx="296640" cy="243720"/>
+            <a:ext cx="295560" cy="242640"/>
           </a:xfrm>
           <a:custGeom>
             <a:avLst/>
@@ -26974,7 +26588,7 @@
         <p:spPr>
           <a:xfrm>
             <a:off x="1761480" y="3507120"/>
-            <a:ext cx="106920" cy="69480"/>
+            <a:ext cx="105840" cy="68400"/>
           </a:xfrm>
           <a:custGeom>
             <a:avLst/>
@@ -27043,7 +26657,7 @@
         <p:spPr>
           <a:xfrm>
             <a:off x="1699560" y="3396240"/>
-            <a:ext cx="229320" cy="77040"/>
+            <a:ext cx="228240" cy="75960"/>
           </a:xfrm>
           <a:custGeom>
             <a:avLst/>
@@ -27286,7 +26900,7 @@
         <p:spPr>
           <a:xfrm>
             <a:off x="1341000" y="3942720"/>
-            <a:ext cx="889200" cy="363960"/>
+            <a:ext cx="888120" cy="362880"/>
           </a:xfrm>
           <a:prstGeom prst="rect">
             <a:avLst/>
@@ -27339,7 +26953,7 @@
         <p:spPr>
           <a:xfrm>
             <a:off x="2274840" y="4729680"/>
-            <a:ext cx="820440" cy="966960"/>
+            <a:ext cx="819360" cy="965880"/>
           </a:xfrm>
           <a:prstGeom prst="rect">
             <a:avLst/>
@@ -27362,7 +26976,7 @@
         <p:spPr>
           <a:xfrm>
             <a:off x="8555040" y="4825440"/>
-            <a:ext cx="555840" cy="654840"/>
+            <a:ext cx="554760" cy="653760"/>
           </a:xfrm>
           <a:prstGeom prst="rect">
             <a:avLst/>
@@ -27381,7 +26995,7 @@
         <p:spPr>
           <a:xfrm>
             <a:off x="2382120" y="2565000"/>
-            <a:ext cx="1538280" cy="454680"/>
+            <a:ext cx="1537200" cy="453600"/>
           </a:xfrm>
           <a:prstGeom prst="rect">
             <a:avLst/>
@@ -27460,7 +27074,7 @@
         <p:spPr>
           <a:xfrm>
             <a:off x="3650400" y="4394160"/>
-            <a:ext cx="1538280" cy="454680"/>
+            <a:ext cx="1537200" cy="453600"/>
           </a:xfrm>
           <a:prstGeom prst="rect">
             <a:avLst/>
@@ -27509,7 +27123,7 @@
         <p:spPr>
           <a:xfrm>
             <a:off x="6291360" y="4429440"/>
-            <a:ext cx="1538280" cy="454680"/>
+            <a:ext cx="1537200" cy="453600"/>
           </a:xfrm>
           <a:prstGeom prst="rect">
             <a:avLst/>
@@ -27558,7 +27172,7 @@
         <p:spPr>
           <a:xfrm>
             <a:off x="3973680" y="2821680"/>
-            <a:ext cx="3738960" cy="333000"/>
+            <a:ext cx="3737880" cy="331920"/>
           </a:xfrm>
           <a:prstGeom prst="rect">
             <a:avLst/>
@@ -27607,7 +27221,7 @@
         <p:spPr>
           <a:xfrm>
             <a:off x="7631640" y="2615760"/>
-            <a:ext cx="1538280" cy="454680"/>
+            <a:ext cx="1537200" cy="453600"/>
           </a:xfrm>
           <a:prstGeom prst="rect">
             <a:avLst/>
@@ -27686,7 +27300,7 @@
         <p:spPr>
           <a:xfrm>
             <a:off x="1873440" y="5667120"/>
-            <a:ext cx="1384920" cy="333000"/>
+            <a:ext cx="1383840" cy="331920"/>
           </a:xfrm>
           <a:prstGeom prst="rect">
             <a:avLst/>
@@ -27735,7 +27349,7 @@
         <p:spPr>
           <a:xfrm>
             <a:off x="7925400" y="5697720"/>
-            <a:ext cx="1902960" cy="333000"/>
+            <a:ext cx="1901880" cy="331920"/>
           </a:xfrm>
           <a:prstGeom prst="rect">
             <a:avLst/>
@@ -27784,7 +27398,7 @@
         <p:spPr>
           <a:xfrm>
             <a:off x="2044800" y="3853800"/>
-            <a:ext cx="1780560" cy="454680"/>
+            <a:ext cx="1779480" cy="453600"/>
           </a:xfrm>
           <a:prstGeom prst="rect">
             <a:avLst/>
@@ -27833,7 +27447,7 @@
         <p:spPr>
           <a:xfrm>
             <a:off x="982800" y="1370160"/>
-            <a:ext cx="1141200" cy="819720"/>
+            <a:ext cx="1140120" cy="818640"/>
           </a:xfrm>
           <a:prstGeom prst="rect">
             <a:avLst/>
@@ -27902,7 +27516,7 @@
         <p:spPr>
           <a:xfrm>
             <a:off x="8951040" y="1808280"/>
-            <a:ext cx="106920" cy="37440"/>
+            <a:ext cx="105840" cy="36360"/>
           </a:xfrm>
           <a:custGeom>
             <a:avLst/>
@@ -27981,7 +27595,7 @@
         <p:spPr>
           <a:xfrm>
             <a:off x="8913960" y="1689120"/>
-            <a:ext cx="36000" cy="36000"/>
+            <a:ext cx="34920" cy="34920"/>
           </a:xfrm>
           <a:prstGeom prst="ellipse">
             <a:avLst/>
@@ -28009,7 +27623,7 @@
         <p:spPr>
           <a:xfrm>
             <a:off x="9053640" y="1689120"/>
-            <a:ext cx="36000" cy="36000"/>
+            <a:ext cx="34920" cy="34920"/>
           </a:xfrm>
           <a:prstGeom prst="ellipse">
             <a:avLst/>
@@ -28037,7 +27651,7 @@
         <p:spPr>
           <a:xfrm>
             <a:off x="2507040" y="1785600"/>
-            <a:ext cx="106920" cy="37440"/>
+            <a:ext cx="105840" cy="36360"/>
           </a:xfrm>
           <a:custGeom>
             <a:avLst/>
@@ -28116,7 +27730,7 @@
         <p:spPr>
           <a:xfrm>
             <a:off x="2469960" y="1666440"/>
-            <a:ext cx="36000" cy="36000"/>
+            <a:ext cx="34920" cy="34920"/>
           </a:xfrm>
           <a:prstGeom prst="ellipse">
             <a:avLst/>
@@ -28144,7 +27758,7 @@
         <p:spPr>
           <a:xfrm>
             <a:off x="2609280" y="1666440"/>
-            <a:ext cx="36000" cy="36000"/>
+            <a:ext cx="34920" cy="34920"/>
           </a:xfrm>
           <a:prstGeom prst="ellipse">
             <a:avLst/>
@@ -28172,7 +27786,7 @@
         <p:spPr>
           <a:xfrm>
             <a:off x="1760400" y="3519000"/>
-            <a:ext cx="96480" cy="33480"/>
+            <a:ext cx="95400" cy="32400"/>
           </a:xfrm>
           <a:custGeom>
             <a:avLst/>
@@ -28251,7 +27865,7 @@
         <p:spPr>
           <a:xfrm>
             <a:off x="1726920" y="3411360"/>
-            <a:ext cx="32400" cy="32400"/>
+            <a:ext cx="31320" cy="31320"/>
           </a:xfrm>
           <a:prstGeom prst="ellipse">
             <a:avLst/>
@@ -28279,7 +27893,7 @@
         <p:spPr>
           <a:xfrm>
             <a:off x="1852920" y="3411360"/>
-            <a:ext cx="32400" cy="32400"/>
+            <a:ext cx="31320" cy="31320"/>
           </a:xfrm>
           <a:prstGeom prst="ellipse">
             <a:avLst/>
@@ -28306,8 +27920,8 @@
         </p:nvSpPr>
         <p:spPr>
           <a:xfrm rot="2400000">
-            <a:off x="4476960" y="1117440"/>
-            <a:ext cx="729000" cy="754200"/>
+            <a:off x="4476960" y="1116720"/>
+            <a:ext cx="727920" cy="753120"/>
           </a:xfrm>
           <a:prstGeom prst="rect">
             <a:avLst/>
@@ -28338,7 +27952,7 @@
         <p:spPr>
           <a:xfrm>
             <a:off x="4429080" y="1312560"/>
-            <a:ext cx="826560" cy="345960"/>
+            <a:ext cx="825480" cy="344880"/>
           </a:xfrm>
           <a:prstGeom prst="rect">
             <a:avLst/>
@@ -28358,12 +27972,16 @@
           <a:bodyPr lIns="90000" rIns="90000" tIns="45000" bIns="45000"/>
           <a:p>
             <a:r>
-              <a:rPr b="0" lang="en-GB" sz="1800" spc="-1" strike="noStrike">
+              <a:rPr b="0" lang="en-GB" sz="1600" spc="-1" strike="noStrike">
+                <a:solidFill>
+                  <a:srgbClr val="000000"/>
+                </a:solidFill>
                 <a:latin typeface="Arial"/>
+                <a:ea typeface="DejaVu Sans"/>
               </a:rPr>
               <a:t>HARD</a:t>
             </a:r>
-            <a:endParaRPr b="0" lang="en-GB" sz="1800" spc="-1" strike="noStrike">
+            <a:endParaRPr b="0" lang="en-GB" sz="1600" spc="-1" strike="noStrike">
               <a:latin typeface="Arial"/>
             </a:endParaRPr>
           </a:p>
@@ -28377,8 +27995,8 @@
         </p:nvSpPr>
         <p:spPr>
           <a:xfrm rot="2400000">
-            <a:off x="2929320" y="3058560"/>
-            <a:ext cx="729000" cy="754200"/>
+            <a:off x="2929320" y="3057840"/>
+            <a:ext cx="727920" cy="753120"/>
           </a:xfrm>
           <a:prstGeom prst="rect">
             <a:avLst/>
@@ -28409,7 +28027,7 @@
         <p:spPr>
           <a:xfrm>
             <a:off x="2881440" y="3253680"/>
-            <a:ext cx="826560" cy="345960"/>
+            <a:ext cx="825480" cy="344880"/>
           </a:xfrm>
           <a:prstGeom prst="rect">
             <a:avLst/>
@@ -28429,12 +28047,16 @@
           <a:bodyPr lIns="90000" rIns="90000" tIns="45000" bIns="45000"/>
           <a:p>
             <a:r>
-              <a:rPr b="0" lang="en-GB" sz="1800" spc="-1" strike="noStrike">
+              <a:rPr b="0" lang="en-GB" sz="1600" spc="-1" strike="noStrike">
+                <a:solidFill>
+                  <a:srgbClr val="000000"/>
+                </a:solidFill>
                 <a:latin typeface="Arial"/>
+                <a:ea typeface="DejaVu Sans"/>
               </a:rPr>
               <a:t>HARD</a:t>
             </a:r>
-            <a:endParaRPr b="0" lang="en-GB" sz="1800" spc="-1" strike="noStrike">
+            <a:endParaRPr b="0" lang="en-GB" sz="1600" spc="-1" strike="noStrike">
               <a:latin typeface="Arial"/>
             </a:endParaRPr>
           </a:p>
@@ -28453,7 +28075,7 @@
         <p:spPr>
           <a:xfrm>
             <a:off x="4137840" y="3178800"/>
-            <a:ext cx="3494880" cy="997200"/>
+            <a:ext cx="3493800" cy="996120"/>
           </a:xfrm>
           <a:prstGeom prst="rect">
             <a:avLst/>
@@ -28521,7 +28143,7 @@
         <p:spPr>
           <a:xfrm>
             <a:off x="838080" y="365040"/>
-            <a:ext cx="10514520" cy="901800"/>
+            <a:ext cx="10513440" cy="900720"/>
           </a:xfrm>
           <a:prstGeom prst="rect">
             <a:avLst/>
@@ -28572,7 +28194,7 @@
         <p:spPr>
           <a:xfrm>
             <a:off x="838080" y="6356520"/>
-            <a:ext cx="1248480" cy="363960"/>
+            <a:ext cx="1247400" cy="362880"/>
           </a:xfrm>
           <a:prstGeom prst="rect">
             <a:avLst/>
@@ -28596,7 +28218,7 @@
                 <a:spcPct val="100000"/>
               </a:lnSpc>
             </a:pPr>
-            <a:fld id="{7A73A498-346E-4BE3-82CC-F0F2F0EFE36F}" type="slidenum">
+            <a:fld id="{311E3A21-D690-4801-ACA6-EB342B13BB60}" type="slidenum">
               <a:rPr b="0" lang="en-GB" sz="1200" spc="-1" strike="noStrike">
                 <a:solidFill>
                   <a:srgbClr val="ffffff"/>
@@ -28621,7 +28243,7 @@
         <p:spPr>
           <a:xfrm>
             <a:off x="2136240" y="1356840"/>
-            <a:ext cx="846720" cy="849240"/>
+            <a:ext cx="845640" cy="848160"/>
           </a:xfrm>
           <a:prstGeom prst="ellipse">
             <a:avLst/>
@@ -28651,7 +28273,7 @@
         <p:spPr>
           <a:xfrm>
             <a:off x="2318760" y="1918080"/>
-            <a:ext cx="482760" cy="287640"/>
+            <a:ext cx="481680" cy="286560"/>
           </a:xfrm>
           <a:custGeom>
             <a:avLst/>
@@ -28722,7 +28344,7 @@
         <p:spPr>
           <a:xfrm>
             <a:off x="2480760" y="1923480"/>
-            <a:ext cx="170280" cy="188280"/>
+            <a:ext cx="169200" cy="187200"/>
           </a:xfrm>
           <a:prstGeom prst="rect">
             <a:avLst/>
@@ -28752,7 +28374,7 @@
         <p:spPr>
           <a:xfrm>
             <a:off x="2500200" y="1744200"/>
-            <a:ext cx="118800" cy="238320"/>
+            <a:ext cx="117720" cy="237240"/>
           </a:xfrm>
           <a:custGeom>
             <a:avLst/>
@@ -28809,7 +28431,7 @@
         <p:spPr>
           <a:xfrm>
             <a:off x="2500200" y="1846800"/>
-            <a:ext cx="118800" cy="80280"/>
+            <a:ext cx="117720" cy="79200"/>
           </a:xfrm>
           <a:custGeom>
             <a:avLst/>
@@ -28860,7 +28482,7 @@
         <p:spPr>
           <a:xfrm>
             <a:off x="2306160" y="1538280"/>
-            <a:ext cx="506160" cy="334080"/>
+            <a:ext cx="505080" cy="333000"/>
           </a:xfrm>
           <a:custGeom>
             <a:avLst/>
@@ -28909,7 +28531,7 @@
         <p:spPr>
           <a:xfrm>
             <a:off x="2559960" y="1538280"/>
-            <a:ext cx="252720" cy="334080"/>
+            <a:ext cx="251640" cy="333000"/>
           </a:xfrm>
           <a:custGeom>
             <a:avLst/>
@@ -28956,7 +28578,7 @@
         <p:spPr>
           <a:xfrm>
             <a:off x="2378880" y="1476720"/>
-            <a:ext cx="360720" cy="272880"/>
+            <a:ext cx="359640" cy="271800"/>
           </a:xfrm>
           <a:custGeom>
             <a:avLst/>
@@ -29027,7 +28649,7 @@
         <p:spPr>
           <a:xfrm>
             <a:off x="2692800" y="1652040"/>
-            <a:ext cx="42120" cy="80280"/>
+            <a:ext cx="41040" cy="79200"/>
           </a:xfrm>
           <a:custGeom>
             <a:avLst/>
@@ -29086,7 +28708,7 @@
         <p:spPr>
           <a:xfrm>
             <a:off x="2383560" y="1652040"/>
-            <a:ext cx="42120" cy="80280"/>
+            <a:ext cx="41040" cy="79200"/>
           </a:xfrm>
           <a:custGeom>
             <a:avLst/>
@@ -29145,7 +28767,7 @@
         <p:spPr>
           <a:xfrm>
             <a:off x="2504160" y="1922040"/>
-            <a:ext cx="110160" cy="284040"/>
+            <a:ext cx="109080" cy="282960"/>
           </a:xfrm>
           <a:custGeom>
             <a:avLst/>
@@ -29217,7 +28839,7 @@
         <p:spPr>
           <a:xfrm>
             <a:off x="2454840" y="1887480"/>
-            <a:ext cx="102240" cy="110880"/>
+            <a:ext cx="101160" cy="109800"/>
           </a:xfrm>
           <a:custGeom>
             <a:avLst/>
@@ -29270,7 +28892,7 @@
         <p:spPr>
           <a:xfrm>
             <a:off x="2561400" y="1887480"/>
-            <a:ext cx="102240" cy="110880"/>
+            <a:ext cx="101160" cy="109800"/>
           </a:xfrm>
           <a:custGeom>
             <a:avLst/>
@@ -29323,7 +28945,7 @@
         <p:spPr>
           <a:xfrm>
             <a:off x="2087640" y="2208600"/>
-            <a:ext cx="889200" cy="363960"/>
+            <a:ext cx="888120" cy="362880"/>
           </a:xfrm>
           <a:prstGeom prst="rect">
             <a:avLst/>
@@ -29372,7 +28994,7 @@
         <p:spPr>
           <a:xfrm>
             <a:off x="8580240" y="1356840"/>
-            <a:ext cx="865800" cy="866520"/>
+            <a:ext cx="864720" cy="865440"/>
           </a:xfrm>
           <a:prstGeom prst="ellipse">
             <a:avLst/>
@@ -29402,7 +29024,7 @@
         <p:spPr>
           <a:xfrm>
             <a:off x="8835120" y="1382400"/>
-            <a:ext cx="372600" cy="409680"/>
+            <a:ext cx="371520" cy="408600"/>
           </a:xfrm>
           <a:custGeom>
             <a:avLst/>
@@ -29501,7 +29123,7 @@
         <p:spPr>
           <a:xfrm>
             <a:off x="8765640" y="1930320"/>
-            <a:ext cx="494280" cy="293040"/>
+            <a:ext cx="493200" cy="291960"/>
           </a:xfrm>
           <a:custGeom>
             <a:avLst/>
@@ -29570,7 +29192,7 @@
         <p:spPr>
           <a:xfrm>
             <a:off x="8765640" y="1930320"/>
-            <a:ext cx="246600" cy="293040"/>
+            <a:ext cx="245520" cy="291960"/>
           </a:xfrm>
           <a:custGeom>
             <a:avLst/>
@@ -29634,7 +29256,7 @@
         <p:spPr>
           <a:xfrm>
             <a:off x="8951760" y="1767240"/>
-            <a:ext cx="121320" cy="411840"/>
+            <a:ext cx="120240" cy="410760"/>
           </a:xfrm>
           <a:custGeom>
             <a:avLst/>
@@ -29696,7 +29318,7 @@
         <p:spPr>
           <a:xfrm>
             <a:off x="8978040" y="2050920"/>
-            <a:ext cx="65160" cy="128160"/>
+            <a:ext cx="64080" cy="127080"/>
           </a:xfrm>
           <a:custGeom>
             <a:avLst/>
@@ -29755,7 +29377,7 @@
         <p:spPr>
           <a:xfrm>
             <a:off x="8951760" y="1856880"/>
-            <a:ext cx="121320" cy="82080"/>
+            <a:ext cx="120240" cy="81000"/>
           </a:xfrm>
           <a:custGeom>
             <a:avLst/>
@@ -29806,7 +29428,7 @@
         <p:spPr>
           <a:xfrm>
             <a:off x="8753400" y="1542240"/>
-            <a:ext cx="517320" cy="341640"/>
+            <a:ext cx="516240" cy="340560"/>
           </a:xfrm>
           <a:custGeom>
             <a:avLst/>
@@ -29855,7 +29477,7 @@
         <p:spPr>
           <a:xfrm>
             <a:off x="9012960" y="1542240"/>
-            <a:ext cx="257760" cy="341640"/>
+            <a:ext cx="256680" cy="340560"/>
           </a:xfrm>
           <a:custGeom>
             <a:avLst/>
@@ -29902,7 +29524,7 @@
         <p:spPr>
           <a:xfrm>
             <a:off x="8826840" y="1478880"/>
-            <a:ext cx="369720" cy="278640"/>
+            <a:ext cx="368640" cy="277560"/>
           </a:xfrm>
           <a:custGeom>
             <a:avLst/>
@@ -29971,7 +29593,7 @@
         <p:spPr>
           <a:xfrm>
             <a:off x="8841240" y="1478880"/>
-            <a:ext cx="345600" cy="284760"/>
+            <a:ext cx="344520" cy="283680"/>
           </a:xfrm>
           <a:custGeom>
             <a:avLst/>
@@ -30090,7 +29712,7 @@
         <p:spPr>
           <a:xfrm>
             <a:off x="9149040" y="1657800"/>
-            <a:ext cx="42840" cy="82080"/>
+            <a:ext cx="41760" cy="81000"/>
           </a:xfrm>
           <a:custGeom>
             <a:avLst/>
@@ -30149,7 +29771,7 @@
         <p:spPr>
           <a:xfrm>
             <a:off x="8833320" y="1657800"/>
-            <a:ext cx="42840" cy="82080"/>
+            <a:ext cx="41760" cy="81000"/>
           </a:xfrm>
           <a:custGeom>
             <a:avLst/>
@@ -30208,7 +29830,7 @@
         <p:spPr>
           <a:xfrm>
             <a:off x="8894880" y="1666080"/>
-            <a:ext cx="235440" cy="88560"/>
+            <a:ext cx="234360" cy="87480"/>
           </a:xfrm>
           <a:custGeom>
             <a:avLst/>
@@ -30409,7 +30031,7 @@
         <p:spPr>
           <a:xfrm>
             <a:off x="8901360" y="1668960"/>
-            <a:ext cx="99720" cy="79560"/>
+            <a:ext cx="98640" cy="78480"/>
           </a:xfrm>
           <a:custGeom>
             <a:avLst/>
@@ -30493,7 +30115,7 @@
         <p:spPr>
           <a:xfrm>
             <a:off x="9024480" y="1668960"/>
-            <a:ext cx="98640" cy="79560"/>
+            <a:ext cx="97560" cy="78480"/>
           </a:xfrm>
           <a:custGeom>
             <a:avLst/>
@@ -30577,7 +30199,7 @@
         <p:spPr>
           <a:xfrm>
             <a:off x="8846280" y="1852200"/>
-            <a:ext cx="165960" cy="327240"/>
+            <a:ext cx="164880" cy="326160"/>
           </a:xfrm>
           <a:custGeom>
             <a:avLst/>
@@ -30636,7 +30258,7 @@
         <p:spPr>
           <a:xfrm>
             <a:off x="9012960" y="1852200"/>
-            <a:ext cx="165240" cy="327240"/>
+            <a:ext cx="164160" cy="326160"/>
           </a:xfrm>
           <a:custGeom>
             <a:avLst/>
@@ -30695,7 +30317,7 @@
         <p:spPr>
           <a:xfrm>
             <a:off x="8568720" y="2198880"/>
-            <a:ext cx="889200" cy="363960"/>
+            <a:ext cx="888120" cy="362880"/>
           </a:xfrm>
           <a:prstGeom prst="rect">
             <a:avLst/>
@@ -30743,8 +30365,8 @@
         </p:nvSpPr>
         <p:spPr>
           <a:xfrm flipV="1">
-            <a:off x="7553160" y="852840"/>
-            <a:ext cx="913320" cy="516240"/>
+            <a:off x="7553160" y="-695160"/>
+            <a:ext cx="912240" cy="515160"/>
           </a:xfrm>
           <a:custGeom>
             <a:avLst/>
@@ -30796,7 +30418,7 @@
         <p:spPr>
           <a:xfrm>
             <a:off x="3139920" y="2345040"/>
-            <a:ext cx="913320" cy="516240"/>
+            <a:ext cx="912240" cy="515160"/>
           </a:xfrm>
           <a:custGeom>
             <a:avLst/>
@@ -30847,8 +30469,8 @@
         </p:nvSpPr>
         <p:spPr>
           <a:xfrm flipH="1" flipV="1">
-            <a:off x="7551720" y="4269960"/>
-            <a:ext cx="913320" cy="516240"/>
+            <a:off x="7551000" y="4268520"/>
+            <a:ext cx="912240" cy="515160"/>
           </a:xfrm>
           <a:custGeom>
             <a:avLst/>
@@ -30899,8 +30521,8 @@
         </p:nvSpPr>
         <p:spPr>
           <a:xfrm flipH="1">
-            <a:off x="3138480" y="4212360"/>
-            <a:ext cx="913320" cy="516240"/>
+            <a:off x="3137760" y="4212360"/>
+            <a:ext cx="912240" cy="515160"/>
           </a:xfrm>
           <a:custGeom>
             <a:avLst/>
@@ -30952,7 +30574,7 @@
         <p:spPr>
           <a:xfrm>
             <a:off x="5349600" y="924480"/>
-            <a:ext cx="764280" cy="765360"/>
+            <a:ext cx="763200" cy="764280"/>
           </a:xfrm>
           <a:custGeom>
             <a:avLst/>
@@ -31011,7 +30633,7 @@
         <p:spPr>
           <a:xfrm>
             <a:off x="5294160" y="1273320"/>
-            <a:ext cx="117720" cy="69120"/>
+            <a:ext cx="116640" cy="68040"/>
           </a:xfrm>
           <a:custGeom>
             <a:avLst/>
@@ -31059,7 +30681,7 @@
         <p:spPr>
           <a:xfrm>
             <a:off x="4127760" y="2378520"/>
-            <a:ext cx="3290760" cy="360"/>
+            <a:ext cx="3289680" cy="360"/>
           </a:xfrm>
           <a:custGeom>
             <a:avLst/>
@@ -31108,7 +30730,7 @@
         <p:spPr>
           <a:xfrm>
             <a:off x="3956040" y="1783440"/>
-            <a:ext cx="3738960" cy="576360"/>
+            <a:ext cx="3737880" cy="575280"/>
           </a:xfrm>
           <a:prstGeom prst="rect">
             <a:avLst/>
@@ -31156,8 +30778,8 @@
         </p:nvSpPr>
         <p:spPr>
           <a:xfrm flipH="1">
-            <a:off x="4052880" y="5016960"/>
-            <a:ext cx="3290760" cy="360"/>
+            <a:off x="4052160" y="5016960"/>
+            <a:ext cx="3289680" cy="360"/>
           </a:xfrm>
           <a:custGeom>
             <a:avLst/>
@@ -31208,7 +30830,7 @@
         <p:spPr>
           <a:xfrm>
             <a:off x="3830400" y="5142960"/>
-            <a:ext cx="3738960" cy="333000"/>
+            <a:ext cx="3737880" cy="331920"/>
           </a:xfrm>
           <a:prstGeom prst="rect">
             <a:avLst/>
@@ -31256,8 +30878,8 @@
         </p:nvSpPr>
         <p:spPr>
           <a:xfrm rot="5400000">
-            <a:off x="8254800" y="3593520"/>
-            <a:ext cx="1461960" cy="360"/>
+            <a:off x="8255160" y="3592800"/>
+            <a:ext cx="1460880" cy="360"/>
           </a:xfrm>
           <a:custGeom>
             <a:avLst/>
@@ -31307,8 +30929,8 @@
         </p:nvSpPr>
         <p:spPr>
           <a:xfrm flipH="1">
-            <a:off x="2491560" y="3562920"/>
-            <a:ext cx="1004760" cy="360"/>
+            <a:off x="2490840" y="3562920"/>
+            <a:ext cx="1003680" cy="360"/>
           </a:xfrm>
           <a:custGeom>
             <a:avLst/>
@@ -31358,7 +30980,7 @@
         <p:spPr>
           <a:xfrm>
             <a:off x="9096120" y="3156840"/>
-            <a:ext cx="1538280" cy="819720"/>
+            <a:ext cx="1537200" cy="818640"/>
           </a:xfrm>
           <a:prstGeom prst="rect">
             <a:avLst/>
@@ -31427,7 +31049,7 @@
         <p:spPr>
           <a:xfrm>
             <a:off x="1395720" y="3100680"/>
-            <a:ext cx="837000" cy="833760"/>
+            <a:ext cx="835920" cy="832680"/>
           </a:xfrm>
           <a:prstGeom prst="rect">
             <a:avLst/>
@@ -31453,7 +31075,7 @@
         <p:spPr>
           <a:xfrm>
             <a:off x="1397520" y="3099960"/>
-            <a:ext cx="835200" cy="836280"/>
+            <a:ext cx="834120" cy="835200"/>
           </a:xfrm>
           <a:prstGeom prst="ellipse">
             <a:avLst/>
@@ -31483,7 +31105,7 @@
         <p:spPr>
           <a:xfrm>
             <a:off x="1576440" y="3652560"/>
-            <a:ext cx="476280" cy="283680"/>
+            <a:ext cx="475200" cy="282600"/>
           </a:xfrm>
           <a:custGeom>
             <a:avLst/>
@@ -31552,7 +31174,7 @@
         <p:spPr>
           <a:xfrm>
             <a:off x="2008080" y="3745800"/>
-            <a:ext cx="45000" cy="143640"/>
+            <a:ext cx="43920" cy="142560"/>
           </a:xfrm>
           <a:custGeom>
             <a:avLst/>
@@ -31606,7 +31228,7 @@
         <p:spPr>
           <a:xfrm>
             <a:off x="1920960" y="3681000"/>
-            <a:ext cx="49320" cy="241560"/>
+            <a:ext cx="48240" cy="240480"/>
           </a:xfrm>
           <a:custGeom>
             <a:avLst/>
@@ -31665,7 +31287,7 @@
         <p:spPr>
           <a:xfrm>
             <a:off x="1832760" y="3654000"/>
-            <a:ext cx="51840" cy="280440"/>
+            <a:ext cx="50760" cy="279360"/>
           </a:xfrm>
           <a:custGeom>
             <a:avLst/>
@@ -31724,7 +31346,7 @@
         <p:spPr>
           <a:xfrm>
             <a:off x="1747080" y="3654000"/>
-            <a:ext cx="49320" cy="280440"/>
+            <a:ext cx="48240" cy="279360"/>
           </a:xfrm>
           <a:custGeom>
             <a:avLst/>
@@ -31783,7 +31405,7 @@
         <p:spPr>
           <a:xfrm>
             <a:off x="1659240" y="3679200"/>
-            <a:ext cx="50040" cy="243000"/>
+            <a:ext cx="48960" cy="241920"/>
           </a:xfrm>
           <a:custGeom>
             <a:avLst/>
@@ -31842,7 +31464,7 @@
         <p:spPr>
           <a:xfrm>
             <a:off x="1576440" y="3747600"/>
-            <a:ext cx="46440" cy="141120"/>
+            <a:ext cx="45360" cy="140040"/>
           </a:xfrm>
           <a:custGeom>
             <a:avLst/>
@@ -31896,7 +31518,7 @@
         <p:spPr>
           <a:xfrm>
             <a:off x="1611720" y="3717000"/>
-            <a:ext cx="406080" cy="51840"/>
+            <a:ext cx="405000" cy="50760"/>
           </a:xfrm>
           <a:custGeom>
             <a:avLst/>
@@ -31953,7 +31575,7 @@
         <p:spPr>
           <a:xfrm>
             <a:off x="1577880" y="3804840"/>
-            <a:ext cx="473400" cy="49320"/>
+            <a:ext cx="472320" cy="48240"/>
           </a:xfrm>
           <a:custGeom>
             <a:avLst/>
@@ -32010,7 +31632,7 @@
         <p:spPr>
           <a:xfrm>
             <a:off x="1626840" y="3891960"/>
-            <a:ext cx="376200" cy="43920"/>
+            <a:ext cx="375120" cy="42840"/>
           </a:xfrm>
           <a:custGeom>
             <a:avLst/>
@@ -32062,7 +31684,7 @@
         <p:spPr>
           <a:xfrm>
             <a:off x="2008080" y="3745800"/>
-            <a:ext cx="9720" cy="22680"/>
+            <a:ext cx="8640" cy="21600"/>
           </a:xfrm>
           <a:custGeom>
             <a:avLst/>
@@ -32229,7 +31851,7 @@
         <p:spPr>
           <a:xfrm>
             <a:off x="2008080" y="3804840"/>
-            <a:ext cx="43200" cy="49320"/>
+            <a:ext cx="42120" cy="48240"/>
           </a:xfrm>
           <a:custGeom>
             <a:avLst/>
@@ -32472,7 +32094,7 @@
         <p:spPr>
           <a:xfrm>
             <a:off x="1920960" y="3717000"/>
-            <a:ext cx="49320" cy="51840"/>
+            <a:ext cx="48240" cy="50760"/>
           </a:xfrm>
           <a:prstGeom prst="rect">
             <a:avLst/>
@@ -32500,7 +32122,7 @@
         <p:spPr>
           <a:xfrm>
             <a:off x="1920960" y="3804840"/>
-            <a:ext cx="49320" cy="49320"/>
+            <a:ext cx="48240" cy="48240"/>
           </a:xfrm>
           <a:prstGeom prst="rect">
             <a:avLst/>
@@ -32528,7 +32150,7 @@
         <p:spPr>
           <a:xfrm>
             <a:off x="1920960" y="3891960"/>
-            <a:ext cx="49320" cy="30240"/>
+            <a:ext cx="48240" cy="29160"/>
           </a:xfrm>
           <a:custGeom>
             <a:avLst/>
@@ -32747,7 +32369,7 @@
         <p:spPr>
           <a:xfrm>
             <a:off x="1832760" y="3717000"/>
-            <a:ext cx="51840" cy="51840"/>
+            <a:ext cx="50760" cy="50760"/>
           </a:xfrm>
           <a:prstGeom prst="rect">
             <a:avLst/>
@@ -32775,7 +32397,7 @@
         <p:spPr>
           <a:xfrm>
             <a:off x="1832760" y="3804840"/>
-            <a:ext cx="51840" cy="49320"/>
+            <a:ext cx="50760" cy="48240"/>
           </a:xfrm>
           <a:prstGeom prst="rect">
             <a:avLst/>
@@ -32803,7 +32425,7 @@
         <p:spPr>
           <a:xfrm>
             <a:off x="1832760" y="3891960"/>
-            <a:ext cx="51840" cy="42480"/>
+            <a:ext cx="50760" cy="41400"/>
           </a:xfrm>
           <a:custGeom>
             <a:avLst/>
@@ -33040,7 +32662,7 @@
         <p:spPr>
           <a:xfrm>
             <a:off x="1747080" y="3717000"/>
-            <a:ext cx="49320" cy="51840"/>
+            <a:ext cx="48240" cy="50760"/>
           </a:xfrm>
           <a:prstGeom prst="rect">
             <a:avLst/>
@@ -33068,7 +32690,7 @@
         <p:spPr>
           <a:xfrm>
             <a:off x="1747080" y="3804840"/>
-            <a:ext cx="49320" cy="49320"/>
+            <a:ext cx="48240" cy="48240"/>
           </a:xfrm>
           <a:prstGeom prst="rect">
             <a:avLst/>
@@ -33096,7 +32718,7 @@
         <p:spPr>
           <a:xfrm>
             <a:off x="1747080" y="3891960"/>
-            <a:ext cx="49320" cy="42480"/>
+            <a:ext cx="48240" cy="41400"/>
           </a:xfrm>
           <a:custGeom>
             <a:avLst/>
@@ -33318,7 +32940,7 @@
         <p:spPr>
           <a:xfrm>
             <a:off x="1659240" y="3717000"/>
-            <a:ext cx="50040" cy="51840"/>
+            <a:ext cx="48960" cy="50760"/>
           </a:xfrm>
           <a:prstGeom prst="rect">
             <a:avLst/>
@@ -33346,7 +32968,7 @@
         <p:spPr>
           <a:xfrm>
             <a:off x="1659240" y="3804840"/>
-            <a:ext cx="50040" cy="49320"/>
+            <a:ext cx="48960" cy="48240"/>
           </a:xfrm>
           <a:prstGeom prst="rect">
             <a:avLst/>
@@ -33374,7 +32996,7 @@
         <p:spPr>
           <a:xfrm>
             <a:off x="1659240" y="3891960"/>
-            <a:ext cx="50040" cy="30240"/>
+            <a:ext cx="48960" cy="29160"/>
           </a:xfrm>
           <a:custGeom>
             <a:avLst/>
@@ -33611,7 +33233,7 @@
         <p:spPr>
           <a:xfrm>
             <a:off x="1611720" y="3747600"/>
-            <a:ext cx="11160" cy="21240"/>
+            <a:ext cx="10080" cy="20160"/>
           </a:xfrm>
           <a:custGeom>
             <a:avLst/>
@@ -33758,7 +33380,7 @@
         <p:spPr>
           <a:xfrm>
             <a:off x="1577880" y="3804840"/>
-            <a:ext cx="45000" cy="49320"/>
+            <a:ext cx="43920" cy="48240"/>
           </a:xfrm>
           <a:custGeom>
             <a:avLst/>
@@ -34061,7 +33683,7 @@
         <p:spPr>
           <a:xfrm>
             <a:off x="1756080" y="3495600"/>
-            <a:ext cx="116640" cy="234720"/>
+            <a:ext cx="115560" cy="233640"/>
           </a:xfrm>
           <a:custGeom>
             <a:avLst/>
@@ -34118,7 +33740,7 @@
         <p:spPr>
           <a:xfrm>
             <a:off x="1756080" y="3580560"/>
-            <a:ext cx="116640" cy="80640"/>
+            <a:ext cx="115560" cy="79560"/>
           </a:xfrm>
           <a:custGeom>
             <a:avLst/>
@@ -34169,7 +33791,7 @@
         <p:spPr>
           <a:xfrm>
             <a:off x="1564920" y="3278520"/>
-            <a:ext cx="500040" cy="329400"/>
+            <a:ext cx="498960" cy="328320"/>
           </a:xfrm>
           <a:custGeom>
             <a:avLst/>
@@ -34218,7 +33840,7 @@
         <p:spPr>
           <a:xfrm>
             <a:off x="1636200" y="3218040"/>
-            <a:ext cx="357120" cy="267480"/>
+            <a:ext cx="356040" cy="266400"/>
           </a:xfrm>
           <a:custGeom>
             <a:avLst/>
@@ -34287,7 +33909,7 @@
         <p:spPr>
           <a:xfrm>
             <a:off x="1658160" y="3165120"/>
-            <a:ext cx="313560" cy="279720"/>
+            <a:ext cx="312480" cy="278640"/>
           </a:xfrm>
           <a:custGeom>
             <a:avLst/>
@@ -34356,7 +33978,7 @@
         <p:spPr>
           <a:xfrm>
             <a:off x="1598760" y="3301200"/>
-            <a:ext cx="432720" cy="157320"/>
+            <a:ext cx="431640" cy="156240"/>
           </a:xfrm>
           <a:prstGeom prst="ellipse">
             <a:avLst/>
@@ -34384,7 +34006,7 @@
         <p:spPr>
           <a:xfrm>
             <a:off x="1671480" y="3318120"/>
-            <a:ext cx="284400" cy="273600"/>
+            <a:ext cx="283320" cy="272520"/>
           </a:xfrm>
           <a:custGeom>
             <a:avLst/>
@@ -34443,7 +34065,7 @@
         <p:spPr>
           <a:xfrm>
             <a:off x="1815840" y="3327480"/>
-            <a:ext cx="174240" cy="280440"/>
+            <a:ext cx="173160" cy="279360"/>
           </a:xfrm>
           <a:custGeom>
             <a:avLst/>
@@ -34502,7 +34124,7 @@
         <p:spPr>
           <a:xfrm>
             <a:off x="1720440" y="3191760"/>
-            <a:ext cx="190080" cy="106200"/>
+            <a:ext cx="189000" cy="105120"/>
           </a:xfrm>
           <a:custGeom>
             <a:avLst/>
@@ -34561,7 +34183,7 @@
         <p:spPr>
           <a:xfrm>
             <a:off x="1639800" y="3312000"/>
-            <a:ext cx="335520" cy="155880"/>
+            <a:ext cx="334440" cy="154800"/>
           </a:xfrm>
           <a:custGeom>
             <a:avLst/>
@@ -34658,7 +34280,7 @@
         <p:spPr>
           <a:xfrm>
             <a:off x="1946880" y="3390120"/>
-            <a:ext cx="41760" cy="79200"/>
+            <a:ext cx="40680" cy="78120"/>
           </a:xfrm>
           <a:custGeom>
             <a:avLst/>
@@ -34717,7 +34339,7 @@
         <p:spPr>
           <a:xfrm>
             <a:off x="1642320" y="3390120"/>
-            <a:ext cx="41760" cy="79200"/>
+            <a:ext cx="40680" cy="78120"/>
           </a:xfrm>
           <a:custGeom>
             <a:avLst/>
@@ -34776,7 +34398,7 @@
         <p:spPr>
           <a:xfrm>
             <a:off x="1641600" y="3677040"/>
-            <a:ext cx="96840" cy="238320"/>
+            <a:ext cx="95760" cy="237240"/>
           </a:xfrm>
           <a:custGeom>
             <a:avLst/>
@@ -34840,7 +34462,7 @@
         <p:spPr>
           <a:xfrm>
             <a:off x="1886400" y="3666240"/>
-            <a:ext cx="116640" cy="259920"/>
+            <a:ext cx="115560" cy="258840"/>
           </a:xfrm>
           <a:custGeom>
             <a:avLst/>
@@ -34909,7 +34531,7 @@
         <p:spPr>
           <a:xfrm>
             <a:off x="1679760" y="3623400"/>
-            <a:ext cx="286560" cy="185040"/>
+            <a:ext cx="285480" cy="183960"/>
           </a:xfrm>
           <a:custGeom>
             <a:avLst/>
@@ -34978,7 +34600,7 @@
         <p:spPr>
           <a:xfrm>
             <a:off x="1662840" y="3663360"/>
-            <a:ext cx="294480" cy="159480"/>
+            <a:ext cx="293400" cy="158400"/>
           </a:xfrm>
           <a:custGeom>
             <a:avLst/>
@@ -35235,7 +34857,7 @@
         <p:spPr>
           <a:xfrm>
             <a:off x="1666800" y="3400920"/>
-            <a:ext cx="296640" cy="243720"/>
+            <a:ext cx="295560" cy="242640"/>
           </a:xfrm>
           <a:custGeom>
             <a:avLst/>
@@ -35337,7 +34959,7 @@
         <p:spPr>
           <a:xfrm>
             <a:off x="1761480" y="3507120"/>
-            <a:ext cx="106920" cy="69480"/>
+            <a:ext cx="105840" cy="68400"/>
           </a:xfrm>
           <a:custGeom>
             <a:avLst/>
@@ -35406,7 +35028,7 @@
         <p:spPr>
           <a:xfrm>
             <a:off x="1699560" y="3396240"/>
-            <a:ext cx="229320" cy="77040"/>
+            <a:ext cx="228240" cy="75960"/>
           </a:xfrm>
           <a:custGeom>
             <a:avLst/>
@@ -35649,7 +35271,7 @@
         <p:spPr>
           <a:xfrm>
             <a:off x="1341000" y="3942720"/>
-            <a:ext cx="889200" cy="363960"/>
+            <a:ext cx="888120" cy="362880"/>
           </a:xfrm>
           <a:prstGeom prst="rect">
             <a:avLst/>
@@ -35702,7 +35324,7 @@
         <p:spPr>
           <a:xfrm>
             <a:off x="2274840" y="4729680"/>
-            <a:ext cx="820440" cy="966960"/>
+            <a:ext cx="819360" cy="965880"/>
           </a:xfrm>
           <a:prstGeom prst="rect">
             <a:avLst/>
@@ -35725,7 +35347,7 @@
         <p:spPr>
           <a:xfrm>
             <a:off x="8555040" y="4825440"/>
-            <a:ext cx="555840" cy="654840"/>
+            <a:ext cx="554760" cy="653760"/>
           </a:xfrm>
           <a:prstGeom prst="rect">
             <a:avLst/>
@@ -35744,7 +35366,7 @@
         <p:spPr>
           <a:xfrm>
             <a:off x="2382120" y="2565000"/>
-            <a:ext cx="1538280" cy="454680"/>
+            <a:ext cx="1537200" cy="453600"/>
           </a:xfrm>
           <a:prstGeom prst="rect">
             <a:avLst/>
@@ -35823,7 +35445,7 @@
         <p:spPr>
           <a:xfrm>
             <a:off x="3650400" y="4394160"/>
-            <a:ext cx="1538280" cy="454680"/>
+            <a:ext cx="1537200" cy="453600"/>
           </a:xfrm>
           <a:prstGeom prst="rect">
             <a:avLst/>
@@ -35872,7 +35494,7 @@
         <p:spPr>
           <a:xfrm>
             <a:off x="6291360" y="4429440"/>
-            <a:ext cx="1538280" cy="454680"/>
+            <a:ext cx="1537200" cy="453600"/>
           </a:xfrm>
           <a:prstGeom prst="rect">
             <a:avLst/>
@@ -35921,7 +35543,7 @@
         <p:spPr>
           <a:xfrm>
             <a:off x="3973680" y="2821680"/>
-            <a:ext cx="3738960" cy="333000"/>
+            <a:ext cx="3737880" cy="331920"/>
           </a:xfrm>
           <a:prstGeom prst="rect">
             <a:avLst/>
@@ -35970,7 +35592,7 @@
         <p:spPr>
           <a:xfrm>
             <a:off x="7631640" y="2615760"/>
-            <a:ext cx="1538280" cy="454680"/>
+            <a:ext cx="1537200" cy="453600"/>
           </a:xfrm>
           <a:prstGeom prst="rect">
             <a:avLst/>
@@ -36049,7 +35671,7 @@
         <p:spPr>
           <a:xfrm>
             <a:off x="1873440" y="5667120"/>
-            <a:ext cx="1384920" cy="333000"/>
+            <a:ext cx="1383840" cy="331920"/>
           </a:xfrm>
           <a:prstGeom prst="rect">
             <a:avLst/>
@@ -36098,7 +35720,7 @@
         <p:spPr>
           <a:xfrm>
             <a:off x="7925400" y="5697720"/>
-            <a:ext cx="1902960" cy="333000"/>
+            <a:ext cx="1901880" cy="331920"/>
           </a:xfrm>
           <a:prstGeom prst="rect">
             <a:avLst/>
@@ -36147,7 +35769,7 @@
         <p:spPr>
           <a:xfrm>
             <a:off x="2332800" y="3601800"/>
-            <a:ext cx="1299240" cy="454680"/>
+            <a:ext cx="1298160" cy="453600"/>
           </a:xfrm>
           <a:prstGeom prst="rect">
             <a:avLst/>
@@ -36211,7 +35833,7 @@
         <p:spPr>
           <a:xfrm>
             <a:off x="5466960" y="1039320"/>
-            <a:ext cx="556560" cy="556560"/>
+            <a:ext cx="555480" cy="555480"/>
           </a:xfrm>
           <a:prstGeom prst="rect">
             <a:avLst/>
@@ -36234,7 +35856,7 @@
         <p:spPr>
           <a:xfrm>
             <a:off x="3571920" y="3263400"/>
-            <a:ext cx="556560" cy="556560"/>
+            <a:ext cx="555480" cy="555480"/>
           </a:xfrm>
           <a:prstGeom prst="rect">
             <a:avLst/>
@@ -36253,7 +35875,7 @@
         <p:spPr>
           <a:xfrm>
             <a:off x="982800" y="1370160"/>
-            <a:ext cx="1141200" cy="819720"/>
+            <a:ext cx="1140120" cy="818640"/>
           </a:xfrm>
           <a:prstGeom prst="rect">
             <a:avLst/>
@@ -36322,7 +35944,7 @@
         <p:spPr>
           <a:xfrm>
             <a:off x="8951040" y="1808280"/>
-            <a:ext cx="106920" cy="37440"/>
+            <a:ext cx="105840" cy="36360"/>
           </a:xfrm>
           <a:custGeom>
             <a:avLst/>
@@ -36401,7 +36023,7 @@
         <p:spPr>
           <a:xfrm>
             <a:off x="8913960" y="1689120"/>
-            <a:ext cx="36000" cy="36000"/>
+            <a:ext cx="34920" cy="34920"/>
           </a:xfrm>
           <a:prstGeom prst="ellipse">
             <a:avLst/>
@@ -36429,7 +36051,7 @@
         <p:spPr>
           <a:xfrm>
             <a:off x="9053640" y="1689120"/>
-            <a:ext cx="36000" cy="36000"/>
+            <a:ext cx="34920" cy="34920"/>
           </a:xfrm>
           <a:prstGeom prst="ellipse">
             <a:avLst/>
@@ -36457,7 +36079,7 @@
         <p:spPr>
           <a:xfrm>
             <a:off x="2512440" y="1785240"/>
-            <a:ext cx="106920" cy="37440"/>
+            <a:ext cx="105840" cy="36360"/>
           </a:xfrm>
           <a:custGeom>
             <a:avLst/>
@@ -36536,7 +36158,7 @@
         <p:spPr>
           <a:xfrm>
             <a:off x="2475360" y="1666080"/>
-            <a:ext cx="36000" cy="36000"/>
+            <a:ext cx="34920" cy="34920"/>
           </a:xfrm>
           <a:prstGeom prst="ellipse">
             <a:avLst/>
@@ -36564,7 +36186,7 @@
         <p:spPr>
           <a:xfrm>
             <a:off x="2615040" y="1666080"/>
-            <a:ext cx="36000" cy="36000"/>
+            <a:ext cx="34920" cy="34920"/>
           </a:xfrm>
           <a:prstGeom prst="ellipse">
             <a:avLst/>
@@ -36592,7 +36214,7 @@
         <p:spPr>
           <a:xfrm>
             <a:off x="1760040" y="3518640"/>
-            <a:ext cx="96120" cy="33480"/>
+            <a:ext cx="95040" cy="32400"/>
           </a:xfrm>
           <a:custGeom>
             <a:avLst/>
@@ -36671,7 +36293,7 @@
         <p:spPr>
           <a:xfrm>
             <a:off x="1726920" y="3411360"/>
-            <a:ext cx="32400" cy="32400"/>
+            <a:ext cx="31320" cy="31320"/>
           </a:xfrm>
           <a:prstGeom prst="ellipse">
             <a:avLst/>
@@ -36699,7 +36321,7 @@
         <p:spPr>
           <a:xfrm>
             <a:off x="1852200" y="3411360"/>
-            <a:ext cx="32400" cy="32400"/>
+            <a:ext cx="31320" cy="31320"/>
           </a:xfrm>
           <a:prstGeom prst="ellipse">
             <a:avLst/>
@@ -36731,7 +36353,7 @@
         <p:spPr>
           <a:xfrm>
             <a:off x="4137840" y="3178800"/>
-            <a:ext cx="3494880" cy="997200"/>
+            <a:ext cx="3493800" cy="996120"/>
           </a:xfrm>
           <a:prstGeom prst="rect">
             <a:avLst/>
@@ -36799,7 +36421,7 @@
         <p:spPr>
           <a:xfrm>
             <a:off x="838080" y="365040"/>
-            <a:ext cx="10514520" cy="901800"/>
+            <a:ext cx="10513440" cy="900720"/>
           </a:xfrm>
           <a:prstGeom prst="rect">
             <a:avLst/>
@@ -36825,7 +36447,7 @@
         <p:spPr>
           <a:xfrm>
             <a:off x="838080" y="6356520"/>
-            <a:ext cx="1248480" cy="363960"/>
+            <a:ext cx="1247400" cy="362880"/>
           </a:xfrm>
           <a:prstGeom prst="rect">
             <a:avLst/>
@@ -36849,7 +36471,7 @@
                 <a:spcPct val="100000"/>
               </a:lnSpc>
             </a:pPr>
-            <a:fld id="{B0D972E7-C748-4C80-BBF8-FA1A3301E970}" type="slidenum">
+            <a:fld id="{EA2E04A8-0757-4975-A67F-AC126C61E535}" type="slidenum">
               <a:rPr b="0" lang="en-GB" sz="1200" spc="-1" strike="noStrike">
                 <a:solidFill>
                   <a:srgbClr val="ffffff"/>
@@ -36878,7 +36500,7 @@
         <p:spPr>
           <a:xfrm>
             <a:off x="613440" y="720000"/>
-            <a:ext cx="4714200" cy="1447200"/>
+            <a:ext cx="4713120" cy="1446120"/>
           </a:xfrm>
           <a:prstGeom prst="rect">
             <a:avLst/>
@@ -36897,7 +36519,7 @@
         <p:spPr>
           <a:xfrm>
             <a:off x="1293120" y="2088000"/>
-            <a:ext cx="9650520" cy="3815640"/>
+            <a:ext cx="9649440" cy="3814560"/>
           </a:xfrm>
           <a:prstGeom prst="rect">
             <a:avLst/>
@@ -36916,7 +36538,7 @@
         <p:txBody>
           <a:bodyPr lIns="90000" rIns="90000" tIns="45000" bIns="45000"/>
           <a:p>
-            <a:pPr marL="228600" indent="-227520">
+            <a:pPr marL="228600" indent="-226440">
               <a:lnSpc>
                 <a:spcPct val="90000"/>
               </a:lnSpc>
@@ -36944,7 +36566,7 @@
             </a:endParaRPr>
           </a:p>
           <a:p>
-            <a:pPr marL="228600" indent="-227520">
+            <a:pPr marL="228600" indent="-226440">
               <a:lnSpc>
                 <a:spcPct val="90000"/>
               </a:lnSpc>
@@ -36972,7 +36594,7 @@
             </a:endParaRPr>
           </a:p>
           <a:p>
-            <a:pPr marL="228600" indent="-227520">
+            <a:pPr marL="228600" indent="-226440">
               <a:lnSpc>
                 <a:spcPct val="90000"/>
               </a:lnSpc>
@@ -37023,7 +36645,7 @@
         <p:spPr>
           <a:xfrm>
             <a:off x="5142240" y="2822040"/>
-            <a:ext cx="4721760" cy="345960"/>
+            <a:ext cx="4720680" cy="344880"/>
           </a:xfrm>
           <a:prstGeom prst="rect">
             <a:avLst/>
@@ -37049,6 +36671,7 @@
                 </a:solidFill>
                 <a:uFillTx/>
                 <a:latin typeface="Arial"/>
+                <a:ea typeface="DejaVu Sans"/>
                 <a:hlinkClick r:id="rId2"/>
               </a:rPr>
               <a:t>https://github.com/KelkooGroup/theGardener</a:t>
@@ -37072,7 +36695,7 @@
         <p:spPr>
           <a:xfrm>
             <a:off x="2645280" y="3347640"/>
-            <a:ext cx="1460520" cy="697680"/>
+            <a:ext cx="1459440" cy="696600"/>
           </a:xfrm>
           <a:prstGeom prst="rect">
             <a:avLst/>
@@ -37095,7 +36718,7 @@
         <p:spPr>
           <a:xfrm>
             <a:off x="4058280" y="3346560"/>
-            <a:ext cx="1849680" cy="693720"/>
+            <a:ext cx="1848600" cy="692640"/>
           </a:xfrm>
           <a:prstGeom prst="rect">
             <a:avLst/>
@@ -37118,7 +36741,7 @@
         <p:spPr>
           <a:xfrm>
             <a:off x="5938920" y="3382560"/>
-            <a:ext cx="745200" cy="723240"/>
+            <a:ext cx="744120" cy="722160"/>
           </a:xfrm>
           <a:prstGeom prst="rect">
             <a:avLst/>
